--- a/PPT/第二部分 软件测试技术/3.2  黑盒测试技术 -边界值.pptx
+++ b/PPT/第二部分 软件测试技术/3.2  黑盒测试技术 -边界值.pptx
@@ -1,31 +1,32 @@
 
 <file path=ppt/presentation.xml><?xml version="1.0" encoding="utf-8"?>
-<p:presentation xmlns:a="http://schemas.openxmlformats.org/drawingml/2006/main" xmlns:r="http://schemas.openxmlformats.org/officeDocument/2006/relationships" xmlns:p="http://schemas.openxmlformats.org/presentationml/2006/main" saveSubsetFonts="1">
+<p:presentation xmlns:a="http://schemas.openxmlformats.org/drawingml/2006/main" xmlns:r="http://schemas.openxmlformats.org/officeDocument/2006/relationships" xmlns:p="http://schemas.openxmlformats.org/presentationml/2006/main">
   <p:sldMasterIdLst>
-    <p:sldMasterId id="2147483776" r:id="rId1"/>
+    <p:sldMasterId id="2147483648" r:id="rId1"/>
   </p:sldMasterIdLst>
   <p:notesMasterIdLst>
-    <p:notesMasterId r:id="rId17"/>
+    <p:notesMasterId r:id="rId7"/>
   </p:notesMasterIdLst>
   <p:handoutMasterIdLst>
-    <p:handoutMasterId r:id="rId18"/>
+    <p:handoutMasterId r:id="rId20"/>
   </p:handoutMasterIdLst>
   <p:sldIdLst>
-    <p:sldId id="256" r:id="rId2"/>
-    <p:sldId id="257" r:id="rId3"/>
-    <p:sldId id="333" r:id="rId4"/>
-    <p:sldId id="320" r:id="rId5"/>
-    <p:sldId id="321" r:id="rId6"/>
-    <p:sldId id="322" r:id="rId7"/>
-    <p:sldId id="323" r:id="rId8"/>
-    <p:sldId id="334" r:id="rId9"/>
-    <p:sldId id="324" r:id="rId10"/>
-    <p:sldId id="325" r:id="rId11"/>
-    <p:sldId id="326" r:id="rId12"/>
-    <p:sldId id="327" r:id="rId13"/>
-    <p:sldId id="329" r:id="rId14"/>
-    <p:sldId id="330" r:id="rId15"/>
-    <p:sldId id="331" r:id="rId16"/>
+    <p:sldId id="256" r:id="rId3"/>
+    <p:sldId id="257" r:id="rId4"/>
+    <p:sldId id="333" r:id="rId5"/>
+    <p:sldId id="320" r:id="rId6"/>
+    <p:sldId id="321" r:id="rId8"/>
+    <p:sldId id="322" r:id="rId9"/>
+    <p:sldId id="323" r:id="rId10"/>
+    <p:sldId id="334" r:id="rId11"/>
+    <p:sldId id="324" r:id="rId12"/>
+    <p:sldId id="325" r:id="rId13"/>
+    <p:sldId id="326" r:id="rId14"/>
+    <p:sldId id="327" r:id="rId15"/>
+    <p:sldId id="329" r:id="rId16"/>
+    <p:sldId id="330" r:id="rId17"/>
+    <p:sldId id="331" r:id="rId18"/>
+    <p:sldId id="346" r:id="rId19"/>
   </p:sldIdLst>
   <p:sldSz cx="9144000" cy="6858000" type="screen4x3"/>
   <p:notesSz cx="6858000" cy="9144000"/>
@@ -44,8 +45,8 @@
         <a:solidFill>
           <a:schemeClr val="tx1"/>
         </a:solidFill>
-        <a:latin typeface="Verdana" pitchFamily="34" charset="0"/>
-        <a:ea typeface="宋体" charset="-122"/>
+        <a:latin typeface="Verdana" panose="020B0604030504040204" pitchFamily="34" charset="0"/>
+        <a:ea typeface="宋体" panose="02010600030101010101" pitchFamily="2" charset="-122"/>
         <a:cs typeface="+mn-cs"/>
       </a:defRPr>
     </a:lvl1pPr>
@@ -60,8 +61,8 @@
         <a:solidFill>
           <a:schemeClr val="tx1"/>
         </a:solidFill>
-        <a:latin typeface="Verdana" pitchFamily="34" charset="0"/>
-        <a:ea typeface="宋体" charset="-122"/>
+        <a:latin typeface="Verdana" panose="020B0604030504040204" pitchFamily="34" charset="0"/>
+        <a:ea typeface="宋体" panose="02010600030101010101" pitchFamily="2" charset="-122"/>
         <a:cs typeface="+mn-cs"/>
       </a:defRPr>
     </a:lvl2pPr>
@@ -76,8 +77,8 @@
         <a:solidFill>
           <a:schemeClr val="tx1"/>
         </a:solidFill>
-        <a:latin typeface="Verdana" pitchFamily="34" charset="0"/>
-        <a:ea typeface="宋体" charset="-122"/>
+        <a:latin typeface="Verdana" panose="020B0604030504040204" pitchFamily="34" charset="0"/>
+        <a:ea typeface="宋体" panose="02010600030101010101" pitchFamily="2" charset="-122"/>
         <a:cs typeface="+mn-cs"/>
       </a:defRPr>
     </a:lvl3pPr>
@@ -92,8 +93,8 @@
         <a:solidFill>
           <a:schemeClr val="tx1"/>
         </a:solidFill>
-        <a:latin typeface="Verdana" pitchFamily="34" charset="0"/>
-        <a:ea typeface="宋体" charset="-122"/>
+        <a:latin typeface="Verdana" panose="020B0604030504040204" pitchFamily="34" charset="0"/>
+        <a:ea typeface="宋体" panose="02010600030101010101" pitchFamily="2" charset="-122"/>
         <a:cs typeface="+mn-cs"/>
       </a:defRPr>
     </a:lvl4pPr>
@@ -108,8 +109,8 @@
         <a:solidFill>
           <a:schemeClr val="tx1"/>
         </a:solidFill>
-        <a:latin typeface="Verdana" pitchFamily="34" charset="0"/>
-        <a:ea typeface="宋体" charset="-122"/>
+        <a:latin typeface="Verdana" panose="020B0604030504040204" pitchFamily="34" charset="0"/>
+        <a:ea typeface="宋体" panose="02010600030101010101" pitchFamily="2" charset="-122"/>
         <a:cs typeface="+mn-cs"/>
       </a:defRPr>
     </a:lvl5pPr>
@@ -118,8 +119,8 @@
         <a:solidFill>
           <a:schemeClr val="tx1"/>
         </a:solidFill>
-        <a:latin typeface="Verdana" pitchFamily="34" charset="0"/>
-        <a:ea typeface="宋体" charset="-122"/>
+        <a:latin typeface="Verdana" panose="020B0604030504040204" pitchFamily="34" charset="0"/>
+        <a:ea typeface="宋体" panose="02010600030101010101" pitchFamily="2" charset="-122"/>
         <a:cs typeface="+mn-cs"/>
       </a:defRPr>
     </a:lvl6pPr>
@@ -128,8 +129,8 @@
         <a:solidFill>
           <a:schemeClr val="tx1"/>
         </a:solidFill>
-        <a:latin typeface="Verdana" pitchFamily="34" charset="0"/>
-        <a:ea typeface="宋体" charset="-122"/>
+        <a:latin typeface="Verdana" panose="020B0604030504040204" pitchFamily="34" charset="0"/>
+        <a:ea typeface="宋体" panose="02010600030101010101" pitchFamily="2" charset="-122"/>
         <a:cs typeface="+mn-cs"/>
       </a:defRPr>
     </a:lvl7pPr>
@@ -138,8 +139,8 @@
         <a:solidFill>
           <a:schemeClr val="tx1"/>
         </a:solidFill>
-        <a:latin typeface="Verdana" pitchFamily="34" charset="0"/>
-        <a:ea typeface="宋体" charset="-122"/>
+        <a:latin typeface="Verdana" panose="020B0604030504040204" pitchFamily="34" charset="0"/>
+        <a:ea typeface="宋体" panose="02010600030101010101" pitchFamily="2" charset="-122"/>
         <a:cs typeface="+mn-cs"/>
       </a:defRPr>
     </a:lvl8pPr>
@@ -148,8 +149,8 @@
         <a:solidFill>
           <a:schemeClr val="tx1"/>
         </a:solidFill>
-        <a:latin typeface="Verdana" pitchFamily="34" charset="0"/>
-        <a:ea typeface="宋体" charset="-122"/>
+        <a:latin typeface="Verdana" panose="020B0604030504040204" pitchFamily="34" charset="0"/>
+        <a:ea typeface="宋体" panose="02010600030101010101" pitchFamily="2" charset="-122"/>
         <a:cs typeface="+mn-cs"/>
       </a:defRPr>
     </a:lvl9pPr>
@@ -204,22 +205,16 @@
           <a:ln w="9525">
             <a:noFill/>
             <a:miter lim="800000"/>
-            <a:headEnd/>
-            <a:tailEnd/>
           </a:ln>
           <a:effectLst/>
         </p:spPr>
         <p:txBody>
-          <a:bodyPr vert="horz" wrap="square" lIns="91440" tIns="45720" rIns="91440" bIns="45720" numCol="1" anchor="t" anchorCtr="0" compatLnSpc="1">
-            <a:prstTxWarp prst="textNoShape">
-              <a:avLst/>
-            </a:prstTxWarp>
-          </a:bodyPr>
+          <a:bodyPr vert="horz" wrap="square" lIns="91440" tIns="45720" rIns="91440" bIns="45720" numCol="1" anchor="t" anchorCtr="0" compatLnSpc="1"/>
           <a:lstStyle>
             <a:lvl1pPr>
               <a:defRPr sz="1200">
-                <a:latin typeface="Arial" charset="0"/>
-                <a:ea typeface="宋体" pitchFamily="2" charset="-122"/>
+                <a:latin typeface="Arial" panose="020B0604020202020204" pitchFamily="34" charset="0"/>
+                <a:ea typeface="宋体" panose="02010600030101010101" pitchFamily="2" charset="-122"/>
               </a:defRPr>
             </a:lvl1pPr>
           </a:lstStyle>
@@ -253,22 +248,16 @@
           <a:ln w="9525">
             <a:noFill/>
             <a:miter lim="800000"/>
-            <a:headEnd/>
-            <a:tailEnd/>
           </a:ln>
           <a:effectLst/>
         </p:spPr>
         <p:txBody>
-          <a:bodyPr vert="horz" wrap="square" lIns="91440" tIns="45720" rIns="91440" bIns="45720" numCol="1" anchor="t" anchorCtr="0" compatLnSpc="1">
-            <a:prstTxWarp prst="textNoShape">
-              <a:avLst/>
-            </a:prstTxWarp>
-          </a:bodyPr>
+          <a:bodyPr vert="horz" wrap="square" lIns="91440" tIns="45720" rIns="91440" bIns="45720" numCol="1" anchor="t" anchorCtr="0" compatLnSpc="1"/>
           <a:lstStyle>
             <a:lvl1pPr algn="r">
               <a:defRPr sz="1200">
-                <a:latin typeface="Arial" charset="0"/>
-                <a:ea typeface="宋体" pitchFamily="2" charset="-122"/>
+                <a:latin typeface="Arial" panose="020B0604020202020204" pitchFamily="34" charset="0"/>
+                <a:ea typeface="宋体" panose="02010600030101010101" pitchFamily="2" charset="-122"/>
               </a:defRPr>
             </a:lvl1pPr>
           </a:lstStyle>
@@ -302,22 +291,16 @@
           <a:ln w="9525">
             <a:noFill/>
             <a:miter lim="800000"/>
-            <a:headEnd/>
-            <a:tailEnd/>
           </a:ln>
           <a:effectLst/>
         </p:spPr>
         <p:txBody>
-          <a:bodyPr vert="horz" wrap="square" lIns="91440" tIns="45720" rIns="91440" bIns="45720" numCol="1" anchor="b" anchorCtr="0" compatLnSpc="1">
-            <a:prstTxWarp prst="textNoShape">
-              <a:avLst/>
-            </a:prstTxWarp>
-          </a:bodyPr>
+          <a:bodyPr vert="horz" wrap="square" lIns="91440" tIns="45720" rIns="91440" bIns="45720" numCol="1" anchor="b" anchorCtr="0" compatLnSpc="1"/>
           <a:lstStyle>
             <a:lvl1pPr>
               <a:defRPr sz="1200">
-                <a:latin typeface="Arial" charset="0"/>
-                <a:ea typeface="宋体" pitchFamily="2" charset="-122"/>
+                <a:latin typeface="Arial" panose="020B0604020202020204" pitchFamily="34" charset="0"/>
+                <a:ea typeface="宋体" panose="02010600030101010101" pitchFamily="2" charset="-122"/>
               </a:defRPr>
             </a:lvl1pPr>
           </a:lstStyle>
@@ -351,22 +334,16 @@
           <a:ln w="9525">
             <a:noFill/>
             <a:miter lim="800000"/>
-            <a:headEnd/>
-            <a:tailEnd/>
           </a:ln>
           <a:effectLst/>
         </p:spPr>
         <p:txBody>
-          <a:bodyPr vert="horz" wrap="square" lIns="91440" tIns="45720" rIns="91440" bIns="45720" numCol="1" anchor="b" anchorCtr="0" compatLnSpc="1">
-            <a:prstTxWarp prst="textNoShape">
-              <a:avLst/>
-            </a:prstTxWarp>
-          </a:bodyPr>
+          <a:bodyPr vert="horz" wrap="square" lIns="91440" tIns="45720" rIns="91440" bIns="45720" numCol="1" anchor="b" anchorCtr="0" compatLnSpc="1"/>
           <a:lstStyle>
             <a:lvl1pPr algn="r">
               <a:defRPr sz="1200">
-                <a:latin typeface="Arial" charset="0"/>
-                <a:ea typeface="宋体" pitchFamily="2" charset="-122"/>
+                <a:latin typeface="Arial" panose="020B0604020202020204" pitchFamily="34" charset="0"/>
+                <a:ea typeface="宋体" panose="02010600030101010101" pitchFamily="2" charset="-122"/>
               </a:defRPr>
             </a:lvl1pPr>
           </a:lstStyle>
@@ -376,21 +353,12 @@
             </a:pPr>
             <a:fld id="{A4B6774F-B969-4134-AA4B-4ED831A1D1B9}" type="slidenum">
               <a:rPr lang="en-US" altLang="zh-CN"/>
-              <a:pPr>
-                <a:defRPr/>
-              </a:pPr>
-              <a:t>‹#›</a:t>
             </a:fld>
             <a:endParaRPr lang="en-US" altLang="zh-CN"/>
           </a:p>
         </p:txBody>
       </p:sp>
     </p:spTree>
-    <p:extLst>
-      <p:ext uri="{BB962C8B-B14F-4D97-AF65-F5344CB8AC3E}">
-        <p14:creationId xmlns:p14="http://schemas.microsoft.com/office/powerpoint/2010/main" val="35720751"/>
-      </p:ext>
-    </p:extLst>
   </p:cSld>
   <p:clrMap bg1="lt1" tx1="dk1" bg2="lt2" tx2="dk2" accent1="accent1" accent2="accent2" accent3="accent3" accent4="accent4" accent5="accent5" accent6="accent6" hlink="hlink" folHlink="folHlink"/>
 </p:handoutMaster>
@@ -443,22 +411,16 @@
           <a:ln w="9525">
             <a:noFill/>
             <a:miter lim="800000"/>
-            <a:headEnd/>
-            <a:tailEnd/>
           </a:ln>
           <a:effectLst/>
         </p:spPr>
         <p:txBody>
-          <a:bodyPr vert="horz" wrap="square" lIns="91440" tIns="45720" rIns="91440" bIns="45720" numCol="1" anchor="t" anchorCtr="0" compatLnSpc="1">
-            <a:prstTxWarp prst="textNoShape">
-              <a:avLst/>
-            </a:prstTxWarp>
-          </a:bodyPr>
+          <a:bodyPr vert="horz" wrap="square" lIns="91440" tIns="45720" rIns="91440" bIns="45720" numCol="1" anchor="t" anchorCtr="0" compatLnSpc="1"/>
           <a:lstStyle>
             <a:lvl1pPr>
               <a:defRPr sz="1200">
-                <a:latin typeface="Arial" charset="0"/>
-                <a:ea typeface="宋体" pitchFamily="2" charset="-122"/>
+                <a:latin typeface="Arial" panose="020B0604020202020204" pitchFamily="34" charset="0"/>
+                <a:ea typeface="宋体" panose="02010600030101010101" pitchFamily="2" charset="-122"/>
               </a:defRPr>
             </a:lvl1pPr>
           </a:lstStyle>
@@ -492,22 +454,16 @@
           <a:ln w="9525">
             <a:noFill/>
             <a:miter lim="800000"/>
-            <a:headEnd/>
-            <a:tailEnd/>
           </a:ln>
           <a:effectLst/>
         </p:spPr>
         <p:txBody>
-          <a:bodyPr vert="horz" wrap="square" lIns="91440" tIns="45720" rIns="91440" bIns="45720" numCol="1" anchor="t" anchorCtr="0" compatLnSpc="1">
-            <a:prstTxWarp prst="textNoShape">
-              <a:avLst/>
-            </a:prstTxWarp>
-          </a:bodyPr>
+          <a:bodyPr vert="horz" wrap="square" lIns="91440" tIns="45720" rIns="91440" bIns="45720" numCol="1" anchor="t" anchorCtr="0" compatLnSpc="1"/>
           <a:lstStyle>
             <a:lvl1pPr algn="r">
               <a:defRPr sz="1200">
-                <a:latin typeface="Arial" charset="0"/>
-                <a:ea typeface="宋体" pitchFamily="2" charset="-122"/>
+                <a:latin typeface="Arial" panose="020B0604020202020204" pitchFamily="34" charset="0"/>
+                <a:ea typeface="宋体" panose="02010600030101010101" pitchFamily="2" charset="-122"/>
               </a:defRPr>
             </a:lvl1pPr>
           </a:lstStyle>
@@ -543,8 +499,6 @@
               <a:srgbClr val="000000"/>
             </a:solidFill>
             <a:miter lim="800000"/>
-            <a:headEnd/>
-            <a:tailEnd/>
           </a:ln>
           <a:extLst>
             <a:ext uri="{909E8E84-426E-40DD-AFC4-6F175D3DCCD1}">
@@ -579,17 +533,11 @@
           <a:ln w="9525">
             <a:noFill/>
             <a:miter lim="800000"/>
-            <a:headEnd/>
-            <a:tailEnd/>
           </a:ln>
           <a:effectLst/>
         </p:spPr>
         <p:txBody>
-          <a:bodyPr vert="horz" wrap="square" lIns="91440" tIns="45720" rIns="91440" bIns="45720" numCol="1" anchor="t" anchorCtr="0" compatLnSpc="1">
-            <a:prstTxWarp prst="textNoShape">
-              <a:avLst/>
-            </a:prstTxWarp>
-          </a:bodyPr>
+          <a:bodyPr vert="horz" wrap="square" lIns="91440" tIns="45720" rIns="91440" bIns="45720" numCol="1" anchor="t" anchorCtr="0" compatLnSpc="1"/>
           <a:lstStyle/>
           <a:p>
             <a:pPr lvl="0"/>
@@ -597,6 +545,7 @@
               <a:rPr lang="zh-CN" altLang="en-US" noProof="0" smtClean="0"/>
               <a:t>单击此处编辑母版文本样式</a:t>
             </a:r>
+            <a:endParaRPr lang="zh-CN" altLang="en-US" noProof="0" smtClean="0"/>
           </a:p>
           <a:p>
             <a:pPr lvl="1"/>
@@ -604,6 +553,7 @@
               <a:rPr lang="zh-CN" altLang="en-US" noProof="0" smtClean="0"/>
               <a:t>第二级</a:t>
             </a:r>
+            <a:endParaRPr lang="zh-CN" altLang="en-US" noProof="0" smtClean="0"/>
           </a:p>
           <a:p>
             <a:pPr lvl="2"/>
@@ -611,6 +561,7 @@
               <a:rPr lang="zh-CN" altLang="en-US" noProof="0" smtClean="0"/>
               <a:t>第三级</a:t>
             </a:r>
+            <a:endParaRPr lang="zh-CN" altLang="en-US" noProof="0" smtClean="0"/>
           </a:p>
           <a:p>
             <a:pPr lvl="3"/>
@@ -618,6 +569,7 @@
               <a:rPr lang="zh-CN" altLang="en-US" noProof="0" smtClean="0"/>
               <a:t>第四级</a:t>
             </a:r>
+            <a:endParaRPr lang="zh-CN" altLang="en-US" noProof="0" smtClean="0"/>
           </a:p>
           <a:p>
             <a:pPr lvl="4"/>
@@ -625,6 +577,7 @@
               <a:rPr lang="zh-CN" altLang="en-US" noProof="0" smtClean="0"/>
               <a:t>第五级</a:t>
             </a:r>
+            <a:endParaRPr lang="zh-CN" altLang="en-US" noProof="0" smtClean="0"/>
           </a:p>
         </p:txBody>
       </p:sp>
@@ -650,22 +603,16 @@
           <a:ln w="9525">
             <a:noFill/>
             <a:miter lim="800000"/>
-            <a:headEnd/>
-            <a:tailEnd/>
           </a:ln>
           <a:effectLst/>
         </p:spPr>
         <p:txBody>
-          <a:bodyPr vert="horz" wrap="square" lIns="91440" tIns="45720" rIns="91440" bIns="45720" numCol="1" anchor="b" anchorCtr="0" compatLnSpc="1">
-            <a:prstTxWarp prst="textNoShape">
-              <a:avLst/>
-            </a:prstTxWarp>
-          </a:bodyPr>
+          <a:bodyPr vert="horz" wrap="square" lIns="91440" tIns="45720" rIns="91440" bIns="45720" numCol="1" anchor="b" anchorCtr="0" compatLnSpc="1"/>
           <a:lstStyle>
             <a:lvl1pPr>
               <a:defRPr sz="1200">
-                <a:latin typeface="Arial" charset="0"/>
-                <a:ea typeface="宋体" pitchFamily="2" charset="-122"/>
+                <a:latin typeface="Arial" panose="020B0604020202020204" pitchFamily="34" charset="0"/>
+                <a:ea typeface="宋体" panose="02010600030101010101" pitchFamily="2" charset="-122"/>
               </a:defRPr>
             </a:lvl1pPr>
           </a:lstStyle>
@@ -699,22 +646,16 @@
           <a:ln w="9525">
             <a:noFill/>
             <a:miter lim="800000"/>
-            <a:headEnd/>
-            <a:tailEnd/>
           </a:ln>
           <a:effectLst/>
         </p:spPr>
         <p:txBody>
-          <a:bodyPr vert="horz" wrap="square" lIns="91440" tIns="45720" rIns="91440" bIns="45720" numCol="1" anchor="b" anchorCtr="0" compatLnSpc="1">
-            <a:prstTxWarp prst="textNoShape">
-              <a:avLst/>
-            </a:prstTxWarp>
-          </a:bodyPr>
+          <a:bodyPr vert="horz" wrap="square" lIns="91440" tIns="45720" rIns="91440" bIns="45720" numCol="1" anchor="b" anchorCtr="0" compatLnSpc="1"/>
           <a:lstStyle>
             <a:lvl1pPr algn="r">
               <a:defRPr sz="1200">
-                <a:latin typeface="Arial" charset="0"/>
-                <a:ea typeface="宋体" pitchFamily="2" charset="-122"/>
+                <a:latin typeface="Arial" panose="020B0604020202020204" pitchFamily="34" charset="0"/>
+                <a:ea typeface="宋体" panose="02010600030101010101" pitchFamily="2" charset="-122"/>
               </a:defRPr>
             </a:lvl1pPr>
           </a:lstStyle>
@@ -724,21 +665,12 @@
             </a:pPr>
             <a:fld id="{C6E7EC9E-A07B-4D49-8E17-EEA97947E75D}" type="slidenum">
               <a:rPr lang="en-US" altLang="zh-CN"/>
-              <a:pPr>
-                <a:defRPr/>
-              </a:pPr>
-              <a:t>‹#›</a:t>
             </a:fld>
             <a:endParaRPr lang="en-US" altLang="zh-CN"/>
           </a:p>
         </p:txBody>
       </p:sp>
     </p:spTree>
-    <p:extLst>
-      <p:ext uri="{BB962C8B-B14F-4D97-AF65-F5344CB8AC3E}">
-        <p14:creationId xmlns:p14="http://schemas.microsoft.com/office/powerpoint/2010/main" val="1270455578"/>
-      </p:ext>
-    </p:extLst>
   </p:cSld>
   <p:clrMap bg1="lt1" tx1="dk1" bg2="lt2" tx2="dk2" accent1="accent1" accent2="accent2" accent3="accent3" accent4="accent4" accent5="accent5" accent6="accent6" hlink="hlink" folHlink="folHlink"/>
   <p:notesStyle>
@@ -753,8 +685,8 @@
         <a:solidFill>
           <a:schemeClr val="tx1"/>
         </a:solidFill>
-        <a:latin typeface="Arial" charset="0"/>
-        <a:ea typeface="宋体" pitchFamily="2" charset="-122"/>
+        <a:latin typeface="Arial" panose="020B0604020202020204" pitchFamily="34" charset="0"/>
+        <a:ea typeface="宋体" panose="02010600030101010101" pitchFamily="2" charset="-122"/>
         <a:cs typeface="+mn-cs"/>
       </a:defRPr>
     </a:lvl1pPr>
@@ -769,8 +701,8 @@
         <a:solidFill>
           <a:schemeClr val="tx1"/>
         </a:solidFill>
-        <a:latin typeface="Arial" charset="0"/>
-        <a:ea typeface="宋体" pitchFamily="2" charset="-122"/>
+        <a:latin typeface="Arial" panose="020B0604020202020204" pitchFamily="34" charset="0"/>
+        <a:ea typeface="宋体" panose="02010600030101010101" pitchFamily="2" charset="-122"/>
         <a:cs typeface="+mn-cs"/>
       </a:defRPr>
     </a:lvl2pPr>
@@ -785,8 +717,8 @@
         <a:solidFill>
           <a:schemeClr val="tx1"/>
         </a:solidFill>
-        <a:latin typeface="Arial" charset="0"/>
-        <a:ea typeface="宋体" pitchFamily="2" charset="-122"/>
+        <a:latin typeface="Arial" panose="020B0604020202020204" pitchFamily="34" charset="0"/>
+        <a:ea typeface="宋体" panose="02010600030101010101" pitchFamily="2" charset="-122"/>
         <a:cs typeface="+mn-cs"/>
       </a:defRPr>
     </a:lvl3pPr>
@@ -801,8 +733,8 @@
         <a:solidFill>
           <a:schemeClr val="tx1"/>
         </a:solidFill>
-        <a:latin typeface="Arial" charset="0"/>
-        <a:ea typeface="宋体" pitchFamily="2" charset="-122"/>
+        <a:latin typeface="Arial" panose="020B0604020202020204" pitchFamily="34" charset="0"/>
+        <a:ea typeface="宋体" panose="02010600030101010101" pitchFamily="2" charset="-122"/>
         <a:cs typeface="+mn-cs"/>
       </a:defRPr>
     </a:lvl4pPr>
@@ -817,8 +749,8 @@
         <a:solidFill>
           <a:schemeClr val="tx1"/>
         </a:solidFill>
-        <a:latin typeface="Arial" charset="0"/>
-        <a:ea typeface="宋体" pitchFamily="2" charset="-122"/>
+        <a:latin typeface="Arial" panose="020B0604020202020204" pitchFamily="34" charset="0"/>
+        <a:ea typeface="宋体" panose="02010600030101010101" pitchFamily="2" charset="-122"/>
         <a:cs typeface="+mn-cs"/>
       </a:defRPr>
     </a:lvl5pPr>
@@ -924,9 +856,8 @@
                 <a:srgbClr val="993300"/>
               </a:buClr>
               <a:buSzPct val="80000"/>
-              <a:buFont typeface="Wingdings" pitchFamily="2" charset="2"/>
+              <a:buFont typeface="Wingdings" panose="05000000000000000000" pitchFamily="2" charset="2"/>
               <a:buChar char="l"/>
-              <a:tabLst/>
               <a:defRPr/>
             </a:pPr>
             <a:r>
@@ -967,8 +898,8 @@
             </a:r>
             <a:r>
               <a:rPr lang="zh-CN" altLang="en-US" sz="1200" b="1" dirty="0" smtClean="0">
-                <a:latin typeface="华文中宋" pitchFamily="2" charset="-122"/>
-                <a:ea typeface="华文中宋" pitchFamily="2" charset="-122"/>
+                <a:latin typeface="华文中宋" panose="02010600040101010101" pitchFamily="2" charset="-122"/>
+                <a:ea typeface="华文中宋" panose="02010600040101010101" pitchFamily="2" charset="-122"/>
               </a:rPr>
               <a:t>清晰、直观地表达软件开发全过程</a:t>
             </a:r>
@@ -980,7 +911,7 @@
                 <a:srgbClr val="993300"/>
               </a:buClr>
               <a:buSzPct val="80000"/>
-              <a:buFont typeface="Wingdings" pitchFamily="2" charset="2"/>
+              <a:buFont typeface="Wingdings" panose="05000000000000000000" pitchFamily="2" charset="2"/>
               <a:buNone/>
             </a:pPr>
             <a:endParaRPr lang="en-US" altLang="zh-CN" dirty="0" smtClean="0"/>
@@ -991,7 +922,7 @@
                 <a:srgbClr val="993300"/>
               </a:buClr>
               <a:buSzPct val="80000"/>
-              <a:buFont typeface="Wingdings" pitchFamily="2" charset="2"/>
+              <a:buFont typeface="Wingdings" panose="05000000000000000000" pitchFamily="2" charset="2"/>
               <a:buNone/>
             </a:pPr>
             <a:r>
@@ -1006,7 +937,7 @@
                 <a:srgbClr val="993300"/>
               </a:buClr>
               <a:buSzPct val="80000"/>
-              <a:buFont typeface="Wingdings" pitchFamily="2" charset="2"/>
+              <a:buFont typeface="Wingdings" panose="05000000000000000000" pitchFamily="2" charset="2"/>
               <a:buNone/>
             </a:pPr>
             <a:endParaRPr lang="zh-CN" altLang="en-US" dirty="0" smtClean="0"/>
@@ -1026,7 +957,6 @@
               <a:buSzTx/>
               <a:buFontTx/>
               <a:buNone/>
-              <a:tabLst/>
               <a:defRPr/>
             </a:pPr>
             <a:r>
@@ -1059,6 +989,7 @@
               <a:rPr lang="zh-CN" altLang="en-US" dirty="0" smtClean="0"/>
               <a:t>原理，遵循管理学原理 。测试专家通过实践总结出了很多很好的测试模型。测试模型实质是将测试活动进行了抽象，明确了测试与开发之间的关系，是测试管理的重要参考依据。</a:t>
             </a:r>
+            <a:endParaRPr lang="zh-CN" altLang="en-US" dirty="0" smtClean="0"/>
           </a:p>
           <a:p>
             <a:endParaRPr lang="zh-CN" altLang="en-US" dirty="0"/>
@@ -1085,21 +1016,104 @@
             </a:pPr>
             <a:fld id="{135889C9-CEB4-47E7-9667-A45DDACC3A94}" type="slidenum">
               <a:rPr lang="zh-CN" altLang="en-US" smtClean="0"/>
-              <a:pPr>
-                <a:defRPr/>
-              </a:pPr>
-              <a:t>4</a:t>
             </a:fld>
             <a:endParaRPr lang="zh-CN" altLang="en-US" dirty="0"/>
           </a:p>
         </p:txBody>
       </p:sp>
     </p:spTree>
-    <p:extLst>
-      <p:ext uri="{BB962C8B-B14F-4D97-AF65-F5344CB8AC3E}">
-        <p14:creationId xmlns:p14="http://schemas.microsoft.com/office/powerpoint/2010/main" val="3857648017"/>
-      </p:ext>
-    </p:extLst>
+  </p:cSld>
+  <p:clrMapOvr>
+    <a:masterClrMapping/>
+  </p:clrMapOvr>
+</p:notes>
+</file>
+
+<file path=ppt/notesSlides/notesSlide2.xml><?xml version="1.0" encoding="utf-8"?>
+<p:notes xmlns:a="http://schemas.openxmlformats.org/drawingml/2006/main" xmlns:r="http://schemas.openxmlformats.org/officeDocument/2006/relationships" xmlns:p="http://schemas.openxmlformats.org/presentationml/2006/main">
+  <p:cSld>
+    <p:spTree>
+      <p:nvGrpSpPr>
+        <p:cNvPr id="1" name=""/>
+        <p:cNvGrpSpPr/>
+        <p:nvPr/>
+      </p:nvGrpSpPr>
+      <p:grpSpPr/>
+      <p:sp>
+        <p:nvSpPr>
+          <p:cNvPr id="2" name="幻灯片图像占位符 1"/>
+          <p:cNvSpPr/>
+          <p:nvPr>
+            <p:ph type="sldImg" idx="2"/>
+          </p:nvPr>
+        </p:nvSpPr>
+        <p:spPr/>
+      </p:sp>
+      <p:sp>
+        <p:nvSpPr>
+          <p:cNvPr id="3" name="文本占位符 2"/>
+          <p:cNvSpPr/>
+          <p:nvPr>
+            <p:ph type="body" idx="3"/>
+          </p:nvPr>
+        </p:nvSpPr>
+        <p:spPr/>
+        <p:txBody>
+          <a:bodyPr/>
+          <a:p>
+            <a:r>
+              <a:rPr lang="zh-CN" altLang="en-US"/>
+              <a:t>这一页的规则有些不能理解，这和三个原则冲突吗？</a:t>
+            </a:r>
+            <a:endParaRPr lang="zh-CN" altLang="en-US"/>
+          </a:p>
+        </p:txBody>
+      </p:sp>
+    </p:spTree>
+  </p:cSld>
+  <p:clrMapOvr>
+    <a:masterClrMapping/>
+  </p:clrMapOvr>
+</p:notes>
+</file>
+
+<file path=ppt/notesSlides/notesSlide3.xml><?xml version="1.0" encoding="utf-8"?>
+<p:notes xmlns:a="http://schemas.openxmlformats.org/drawingml/2006/main" xmlns:r="http://schemas.openxmlformats.org/officeDocument/2006/relationships" xmlns:p="http://schemas.openxmlformats.org/presentationml/2006/main">
+  <p:cSld>
+    <p:spTree>
+      <p:nvGrpSpPr>
+        <p:cNvPr id="1" name=""/>
+        <p:cNvGrpSpPr/>
+        <p:nvPr/>
+      </p:nvGrpSpPr>
+      <p:grpSpPr/>
+      <p:sp>
+        <p:nvSpPr>
+          <p:cNvPr id="2" name="幻灯片图像占位符 1"/>
+          <p:cNvSpPr/>
+          <p:nvPr>
+            <p:ph type="sldImg" idx="2"/>
+          </p:nvPr>
+        </p:nvSpPr>
+        <p:spPr/>
+      </p:sp>
+      <p:sp>
+        <p:nvSpPr>
+          <p:cNvPr id="3" name="文本占位符 2"/>
+          <p:cNvSpPr/>
+          <p:nvPr>
+            <p:ph type="body" idx="3"/>
+          </p:nvPr>
+        </p:nvSpPr>
+        <p:spPr/>
+        <p:txBody>
+          <a:bodyPr/>
+          <a:p>
+            <a:endParaRPr lang="zh-CN" altLang="en-US"/>
+          </a:p>
+        </p:txBody>
+      </p:sp>
+    </p:spTree>
   </p:cSld>
   <p:clrMapOvr>
     <a:masterClrMapping/>
@@ -1108,7 +1122,7 @@
 </file>
 
 <file path=ppt/slideLayouts/slideLayout1.xml><?xml version="1.0" encoding="utf-8"?>
-<p:sldLayout xmlns:a="http://schemas.openxmlformats.org/drawingml/2006/main" xmlns:r="http://schemas.openxmlformats.org/officeDocument/2006/relationships" xmlns:p="http://schemas.openxmlformats.org/presentationml/2006/main" showMasterSp="0" type="title" preserve="1">
+<p:sldLayout xmlns:a="http://schemas.openxmlformats.org/drawingml/2006/main" xmlns:r="http://schemas.openxmlformats.org/officeDocument/2006/relationships" xmlns:p="http://schemas.openxmlformats.org/presentationml/2006/main" type="title" preserve="1" showMasterSp="0">
   <p:cSld name="标题幻灯片">
     <p:spTree>
       <p:nvGrpSpPr>
@@ -1218,8 +1232,6 @@
               <a:schemeClr val="accent2"/>
             </a:solidFill>
             <a:round/>
-            <a:headEnd/>
-            <a:tailEnd/>
           </a:ln>
         </p:spPr>
         <p:txBody>
@@ -1258,6 +1270,7 @@
               <a:rPr lang="zh-CN" altLang="en-US"/>
               <a:t>单击此处编辑母版标题样式</a:t>
             </a:r>
+            <a:endParaRPr lang="zh-CN" altLang="en-US"/>
           </a:p>
         </p:txBody>
       </p:sp>
@@ -1281,7 +1294,7 @@
           <a:bodyPr/>
           <a:lstStyle>
             <a:lvl1pPr marL="0" indent="0">
-              <a:buFont typeface="Wingdings" pitchFamily="2" charset="2"/>
+              <a:buFont typeface="Wingdings" panose="05000000000000000000" pitchFamily="2" charset="2"/>
               <a:buNone/>
               <a:defRPr sz="2800"/>
             </a:lvl1pPr>
@@ -1291,6 +1304,7 @@
               <a:rPr lang="zh-CN" altLang="en-US"/>
               <a:t>单击此处编辑母版副标题样式</a:t>
             </a:r>
+            <a:endParaRPr lang="zh-CN" altLang="en-US"/>
           </a:p>
         </p:txBody>
       </p:sp>
@@ -1385,21 +1399,12 @@
             </a:pPr>
             <a:fld id="{00CA8D71-C3EC-4BA8-8391-4F5BE00376FA}" type="slidenum">
               <a:rPr lang="en-US" altLang="zh-CN"/>
-              <a:pPr>
-                <a:defRPr/>
-              </a:pPr>
-              <a:t>‹#›</a:t>
             </a:fld>
             <a:endParaRPr lang="en-US" altLang="zh-CN"/>
           </a:p>
         </p:txBody>
       </p:sp>
     </p:spTree>
-    <p:extLst>
-      <p:ext uri="{BB962C8B-B14F-4D97-AF65-F5344CB8AC3E}">
-        <p14:creationId xmlns:p14="http://schemas.microsoft.com/office/powerpoint/2010/main" val="2528888964"/>
-      </p:ext>
-    </p:extLst>
   </p:cSld>
   <p:clrMapOvr>
     <a:masterClrMapping/>
@@ -1470,6 +1475,7 @@
               <a:rPr lang="zh-CN" altLang="en-US" smtClean="0"/>
               <a:t>单击此处编辑母版文本样式</a:t>
             </a:r>
+            <a:endParaRPr lang="zh-CN" altLang="en-US" smtClean="0"/>
           </a:p>
           <a:p>
             <a:pPr lvl="1"/>
@@ -1477,6 +1483,7 @@
               <a:rPr lang="zh-CN" altLang="en-US" smtClean="0"/>
               <a:t>第二级</a:t>
             </a:r>
+            <a:endParaRPr lang="zh-CN" altLang="en-US" smtClean="0"/>
           </a:p>
           <a:p>
             <a:pPr lvl="2"/>
@@ -1484,6 +1491,7 @@
               <a:rPr lang="zh-CN" altLang="en-US" smtClean="0"/>
               <a:t>第三级</a:t>
             </a:r>
+            <a:endParaRPr lang="zh-CN" altLang="en-US" smtClean="0"/>
           </a:p>
           <a:p>
             <a:pPr lvl="3"/>
@@ -1491,6 +1499,7 @@
               <a:rPr lang="zh-CN" altLang="en-US" smtClean="0"/>
               <a:t>第四级</a:t>
             </a:r>
+            <a:endParaRPr lang="zh-CN" altLang="en-US" smtClean="0"/>
           </a:p>
           <a:p>
             <a:pPr lvl="4"/>
@@ -1512,9 +1521,7 @@
             <p:ph type="dt" sz="half" idx="10"/>
           </p:nvPr>
         </p:nvSpPr>
-        <p:spPr>
-          <a:ln/>
-        </p:spPr>
+        <p:spPr/>
         <p:txBody>
           <a:bodyPr/>
           <a:lstStyle>
@@ -1540,9 +1547,7 @@
             <p:ph type="ftr" sz="quarter" idx="11"/>
           </p:nvPr>
         </p:nvSpPr>
-        <p:spPr>
-          <a:ln/>
-        </p:spPr>
+        <p:spPr/>
         <p:txBody>
           <a:bodyPr/>
           <a:lstStyle>
@@ -1568,9 +1573,7 @@
             <p:ph type="sldNum" sz="quarter" idx="12"/>
           </p:nvPr>
         </p:nvSpPr>
-        <p:spPr>
-          <a:ln/>
-        </p:spPr>
+        <p:spPr/>
         <p:txBody>
           <a:bodyPr/>
           <a:lstStyle>
@@ -1584,21 +1587,12 @@
             </a:pPr>
             <a:fld id="{6FB7A9A1-467B-452D-AE21-B17E4BA29EEB}" type="slidenum">
               <a:rPr lang="en-US" altLang="zh-CN"/>
-              <a:pPr>
-                <a:defRPr/>
-              </a:pPr>
-              <a:t>‹#›</a:t>
             </a:fld>
             <a:endParaRPr lang="en-US" altLang="zh-CN"/>
           </a:p>
         </p:txBody>
       </p:sp>
     </p:spTree>
-    <p:extLst>
-      <p:ext uri="{BB962C8B-B14F-4D97-AF65-F5344CB8AC3E}">
-        <p14:creationId xmlns:p14="http://schemas.microsoft.com/office/powerpoint/2010/main" val="3698883792"/>
-      </p:ext>
-    </p:extLst>
   </p:cSld>
   <p:clrMapOvr>
     <a:masterClrMapping/>
@@ -1679,6 +1673,7 @@
               <a:rPr lang="zh-CN" altLang="en-US" smtClean="0"/>
               <a:t>单击此处编辑母版文本样式</a:t>
             </a:r>
+            <a:endParaRPr lang="zh-CN" altLang="en-US" smtClean="0"/>
           </a:p>
           <a:p>
             <a:pPr lvl="1"/>
@@ -1686,6 +1681,7 @@
               <a:rPr lang="zh-CN" altLang="en-US" smtClean="0"/>
               <a:t>第二级</a:t>
             </a:r>
+            <a:endParaRPr lang="zh-CN" altLang="en-US" smtClean="0"/>
           </a:p>
           <a:p>
             <a:pPr lvl="2"/>
@@ -1693,6 +1689,7 @@
               <a:rPr lang="zh-CN" altLang="en-US" smtClean="0"/>
               <a:t>第三级</a:t>
             </a:r>
+            <a:endParaRPr lang="zh-CN" altLang="en-US" smtClean="0"/>
           </a:p>
           <a:p>
             <a:pPr lvl="3"/>
@@ -1700,6 +1697,7 @@
               <a:rPr lang="zh-CN" altLang="en-US" smtClean="0"/>
               <a:t>第四级</a:t>
             </a:r>
+            <a:endParaRPr lang="zh-CN" altLang="en-US" smtClean="0"/>
           </a:p>
           <a:p>
             <a:pPr lvl="4"/>
@@ -1721,9 +1719,7 @@
             <p:ph type="dt" sz="half" idx="10"/>
           </p:nvPr>
         </p:nvSpPr>
-        <p:spPr>
-          <a:ln/>
-        </p:spPr>
+        <p:spPr/>
         <p:txBody>
           <a:bodyPr/>
           <a:lstStyle>
@@ -1749,9 +1745,7 @@
             <p:ph type="ftr" sz="quarter" idx="11"/>
           </p:nvPr>
         </p:nvSpPr>
-        <p:spPr>
-          <a:ln/>
-        </p:spPr>
+        <p:spPr/>
         <p:txBody>
           <a:bodyPr/>
           <a:lstStyle>
@@ -1777,9 +1771,7 @@
             <p:ph type="sldNum" sz="quarter" idx="12"/>
           </p:nvPr>
         </p:nvSpPr>
-        <p:spPr>
-          <a:ln/>
-        </p:spPr>
+        <p:spPr/>
         <p:txBody>
           <a:bodyPr/>
           <a:lstStyle>
@@ -1793,21 +1785,12 @@
             </a:pPr>
             <a:fld id="{920E4D55-174F-47DB-8C7E-745DD6B5C1D6}" type="slidenum">
               <a:rPr lang="en-US" altLang="zh-CN"/>
-              <a:pPr>
-                <a:defRPr/>
-              </a:pPr>
-              <a:t>‹#›</a:t>
             </a:fld>
             <a:endParaRPr lang="en-US" altLang="zh-CN"/>
           </a:p>
         </p:txBody>
       </p:sp>
     </p:spTree>
-    <p:extLst>
-      <p:ext uri="{BB962C8B-B14F-4D97-AF65-F5344CB8AC3E}">
-        <p14:creationId xmlns:p14="http://schemas.microsoft.com/office/powerpoint/2010/main" val="3146650370"/>
-      </p:ext>
-    </p:extLst>
   </p:cSld>
   <p:clrMapOvr>
     <a:masterClrMapping/>
@@ -1888,6 +1871,7 @@
               <a:rPr lang="zh-CN" altLang="en-US" smtClean="0"/>
               <a:t>单击此处编辑母版文本样式</a:t>
             </a:r>
+            <a:endParaRPr lang="zh-CN" altLang="en-US" smtClean="0"/>
           </a:p>
           <a:p>
             <a:pPr lvl="1"/>
@@ -1895,6 +1879,7 @@
               <a:rPr lang="zh-CN" altLang="en-US" smtClean="0"/>
               <a:t>第二级</a:t>
             </a:r>
+            <a:endParaRPr lang="zh-CN" altLang="en-US" smtClean="0"/>
           </a:p>
           <a:p>
             <a:pPr lvl="2"/>
@@ -1902,6 +1887,7 @@
               <a:rPr lang="zh-CN" altLang="en-US" smtClean="0"/>
               <a:t>第三级</a:t>
             </a:r>
+            <a:endParaRPr lang="zh-CN" altLang="en-US" smtClean="0"/>
           </a:p>
           <a:p>
             <a:pPr lvl="3"/>
@@ -1909,6 +1895,7 @@
               <a:rPr lang="zh-CN" altLang="en-US" smtClean="0"/>
               <a:t>第四级</a:t>
             </a:r>
+            <a:endParaRPr lang="zh-CN" altLang="en-US" smtClean="0"/>
           </a:p>
           <a:p>
             <a:pPr lvl="4"/>
@@ -1945,6 +1932,7 @@
               <a:rPr lang="zh-CN" altLang="en-US" smtClean="0"/>
               <a:t>单击此处编辑母版文本样式</a:t>
             </a:r>
+            <a:endParaRPr lang="zh-CN" altLang="en-US" smtClean="0"/>
           </a:p>
           <a:p>
             <a:pPr lvl="1"/>
@@ -1952,6 +1940,7 @@
               <a:rPr lang="zh-CN" altLang="en-US" smtClean="0"/>
               <a:t>第二级</a:t>
             </a:r>
+            <a:endParaRPr lang="zh-CN" altLang="en-US" smtClean="0"/>
           </a:p>
           <a:p>
             <a:pPr lvl="2"/>
@@ -1959,6 +1948,7 @@
               <a:rPr lang="zh-CN" altLang="en-US" smtClean="0"/>
               <a:t>第三级</a:t>
             </a:r>
+            <a:endParaRPr lang="zh-CN" altLang="en-US" smtClean="0"/>
           </a:p>
           <a:p>
             <a:pPr lvl="3"/>
@@ -1966,6 +1956,7 @@
               <a:rPr lang="zh-CN" altLang="en-US" smtClean="0"/>
               <a:t>第四级</a:t>
             </a:r>
+            <a:endParaRPr lang="zh-CN" altLang="en-US" smtClean="0"/>
           </a:p>
           <a:p>
             <a:pPr lvl="4"/>
@@ -1987,9 +1978,7 @@
             <p:ph type="dt" sz="half" idx="10"/>
           </p:nvPr>
         </p:nvSpPr>
-        <p:spPr>
-          <a:ln/>
-        </p:spPr>
+        <p:spPr/>
         <p:txBody>
           <a:bodyPr/>
           <a:lstStyle>
@@ -2015,9 +2004,7 @@
             <p:ph type="ftr" sz="quarter" idx="11"/>
           </p:nvPr>
         </p:nvSpPr>
-        <p:spPr>
-          <a:ln/>
-        </p:spPr>
+        <p:spPr/>
         <p:txBody>
           <a:bodyPr/>
           <a:lstStyle>
@@ -2043,9 +2030,7 @@
             <p:ph type="sldNum" sz="quarter" idx="12"/>
           </p:nvPr>
         </p:nvSpPr>
-        <p:spPr>
-          <a:ln/>
-        </p:spPr>
+        <p:spPr/>
         <p:txBody>
           <a:bodyPr/>
           <a:lstStyle>
@@ -2059,21 +2044,12 @@
             </a:pPr>
             <a:fld id="{5EF407EB-7816-4E54-A7D3-C53D7C57ABF7}" type="slidenum">
               <a:rPr lang="en-US" altLang="zh-CN"/>
-              <a:pPr>
-                <a:defRPr/>
-              </a:pPr>
-              <a:t>‹#›</a:t>
             </a:fld>
             <a:endParaRPr lang="en-US" altLang="zh-CN"/>
           </a:p>
         </p:txBody>
       </p:sp>
     </p:spTree>
-    <p:extLst>
-      <p:ext uri="{BB962C8B-B14F-4D97-AF65-F5344CB8AC3E}">
-        <p14:creationId xmlns:p14="http://schemas.microsoft.com/office/powerpoint/2010/main" val="1718849296"/>
-      </p:ext>
-    </p:extLst>
   </p:cSld>
   <p:clrMapOvr>
     <a:masterClrMapping/>
@@ -2149,8 +2125,8 @@
                 <a:solidFill>
                   <a:schemeClr val="tx1"/>
                 </a:solidFill>
-                <a:latin typeface="Times New Roman" pitchFamily="18" charset="0"/>
-                <a:ea typeface="宋体" pitchFamily="2" charset="-122"/>
+                <a:latin typeface="Times New Roman" panose="02020603050405020304" pitchFamily="18" charset="0"/>
+                <a:ea typeface="宋体" panose="02010600030101010101" pitchFamily="2" charset="-122"/>
               </a:defRPr>
             </a:lvl1pPr>
             <a:lvl2pPr marL="742950" indent="-285750">
@@ -2158,8 +2134,8 @@
                 <a:solidFill>
                   <a:schemeClr val="tx1"/>
                 </a:solidFill>
-                <a:latin typeface="Times New Roman" pitchFamily="18" charset="0"/>
-                <a:ea typeface="宋体" pitchFamily="2" charset="-122"/>
+                <a:latin typeface="Times New Roman" panose="02020603050405020304" pitchFamily="18" charset="0"/>
+                <a:ea typeface="宋体" panose="02010600030101010101" pitchFamily="2" charset="-122"/>
               </a:defRPr>
             </a:lvl2pPr>
             <a:lvl3pPr marL="1143000" indent="-228600">
@@ -2167,8 +2143,8 @@
                 <a:solidFill>
                   <a:schemeClr val="tx1"/>
                 </a:solidFill>
-                <a:latin typeface="Times New Roman" pitchFamily="18" charset="0"/>
-                <a:ea typeface="宋体" pitchFamily="2" charset="-122"/>
+                <a:latin typeface="Times New Roman" panose="02020603050405020304" pitchFamily="18" charset="0"/>
+                <a:ea typeface="宋体" panose="02010600030101010101" pitchFamily="2" charset="-122"/>
               </a:defRPr>
             </a:lvl3pPr>
             <a:lvl4pPr marL="1600200" indent="-228600">
@@ -2176,8 +2152,8 @@
                 <a:solidFill>
                   <a:schemeClr val="tx1"/>
                 </a:solidFill>
-                <a:latin typeface="Times New Roman" pitchFamily="18" charset="0"/>
-                <a:ea typeface="宋体" pitchFamily="2" charset="-122"/>
+                <a:latin typeface="Times New Roman" panose="02020603050405020304" pitchFamily="18" charset="0"/>
+                <a:ea typeface="宋体" panose="02010600030101010101" pitchFamily="2" charset="-122"/>
               </a:defRPr>
             </a:lvl4pPr>
             <a:lvl5pPr marL="2057400" indent="-228600">
@@ -2185,8 +2161,8 @@
                 <a:solidFill>
                   <a:schemeClr val="tx1"/>
                 </a:solidFill>
-                <a:latin typeface="Times New Roman" pitchFamily="18" charset="0"/>
-                <a:ea typeface="宋体" pitchFamily="2" charset="-122"/>
+                <a:latin typeface="Times New Roman" panose="02020603050405020304" pitchFamily="18" charset="0"/>
+                <a:ea typeface="宋体" panose="02010600030101010101" pitchFamily="2" charset="-122"/>
               </a:defRPr>
             </a:lvl5pPr>
             <a:lvl6pPr marL="2514600" indent="-228600" fontAlgn="base">
@@ -2200,8 +2176,8 @@
                 <a:solidFill>
                   <a:schemeClr val="tx1"/>
                 </a:solidFill>
-                <a:latin typeface="Times New Roman" pitchFamily="18" charset="0"/>
-                <a:ea typeface="宋体" pitchFamily="2" charset="-122"/>
+                <a:latin typeface="Times New Roman" panose="02020603050405020304" pitchFamily="18" charset="0"/>
+                <a:ea typeface="宋体" panose="02010600030101010101" pitchFamily="2" charset="-122"/>
               </a:defRPr>
             </a:lvl6pPr>
             <a:lvl7pPr marL="2971800" indent="-228600" fontAlgn="base">
@@ -2215,8 +2191,8 @@
                 <a:solidFill>
                   <a:schemeClr val="tx1"/>
                 </a:solidFill>
-                <a:latin typeface="Times New Roman" pitchFamily="18" charset="0"/>
-                <a:ea typeface="宋体" pitchFamily="2" charset="-122"/>
+                <a:latin typeface="Times New Roman" panose="02020603050405020304" pitchFamily="18" charset="0"/>
+                <a:ea typeface="宋体" panose="02010600030101010101" pitchFamily="2" charset="-122"/>
               </a:defRPr>
             </a:lvl7pPr>
             <a:lvl8pPr marL="3429000" indent="-228600" fontAlgn="base">
@@ -2230,8 +2206,8 @@
                 <a:solidFill>
                   <a:schemeClr val="tx1"/>
                 </a:solidFill>
-                <a:latin typeface="Times New Roman" pitchFamily="18" charset="0"/>
-                <a:ea typeface="宋体" pitchFamily="2" charset="-122"/>
+                <a:latin typeface="Times New Roman" panose="02020603050405020304" pitchFamily="18" charset="0"/>
+                <a:ea typeface="宋体" panose="02010600030101010101" pitchFamily="2" charset="-122"/>
               </a:defRPr>
             </a:lvl8pPr>
             <a:lvl9pPr marL="3886200" indent="-228600" fontAlgn="base">
@@ -2245,8 +2221,8 @@
                 <a:solidFill>
                   <a:schemeClr val="tx1"/>
                 </a:solidFill>
-                <a:latin typeface="Times New Roman" pitchFamily="18" charset="0"/>
-                <a:ea typeface="宋体" pitchFamily="2" charset="-122"/>
+                <a:latin typeface="Times New Roman" panose="02020603050405020304" pitchFamily="18" charset="0"/>
+                <a:ea typeface="宋体" panose="02010600030101010101" pitchFamily="2" charset="-122"/>
               </a:defRPr>
             </a:lvl9pPr>
           </a:lstStyle>
@@ -2255,8 +2231,8 @@
               <a:defRPr/>
             </a:pPr>
             <a:endParaRPr lang="en-US" altLang="zh-CN" sz="3600" smtClean="0">
-              <a:latin typeface="楷体" pitchFamily="49" charset="-122"/>
-              <a:ea typeface="楷体" pitchFamily="49" charset="-122"/>
+              <a:latin typeface="楷体" panose="02010609060101010101" pitchFamily="49" charset="-122"/>
+              <a:ea typeface="楷体" panose="02010609060101010101" pitchFamily="49" charset="-122"/>
             </a:endParaRPr>
           </a:p>
         </p:txBody>
@@ -2264,9 +2240,7 @@
       <p:sp>
         <p:nvSpPr>
           <p:cNvPr id="5" name="标题 1"/>
-          <p:cNvSpPr txBox="1">
-            <a:spLocks/>
-          </p:cNvSpPr>
+          <p:cNvSpPr txBox="1"/>
           <p:nvPr/>
         </p:nvSpPr>
         <p:spPr bwMode="auto">
@@ -2309,8 +2283,8 @@
                 <a:solidFill>
                   <a:schemeClr val="tx1"/>
                 </a:solidFill>
-                <a:latin typeface="Times New Roman" pitchFamily="18" charset="0"/>
-                <a:ea typeface="宋体" pitchFamily="2" charset="-122"/>
+                <a:latin typeface="Times New Roman" panose="02020603050405020304" pitchFamily="18" charset="0"/>
+                <a:ea typeface="宋体" panose="02010600030101010101" pitchFamily="2" charset="-122"/>
               </a:defRPr>
             </a:lvl1pPr>
             <a:lvl2pPr marL="742950" indent="-285750">
@@ -2318,8 +2292,8 @@
                 <a:solidFill>
                   <a:schemeClr val="tx1"/>
                 </a:solidFill>
-                <a:latin typeface="Times New Roman" pitchFamily="18" charset="0"/>
-                <a:ea typeface="宋体" pitchFamily="2" charset="-122"/>
+                <a:latin typeface="Times New Roman" panose="02020603050405020304" pitchFamily="18" charset="0"/>
+                <a:ea typeface="宋体" panose="02010600030101010101" pitchFamily="2" charset="-122"/>
               </a:defRPr>
             </a:lvl2pPr>
             <a:lvl3pPr marL="1143000" indent="-228600">
@@ -2327,8 +2301,8 @@
                 <a:solidFill>
                   <a:schemeClr val="tx1"/>
                 </a:solidFill>
-                <a:latin typeface="Times New Roman" pitchFamily="18" charset="0"/>
-                <a:ea typeface="宋体" pitchFamily="2" charset="-122"/>
+                <a:latin typeface="Times New Roman" panose="02020603050405020304" pitchFamily="18" charset="0"/>
+                <a:ea typeface="宋体" panose="02010600030101010101" pitchFamily="2" charset="-122"/>
               </a:defRPr>
             </a:lvl3pPr>
             <a:lvl4pPr marL="1600200" indent="-228600">
@@ -2336,8 +2310,8 @@
                 <a:solidFill>
                   <a:schemeClr val="tx1"/>
                 </a:solidFill>
-                <a:latin typeface="Times New Roman" pitchFamily="18" charset="0"/>
-                <a:ea typeface="宋体" pitchFamily="2" charset="-122"/>
+                <a:latin typeface="Times New Roman" panose="02020603050405020304" pitchFamily="18" charset="0"/>
+                <a:ea typeface="宋体" panose="02010600030101010101" pitchFamily="2" charset="-122"/>
               </a:defRPr>
             </a:lvl4pPr>
             <a:lvl5pPr marL="2057400" indent="-228600">
@@ -2345,8 +2319,8 @@
                 <a:solidFill>
                   <a:schemeClr val="tx1"/>
                 </a:solidFill>
-                <a:latin typeface="Times New Roman" pitchFamily="18" charset="0"/>
-                <a:ea typeface="宋体" pitchFamily="2" charset="-122"/>
+                <a:latin typeface="Times New Roman" panose="02020603050405020304" pitchFamily="18" charset="0"/>
+                <a:ea typeface="宋体" panose="02010600030101010101" pitchFamily="2" charset="-122"/>
               </a:defRPr>
             </a:lvl5pPr>
             <a:lvl6pPr marL="2514600" indent="-228600" fontAlgn="base">
@@ -2360,8 +2334,8 @@
                 <a:solidFill>
                   <a:schemeClr val="tx1"/>
                 </a:solidFill>
-                <a:latin typeface="Times New Roman" pitchFamily="18" charset="0"/>
-                <a:ea typeface="宋体" pitchFamily="2" charset="-122"/>
+                <a:latin typeface="Times New Roman" panose="02020603050405020304" pitchFamily="18" charset="0"/>
+                <a:ea typeface="宋体" panose="02010600030101010101" pitchFamily="2" charset="-122"/>
               </a:defRPr>
             </a:lvl6pPr>
             <a:lvl7pPr marL="2971800" indent="-228600" fontAlgn="base">
@@ -2375,8 +2349,8 @@
                 <a:solidFill>
                   <a:schemeClr val="tx1"/>
                 </a:solidFill>
-                <a:latin typeface="Times New Roman" pitchFamily="18" charset="0"/>
-                <a:ea typeface="宋体" pitchFamily="2" charset="-122"/>
+                <a:latin typeface="Times New Roman" panose="02020603050405020304" pitchFamily="18" charset="0"/>
+                <a:ea typeface="宋体" panose="02010600030101010101" pitchFamily="2" charset="-122"/>
               </a:defRPr>
             </a:lvl7pPr>
             <a:lvl8pPr marL="3429000" indent="-228600" fontAlgn="base">
@@ -2390,8 +2364,8 @@
                 <a:solidFill>
                   <a:schemeClr val="tx1"/>
                 </a:solidFill>
-                <a:latin typeface="Times New Roman" pitchFamily="18" charset="0"/>
-                <a:ea typeface="宋体" pitchFamily="2" charset="-122"/>
+                <a:latin typeface="Times New Roman" panose="02020603050405020304" pitchFamily="18" charset="0"/>
+                <a:ea typeface="宋体" panose="02010600030101010101" pitchFamily="2" charset="-122"/>
               </a:defRPr>
             </a:lvl8pPr>
             <a:lvl9pPr marL="3886200" indent="-228600" fontAlgn="base">
@@ -2405,8 +2379,8 @@
                 <a:solidFill>
                   <a:schemeClr val="tx1"/>
                 </a:solidFill>
-                <a:latin typeface="Times New Roman" pitchFamily="18" charset="0"/>
-                <a:ea typeface="宋体" pitchFamily="2" charset="-122"/>
+                <a:latin typeface="Times New Roman" panose="02020603050405020304" pitchFamily="18" charset="0"/>
+                <a:ea typeface="宋体" panose="02010600030101010101" pitchFamily="2" charset="-122"/>
               </a:defRPr>
             </a:lvl9pPr>
           </a:lstStyle>
@@ -2415,8 +2389,8 @@
               <a:defRPr/>
             </a:pPr>
             <a:endParaRPr lang="zh-CN" altLang="en-US" sz="3600" smtClean="0">
-              <a:latin typeface="楷体" pitchFamily="49" charset="-122"/>
-              <a:ea typeface="楷体" pitchFamily="49" charset="-122"/>
+              <a:latin typeface="楷体" panose="02010609060101010101" pitchFamily="49" charset="-122"/>
+              <a:ea typeface="楷体" panose="02010609060101010101" pitchFamily="49" charset="-122"/>
             </a:endParaRPr>
           </a:p>
         </p:txBody>
@@ -2445,8 +2419,8 @@
                 <a:solidFill>
                   <a:schemeClr val="bg1"/>
                 </a:solidFill>
-                <a:latin typeface="Times New Roman" pitchFamily="18" charset="0"/>
-                <a:ea typeface="楷体" pitchFamily="49" charset="-122"/>
+                <a:latin typeface="Times New Roman" panose="02020603050405020304" pitchFamily="18" charset="0"/>
+                <a:ea typeface="楷体" panose="02010609060101010101" pitchFamily="49" charset="-122"/>
                 <a:cs typeface="+mn-cs"/>
               </a:defRPr>
             </a:lvl1pPr>
@@ -2484,8 +2458,8 @@
                 <a:spcPct val="150000"/>
               </a:lnSpc>
               <a:defRPr sz="2800">
-                <a:latin typeface="Times New Roman" pitchFamily="18" charset="0"/>
-                <a:ea typeface="楷体" pitchFamily="49" charset="-122"/>
+                <a:latin typeface="Times New Roman" panose="02020603050405020304" pitchFamily="18" charset="0"/>
+                <a:ea typeface="楷体" panose="02010609060101010101" pitchFamily="49" charset="-122"/>
               </a:defRPr>
             </a:lvl1pPr>
             <a:lvl2pPr>
@@ -2496,8 +2470,8 @@
                 <a:solidFill>
                   <a:schemeClr val="tx1"/>
                 </a:solidFill>
-                <a:latin typeface="Times New Roman" pitchFamily="18" charset="0"/>
-                <a:ea typeface="楷体" pitchFamily="49" charset="-122"/>
+                <a:latin typeface="Times New Roman" panose="02020603050405020304" pitchFamily="18" charset="0"/>
+                <a:ea typeface="楷体" panose="02010609060101010101" pitchFamily="49" charset="-122"/>
               </a:defRPr>
             </a:lvl2pPr>
             <a:lvl3pPr>
@@ -2508,8 +2482,8 @@
                 <a:solidFill>
                   <a:schemeClr val="tx1"/>
                 </a:solidFill>
-                <a:latin typeface="Times New Roman" pitchFamily="18" charset="0"/>
-                <a:ea typeface="楷体" pitchFamily="49" charset="-122"/>
+                <a:latin typeface="Times New Roman" panose="02020603050405020304" pitchFamily="18" charset="0"/>
+                <a:ea typeface="楷体" panose="02010609060101010101" pitchFamily="49" charset="-122"/>
               </a:defRPr>
             </a:lvl3pPr>
             <a:lvl4pPr>
@@ -2520,8 +2494,8 @@
                 <a:solidFill>
                   <a:schemeClr val="tx1"/>
                 </a:solidFill>
-                <a:latin typeface="Times New Roman" pitchFamily="18" charset="0"/>
-                <a:ea typeface="楷体" pitchFamily="49" charset="-122"/>
+                <a:latin typeface="Times New Roman" panose="02020603050405020304" pitchFamily="18" charset="0"/>
+                <a:ea typeface="楷体" panose="02010609060101010101" pitchFamily="49" charset="-122"/>
               </a:defRPr>
             </a:lvl4pPr>
             <a:lvl5pPr>
@@ -2529,8 +2503,8 @@
                 <a:spcPct val="150000"/>
               </a:lnSpc>
               <a:defRPr sz="3600">
-                <a:latin typeface="Times New Roman" pitchFamily="18" charset="0"/>
-                <a:ea typeface="楷体" pitchFamily="49" charset="-122"/>
+                <a:latin typeface="Times New Roman" panose="02020603050405020304" pitchFamily="18" charset="0"/>
+                <a:ea typeface="楷体" panose="02010609060101010101" pitchFamily="49" charset="-122"/>
               </a:defRPr>
             </a:lvl5pPr>
           </a:lstStyle>
@@ -2548,6 +2522,7 @@
               <a:rPr lang="zh-CN" altLang="en-US" dirty="0" smtClean="0"/>
               <a:t>此处编辑母版文本样式</a:t>
             </a:r>
+            <a:endParaRPr lang="zh-CN" altLang="en-US" dirty="0" smtClean="0"/>
           </a:p>
           <a:p>
             <a:pPr lvl="1"/>
@@ -2555,6 +2530,7 @@
               <a:rPr lang="zh-CN" altLang="en-US" dirty="0" smtClean="0"/>
               <a:t>第二级</a:t>
             </a:r>
+            <a:endParaRPr lang="zh-CN" altLang="en-US" dirty="0" smtClean="0"/>
           </a:p>
           <a:p>
             <a:pPr lvl="2"/>
@@ -2562,6 +2538,7 @@
               <a:rPr lang="zh-CN" altLang="en-US" dirty="0" smtClean="0"/>
               <a:t>第三级</a:t>
             </a:r>
+            <a:endParaRPr lang="zh-CN" altLang="en-US" dirty="0" smtClean="0"/>
           </a:p>
           <a:p>
             <a:pPr lvl="3"/>
@@ -2569,6 +2546,7 @@
               <a:rPr lang="zh-CN" altLang="en-US" dirty="0" smtClean="0"/>
               <a:t>第四级</a:t>
             </a:r>
+            <a:endParaRPr lang="zh-CN" altLang="en-US" dirty="0" smtClean="0"/>
           </a:p>
           <a:p>
             <a:pPr lvl="4"/>
@@ -2604,8 +2582,8 @@
           <a:lstStyle>
             <a:lvl1pPr>
               <a:defRPr sz="3600">
-                <a:latin typeface="楷体" pitchFamily="49" charset="-122"/>
-                <a:ea typeface="楷体" pitchFamily="49" charset="-122"/>
+                <a:latin typeface="楷体" panose="02010609060101010101" pitchFamily="49" charset="-122"/>
+                <a:ea typeface="楷体" panose="02010609060101010101" pitchFamily="49" charset="-122"/>
               </a:defRPr>
             </a:lvl1pPr>
           </a:lstStyle>
@@ -2615,25 +2593,19 @@
             </a:pPr>
             <a:fld id="{3576B2CC-02D7-4ACE-B452-D8C49738AD0A}" type="slidenum">
               <a:rPr lang="zh-CN" altLang="zh-CN" smtClean="0"/>
-              <a:pPr>
-                <a:defRPr/>
-              </a:pPr>
-              <a:t>‹#›</a:t>
             </a:fld>
             <a:endParaRPr lang="zh-CN" altLang="zh-CN" b="0"/>
           </a:p>
         </p:txBody>
       </p:sp>
     </p:spTree>
-    <p:extLst>
-      <p:ext uri="{BB962C8B-B14F-4D97-AF65-F5344CB8AC3E}">
-        <p14:creationId xmlns:p14="http://schemas.microsoft.com/office/powerpoint/2010/main" val="1085905129"/>
-      </p:ext>
-    </p:extLst>
   </p:cSld>
   <p:clrMapOvr>
     <a:masterClrMapping/>
   </p:clrMapOvr>
+  <p:transition>
+    <p:blinds dir="vert"/>
+  </p:transition>
   <p:timing>
     <p:tnLst>
       <p:par>
@@ -2714,6 +2686,7 @@
               <a:rPr lang="zh-CN" altLang="en-US" dirty="0"/>
               <a:t>单击此处编辑母版文本样式</a:t>
             </a:r>
+            <a:endParaRPr lang="zh-CN" altLang="en-US" dirty="0"/>
           </a:p>
           <a:p>
             <a:pPr lvl="1"/>
@@ -2721,6 +2694,7 @@
               <a:rPr lang="zh-CN" altLang="en-US" dirty="0"/>
               <a:t>第二级</a:t>
             </a:r>
+            <a:endParaRPr lang="zh-CN" altLang="en-US" dirty="0"/>
           </a:p>
           <a:p>
             <a:pPr lvl="2"/>
@@ -2728,6 +2702,7 @@
               <a:rPr lang="zh-CN" altLang="en-US" dirty="0"/>
               <a:t>第三级</a:t>
             </a:r>
+            <a:endParaRPr lang="zh-CN" altLang="en-US" dirty="0"/>
           </a:p>
           <a:p>
             <a:pPr lvl="3"/>
@@ -2735,6 +2710,7 @@
               <a:rPr lang="zh-CN" altLang="en-US" dirty="0"/>
               <a:t>第四级</a:t>
             </a:r>
+            <a:endParaRPr lang="zh-CN" altLang="en-US" dirty="0"/>
           </a:p>
           <a:p>
             <a:pPr lvl="4"/>
@@ -2747,15 +2723,13 @@
         </p:txBody>
       </p:sp>
     </p:spTree>
-    <p:extLst>
-      <p:ext uri="{BB962C8B-B14F-4D97-AF65-F5344CB8AC3E}">
-        <p14:creationId xmlns:p14="http://schemas.microsoft.com/office/powerpoint/2010/main" val="3672531009"/>
-      </p:ext>
-    </p:extLst>
   </p:cSld>
   <p:clrMapOvr>
     <a:masterClrMapping/>
   </p:clrMapOvr>
+  <p:transition>
+    <p:blinds dir="vert"/>
+  </p:transition>
   <p:timing>
     <p:tnLst>
       <p:par>
@@ -2826,6 +2800,7 @@
               <a:rPr lang="zh-CN" altLang="en-US" smtClean="0"/>
               <a:t>单击此处编辑母版文本样式</a:t>
             </a:r>
+            <a:endParaRPr lang="zh-CN" altLang="en-US" smtClean="0"/>
           </a:p>
           <a:p>
             <a:pPr lvl="1"/>
@@ -2833,6 +2808,7 @@
               <a:rPr lang="zh-CN" altLang="en-US" smtClean="0"/>
               <a:t>第二级</a:t>
             </a:r>
+            <a:endParaRPr lang="zh-CN" altLang="en-US" smtClean="0"/>
           </a:p>
           <a:p>
             <a:pPr lvl="2"/>
@@ -2840,6 +2816,7 @@
               <a:rPr lang="zh-CN" altLang="en-US" smtClean="0"/>
               <a:t>第三级</a:t>
             </a:r>
+            <a:endParaRPr lang="zh-CN" altLang="en-US" smtClean="0"/>
           </a:p>
           <a:p>
             <a:pPr lvl="3"/>
@@ -2847,6 +2824,7 @@
               <a:rPr lang="zh-CN" altLang="en-US" smtClean="0"/>
               <a:t>第四级</a:t>
             </a:r>
+            <a:endParaRPr lang="zh-CN" altLang="en-US" smtClean="0"/>
           </a:p>
           <a:p>
             <a:pPr lvl="4"/>
@@ -2868,9 +2846,7 @@
             <p:ph type="dt" sz="half" idx="10"/>
           </p:nvPr>
         </p:nvSpPr>
-        <p:spPr>
-          <a:ln/>
-        </p:spPr>
+        <p:spPr/>
         <p:txBody>
           <a:bodyPr/>
           <a:lstStyle>
@@ -2896,9 +2872,7 @@
             <p:ph type="ftr" sz="quarter" idx="11"/>
           </p:nvPr>
         </p:nvSpPr>
-        <p:spPr>
-          <a:ln/>
-        </p:spPr>
+        <p:spPr/>
         <p:txBody>
           <a:bodyPr/>
           <a:lstStyle>
@@ -2924,9 +2898,7 @@
             <p:ph type="sldNum" sz="quarter" idx="12"/>
           </p:nvPr>
         </p:nvSpPr>
-        <p:spPr>
-          <a:ln/>
-        </p:spPr>
+        <p:spPr/>
         <p:txBody>
           <a:bodyPr/>
           <a:lstStyle>
@@ -2940,21 +2912,12 @@
             </a:pPr>
             <a:fld id="{5ABF56A4-D1A6-4E9C-871E-2D1E17A0ACE1}" type="slidenum">
               <a:rPr lang="en-US" altLang="zh-CN"/>
-              <a:pPr>
-                <a:defRPr/>
-              </a:pPr>
-              <a:t>‹#›</a:t>
             </a:fld>
             <a:endParaRPr lang="en-US" altLang="zh-CN"/>
           </a:p>
         </p:txBody>
       </p:sp>
     </p:spTree>
-    <p:extLst>
-      <p:ext uri="{BB962C8B-B14F-4D97-AF65-F5344CB8AC3E}">
-        <p14:creationId xmlns:p14="http://schemas.microsoft.com/office/powerpoint/2010/main" val="70372074"/>
-      </p:ext>
-    </p:extLst>
   </p:cSld>
   <p:clrMapOvr>
     <a:masterClrMapping/>
@@ -3076,6 +3039,7 @@
               <a:rPr lang="zh-CN" altLang="en-US" smtClean="0"/>
               <a:t>单击此处编辑母版文本样式</a:t>
             </a:r>
+            <a:endParaRPr lang="zh-CN" altLang="en-US" smtClean="0"/>
           </a:p>
         </p:txBody>
       </p:sp>
@@ -3089,9 +3053,7 @@
             <p:ph type="dt" sz="half" idx="10"/>
           </p:nvPr>
         </p:nvSpPr>
-        <p:spPr>
-          <a:ln/>
-        </p:spPr>
+        <p:spPr/>
         <p:txBody>
           <a:bodyPr/>
           <a:lstStyle>
@@ -3117,9 +3079,7 @@
             <p:ph type="ftr" sz="quarter" idx="11"/>
           </p:nvPr>
         </p:nvSpPr>
-        <p:spPr>
-          <a:ln/>
-        </p:spPr>
+        <p:spPr/>
         <p:txBody>
           <a:bodyPr/>
           <a:lstStyle>
@@ -3145,9 +3105,7 @@
             <p:ph type="sldNum" sz="quarter" idx="12"/>
           </p:nvPr>
         </p:nvSpPr>
-        <p:spPr>
-          <a:ln/>
-        </p:spPr>
+        <p:spPr/>
         <p:txBody>
           <a:bodyPr/>
           <a:lstStyle>
@@ -3161,21 +3119,12 @@
             </a:pPr>
             <a:fld id="{D01D7293-FDCC-401D-9D7C-1C7B4B4099F6}" type="slidenum">
               <a:rPr lang="en-US" altLang="zh-CN"/>
-              <a:pPr>
-                <a:defRPr/>
-              </a:pPr>
-              <a:t>‹#›</a:t>
             </a:fld>
             <a:endParaRPr lang="en-US" altLang="zh-CN"/>
           </a:p>
         </p:txBody>
       </p:sp>
     </p:spTree>
-    <p:extLst>
-      <p:ext uri="{BB962C8B-B14F-4D97-AF65-F5344CB8AC3E}">
-        <p14:creationId xmlns:p14="http://schemas.microsoft.com/office/powerpoint/2010/main" val="1048861015"/>
-      </p:ext>
-    </p:extLst>
   </p:cSld>
   <p:clrMapOvr>
     <a:masterClrMapping/>
@@ -3279,6 +3228,7 @@
               <a:rPr lang="zh-CN" altLang="en-US" smtClean="0"/>
               <a:t>单击此处编辑母版文本样式</a:t>
             </a:r>
+            <a:endParaRPr lang="zh-CN" altLang="en-US" smtClean="0"/>
           </a:p>
           <a:p>
             <a:pPr lvl="1"/>
@@ -3286,6 +3236,7 @@
               <a:rPr lang="zh-CN" altLang="en-US" smtClean="0"/>
               <a:t>第二级</a:t>
             </a:r>
+            <a:endParaRPr lang="zh-CN" altLang="en-US" smtClean="0"/>
           </a:p>
           <a:p>
             <a:pPr lvl="2"/>
@@ -3293,6 +3244,7 @@
               <a:rPr lang="zh-CN" altLang="en-US" smtClean="0"/>
               <a:t>第三级</a:t>
             </a:r>
+            <a:endParaRPr lang="zh-CN" altLang="en-US" smtClean="0"/>
           </a:p>
           <a:p>
             <a:pPr lvl="3"/>
@@ -3300,6 +3252,7 @@
               <a:rPr lang="zh-CN" altLang="en-US" smtClean="0"/>
               <a:t>第四级</a:t>
             </a:r>
+            <a:endParaRPr lang="zh-CN" altLang="en-US" smtClean="0"/>
           </a:p>
           <a:p>
             <a:pPr lvl="4"/>
@@ -3364,6 +3317,7 @@
               <a:rPr lang="zh-CN" altLang="en-US" smtClean="0"/>
               <a:t>单击此处编辑母版文本样式</a:t>
             </a:r>
+            <a:endParaRPr lang="zh-CN" altLang="en-US" smtClean="0"/>
           </a:p>
           <a:p>
             <a:pPr lvl="1"/>
@@ -3371,6 +3325,7 @@
               <a:rPr lang="zh-CN" altLang="en-US" smtClean="0"/>
               <a:t>第二级</a:t>
             </a:r>
+            <a:endParaRPr lang="zh-CN" altLang="en-US" smtClean="0"/>
           </a:p>
           <a:p>
             <a:pPr lvl="2"/>
@@ -3378,6 +3333,7 @@
               <a:rPr lang="zh-CN" altLang="en-US" smtClean="0"/>
               <a:t>第三级</a:t>
             </a:r>
+            <a:endParaRPr lang="zh-CN" altLang="en-US" smtClean="0"/>
           </a:p>
           <a:p>
             <a:pPr lvl="3"/>
@@ -3385,6 +3341,7 @@
               <a:rPr lang="zh-CN" altLang="en-US" smtClean="0"/>
               <a:t>第四级</a:t>
             </a:r>
+            <a:endParaRPr lang="zh-CN" altLang="en-US" smtClean="0"/>
           </a:p>
           <a:p>
             <a:pPr lvl="4"/>
@@ -3406,9 +3363,7 @@
             <p:ph type="dt" sz="half" idx="10"/>
           </p:nvPr>
         </p:nvSpPr>
-        <p:spPr>
-          <a:ln/>
-        </p:spPr>
+        <p:spPr/>
         <p:txBody>
           <a:bodyPr/>
           <a:lstStyle>
@@ -3434,9 +3389,7 @@
             <p:ph type="ftr" sz="quarter" idx="11"/>
           </p:nvPr>
         </p:nvSpPr>
-        <p:spPr>
-          <a:ln/>
-        </p:spPr>
+        <p:spPr/>
         <p:txBody>
           <a:bodyPr/>
           <a:lstStyle>
@@ -3462,9 +3415,7 @@
             <p:ph type="sldNum" sz="quarter" idx="12"/>
           </p:nvPr>
         </p:nvSpPr>
-        <p:spPr>
-          <a:ln/>
-        </p:spPr>
+        <p:spPr/>
         <p:txBody>
           <a:bodyPr/>
           <a:lstStyle>
@@ -3478,21 +3429,12 @@
             </a:pPr>
             <a:fld id="{71A280A2-ED30-4763-A001-B292549BCC34}" type="slidenum">
               <a:rPr lang="en-US" altLang="zh-CN"/>
-              <a:pPr>
-                <a:defRPr/>
-              </a:pPr>
-              <a:t>‹#›</a:t>
             </a:fld>
             <a:endParaRPr lang="en-US" altLang="zh-CN"/>
           </a:p>
         </p:txBody>
       </p:sp>
     </p:spTree>
-    <p:extLst>
-      <p:ext uri="{BB962C8B-B14F-4D97-AF65-F5344CB8AC3E}">
-        <p14:creationId xmlns:p14="http://schemas.microsoft.com/office/powerpoint/2010/main" val="935638500"/>
-      </p:ext>
-    </p:extLst>
   </p:cSld>
   <p:clrMapOvr>
     <a:masterClrMapping/>
@@ -3614,6 +3556,7 @@
               <a:rPr lang="zh-CN" altLang="en-US" smtClean="0"/>
               <a:t>单击此处编辑母版文本样式</a:t>
             </a:r>
+            <a:endParaRPr lang="zh-CN" altLang="en-US" smtClean="0"/>
           </a:p>
         </p:txBody>
       </p:sp>
@@ -3670,6 +3613,7 @@
               <a:rPr lang="zh-CN" altLang="en-US" smtClean="0"/>
               <a:t>单击此处编辑母版文本样式</a:t>
             </a:r>
+            <a:endParaRPr lang="zh-CN" altLang="en-US" smtClean="0"/>
           </a:p>
           <a:p>
             <a:pPr lvl="1"/>
@@ -3677,6 +3621,7 @@
               <a:rPr lang="zh-CN" altLang="en-US" smtClean="0"/>
               <a:t>第二级</a:t>
             </a:r>
+            <a:endParaRPr lang="zh-CN" altLang="en-US" smtClean="0"/>
           </a:p>
           <a:p>
             <a:pPr lvl="2"/>
@@ -3684,6 +3629,7 @@
               <a:rPr lang="zh-CN" altLang="en-US" smtClean="0"/>
               <a:t>第三级</a:t>
             </a:r>
+            <a:endParaRPr lang="zh-CN" altLang="en-US" smtClean="0"/>
           </a:p>
           <a:p>
             <a:pPr lvl="3"/>
@@ -3691,6 +3637,7 @@
               <a:rPr lang="zh-CN" altLang="en-US" smtClean="0"/>
               <a:t>第四级</a:t>
             </a:r>
+            <a:endParaRPr lang="zh-CN" altLang="en-US" smtClean="0"/>
           </a:p>
           <a:p>
             <a:pPr lvl="4"/>
@@ -3764,6 +3711,7 @@
               <a:rPr lang="zh-CN" altLang="en-US" smtClean="0"/>
               <a:t>单击此处编辑母版文本样式</a:t>
             </a:r>
+            <a:endParaRPr lang="zh-CN" altLang="en-US" smtClean="0"/>
           </a:p>
         </p:txBody>
       </p:sp>
@@ -3820,6 +3768,7 @@
               <a:rPr lang="zh-CN" altLang="en-US" smtClean="0"/>
               <a:t>单击此处编辑母版文本样式</a:t>
             </a:r>
+            <a:endParaRPr lang="zh-CN" altLang="en-US" smtClean="0"/>
           </a:p>
           <a:p>
             <a:pPr lvl="1"/>
@@ -3827,6 +3776,7 @@
               <a:rPr lang="zh-CN" altLang="en-US" smtClean="0"/>
               <a:t>第二级</a:t>
             </a:r>
+            <a:endParaRPr lang="zh-CN" altLang="en-US" smtClean="0"/>
           </a:p>
           <a:p>
             <a:pPr lvl="2"/>
@@ -3834,6 +3784,7 @@
               <a:rPr lang="zh-CN" altLang="en-US" smtClean="0"/>
               <a:t>第三级</a:t>
             </a:r>
+            <a:endParaRPr lang="zh-CN" altLang="en-US" smtClean="0"/>
           </a:p>
           <a:p>
             <a:pPr lvl="3"/>
@@ -3841,6 +3792,7 @@
               <a:rPr lang="zh-CN" altLang="en-US" smtClean="0"/>
               <a:t>第四级</a:t>
             </a:r>
+            <a:endParaRPr lang="zh-CN" altLang="en-US" smtClean="0"/>
           </a:p>
           <a:p>
             <a:pPr lvl="4"/>
@@ -3862,9 +3814,7 @@
             <p:ph type="dt" sz="half" idx="10"/>
           </p:nvPr>
         </p:nvSpPr>
-        <p:spPr>
-          <a:ln/>
-        </p:spPr>
+        <p:spPr/>
         <p:txBody>
           <a:bodyPr/>
           <a:lstStyle>
@@ -3890,9 +3840,7 @@
             <p:ph type="ftr" sz="quarter" idx="11"/>
           </p:nvPr>
         </p:nvSpPr>
-        <p:spPr>
-          <a:ln/>
-        </p:spPr>
+        <p:spPr/>
         <p:txBody>
           <a:bodyPr/>
           <a:lstStyle>
@@ -3918,9 +3866,7 @@
             <p:ph type="sldNum" sz="quarter" idx="12"/>
           </p:nvPr>
         </p:nvSpPr>
-        <p:spPr>
-          <a:ln/>
-        </p:spPr>
+        <p:spPr/>
         <p:txBody>
           <a:bodyPr/>
           <a:lstStyle>
@@ -3934,21 +3880,12 @@
             </a:pPr>
             <a:fld id="{8A0D9FFB-8CB3-45FA-88C0-1EA3565E3CB4}" type="slidenum">
               <a:rPr lang="en-US" altLang="zh-CN"/>
-              <a:pPr>
-                <a:defRPr/>
-              </a:pPr>
-              <a:t>‹#›</a:t>
             </a:fld>
             <a:endParaRPr lang="en-US" altLang="zh-CN"/>
           </a:p>
         </p:txBody>
       </p:sp>
     </p:spTree>
-    <p:extLst>
-      <p:ext uri="{BB962C8B-B14F-4D97-AF65-F5344CB8AC3E}">
-        <p14:creationId xmlns:p14="http://schemas.microsoft.com/office/powerpoint/2010/main" val="369986350"/>
-      </p:ext>
-    </p:extLst>
   </p:cSld>
   <p:clrMapOvr>
     <a:masterClrMapping/>
@@ -4009,9 +3946,7 @@
             <p:ph type="dt" sz="half" idx="10"/>
           </p:nvPr>
         </p:nvSpPr>
-        <p:spPr>
-          <a:ln/>
-        </p:spPr>
+        <p:spPr/>
         <p:txBody>
           <a:bodyPr/>
           <a:lstStyle>
@@ -4037,9 +3972,7 @@
             <p:ph type="ftr" sz="quarter" idx="11"/>
           </p:nvPr>
         </p:nvSpPr>
-        <p:spPr>
-          <a:ln/>
-        </p:spPr>
+        <p:spPr/>
         <p:txBody>
           <a:bodyPr/>
           <a:lstStyle>
@@ -4065,9 +3998,7 @@
             <p:ph type="sldNum" sz="quarter" idx="12"/>
           </p:nvPr>
         </p:nvSpPr>
-        <p:spPr>
-          <a:ln/>
-        </p:spPr>
+        <p:spPr/>
         <p:txBody>
           <a:bodyPr/>
           <a:lstStyle>
@@ -4081,21 +4012,12 @@
             </a:pPr>
             <a:fld id="{BF2E7FEE-26E5-4539-81A7-E955BBCC3BF9}" type="slidenum">
               <a:rPr lang="en-US" altLang="zh-CN"/>
-              <a:pPr>
-                <a:defRPr/>
-              </a:pPr>
-              <a:t>‹#›</a:t>
             </a:fld>
             <a:endParaRPr lang="en-US" altLang="zh-CN"/>
           </a:p>
         </p:txBody>
       </p:sp>
     </p:spTree>
-    <p:extLst>
-      <p:ext uri="{BB962C8B-B14F-4D97-AF65-F5344CB8AC3E}">
-        <p14:creationId xmlns:p14="http://schemas.microsoft.com/office/powerpoint/2010/main" val="3499608139"/>
-      </p:ext>
-    </p:extLst>
   </p:cSld>
   <p:clrMapOvr>
     <a:masterClrMapping/>
@@ -4133,9 +4055,7 @@
             <p:ph type="dt" sz="half" idx="10"/>
           </p:nvPr>
         </p:nvSpPr>
-        <p:spPr>
-          <a:ln/>
-        </p:spPr>
+        <p:spPr/>
         <p:txBody>
           <a:bodyPr/>
           <a:lstStyle>
@@ -4161,9 +4081,7 @@
             <p:ph type="ftr" sz="quarter" idx="11"/>
           </p:nvPr>
         </p:nvSpPr>
-        <p:spPr>
-          <a:ln/>
-        </p:spPr>
+        <p:spPr/>
         <p:txBody>
           <a:bodyPr/>
           <a:lstStyle>
@@ -4189,9 +4107,7 @@
             <p:ph type="sldNum" sz="quarter" idx="12"/>
           </p:nvPr>
         </p:nvSpPr>
-        <p:spPr>
-          <a:ln/>
-        </p:spPr>
+        <p:spPr/>
         <p:txBody>
           <a:bodyPr/>
           <a:lstStyle>
@@ -4205,21 +4121,12 @@
             </a:pPr>
             <a:fld id="{CA7F960D-6231-43B6-9650-9BD9520AA097}" type="slidenum">
               <a:rPr lang="en-US" altLang="zh-CN"/>
-              <a:pPr>
-                <a:defRPr/>
-              </a:pPr>
-              <a:t>‹#›</a:t>
             </a:fld>
             <a:endParaRPr lang="en-US" altLang="zh-CN"/>
           </a:p>
         </p:txBody>
       </p:sp>
     </p:spTree>
-    <p:extLst>
-      <p:ext uri="{BB962C8B-B14F-4D97-AF65-F5344CB8AC3E}">
-        <p14:creationId xmlns:p14="http://schemas.microsoft.com/office/powerpoint/2010/main" val="2763251768"/>
-      </p:ext>
-    </p:extLst>
   </p:cSld>
   <p:clrMapOvr>
     <a:masterClrMapping/>
@@ -4332,6 +4239,7 @@
               <a:rPr lang="zh-CN" altLang="en-US" smtClean="0"/>
               <a:t>单击此处编辑母版文本样式</a:t>
             </a:r>
+            <a:endParaRPr lang="zh-CN" altLang="en-US" smtClean="0"/>
           </a:p>
           <a:p>
             <a:pPr lvl="1"/>
@@ -4339,6 +4247,7 @@
               <a:rPr lang="zh-CN" altLang="en-US" smtClean="0"/>
               <a:t>第二级</a:t>
             </a:r>
+            <a:endParaRPr lang="zh-CN" altLang="en-US" smtClean="0"/>
           </a:p>
           <a:p>
             <a:pPr lvl="2"/>
@@ -4346,6 +4255,7 @@
               <a:rPr lang="zh-CN" altLang="en-US" smtClean="0"/>
               <a:t>第三级</a:t>
             </a:r>
+            <a:endParaRPr lang="zh-CN" altLang="en-US" smtClean="0"/>
           </a:p>
           <a:p>
             <a:pPr lvl="3"/>
@@ -4353,6 +4263,7 @@
               <a:rPr lang="zh-CN" altLang="en-US" smtClean="0"/>
               <a:t>第四级</a:t>
             </a:r>
+            <a:endParaRPr lang="zh-CN" altLang="en-US" smtClean="0"/>
           </a:p>
           <a:p>
             <a:pPr lvl="4"/>
@@ -4426,6 +4337,7 @@
               <a:rPr lang="zh-CN" altLang="en-US" smtClean="0"/>
               <a:t>单击此处编辑母版文本样式</a:t>
             </a:r>
+            <a:endParaRPr lang="zh-CN" altLang="en-US" smtClean="0"/>
           </a:p>
         </p:txBody>
       </p:sp>
@@ -4439,9 +4351,7 @@
             <p:ph type="dt" sz="half" idx="10"/>
           </p:nvPr>
         </p:nvSpPr>
-        <p:spPr>
-          <a:ln/>
-        </p:spPr>
+        <p:spPr/>
         <p:txBody>
           <a:bodyPr/>
           <a:lstStyle>
@@ -4467,9 +4377,7 @@
             <p:ph type="ftr" sz="quarter" idx="11"/>
           </p:nvPr>
         </p:nvSpPr>
-        <p:spPr>
-          <a:ln/>
-        </p:spPr>
+        <p:spPr/>
         <p:txBody>
           <a:bodyPr/>
           <a:lstStyle>
@@ -4495,9 +4403,7 @@
             <p:ph type="sldNum" sz="quarter" idx="12"/>
           </p:nvPr>
         </p:nvSpPr>
-        <p:spPr>
-          <a:ln/>
-        </p:spPr>
+        <p:spPr/>
         <p:txBody>
           <a:bodyPr/>
           <a:lstStyle>
@@ -4511,21 +4417,12 @@
             </a:pPr>
             <a:fld id="{CEBA7D07-52A8-4EB8-B6C6-36BF4149D14E}" type="slidenum">
               <a:rPr lang="en-US" altLang="zh-CN"/>
-              <a:pPr>
-                <a:defRPr/>
-              </a:pPr>
-              <a:t>‹#›</a:t>
             </a:fld>
             <a:endParaRPr lang="en-US" altLang="zh-CN"/>
           </a:p>
         </p:txBody>
       </p:sp>
     </p:spTree>
-    <p:extLst>
-      <p:ext uri="{BB962C8B-B14F-4D97-AF65-F5344CB8AC3E}">
-        <p14:creationId xmlns:p14="http://schemas.microsoft.com/office/powerpoint/2010/main" val="2827296160"/>
-      </p:ext>
-    </p:extLst>
   </p:cSld>
   <p:clrMapOvr>
     <a:masterClrMapping/>
@@ -4709,6 +4606,7 @@
               <a:rPr lang="zh-CN" altLang="en-US" smtClean="0"/>
               <a:t>单击此处编辑母版文本样式</a:t>
             </a:r>
+            <a:endParaRPr lang="zh-CN" altLang="en-US" smtClean="0"/>
           </a:p>
         </p:txBody>
       </p:sp>
@@ -4722,9 +4620,7 @@
             <p:ph type="dt" sz="half" idx="10"/>
           </p:nvPr>
         </p:nvSpPr>
-        <p:spPr>
-          <a:ln/>
-        </p:spPr>
+        <p:spPr/>
         <p:txBody>
           <a:bodyPr/>
           <a:lstStyle>
@@ -4750,9 +4646,7 @@
             <p:ph type="ftr" sz="quarter" idx="11"/>
           </p:nvPr>
         </p:nvSpPr>
-        <p:spPr>
-          <a:ln/>
-        </p:spPr>
+        <p:spPr/>
         <p:txBody>
           <a:bodyPr/>
           <a:lstStyle>
@@ -4778,9 +4672,7 @@
             <p:ph type="sldNum" sz="quarter" idx="12"/>
           </p:nvPr>
         </p:nvSpPr>
-        <p:spPr>
-          <a:ln/>
-        </p:spPr>
+        <p:spPr/>
         <p:txBody>
           <a:bodyPr/>
           <a:lstStyle>
@@ -4794,21 +4686,12 @@
             </a:pPr>
             <a:fld id="{EC0F6349-AF04-4D95-A961-8ECE3A25CE44}" type="slidenum">
               <a:rPr lang="en-US" altLang="zh-CN"/>
-              <a:pPr>
-                <a:defRPr/>
-              </a:pPr>
-              <a:t>‹#›</a:t>
             </a:fld>
             <a:endParaRPr lang="en-US" altLang="zh-CN"/>
           </a:p>
         </p:txBody>
       </p:sp>
     </p:spTree>
-    <p:extLst>
-      <p:ext uri="{BB962C8B-B14F-4D97-AF65-F5344CB8AC3E}">
-        <p14:creationId xmlns:p14="http://schemas.microsoft.com/office/powerpoint/2010/main" val="4003841076"/>
-      </p:ext>
-    </p:extLst>
   </p:cSld>
   <p:clrMapOvr>
     <a:masterClrMapping/>
@@ -4892,11 +4775,7 @@
           </a:extLst>
         </p:spPr>
         <p:txBody>
-          <a:bodyPr vert="horz" wrap="square" lIns="91440" tIns="45720" rIns="91440" bIns="45720" numCol="1" anchor="b" anchorCtr="0" compatLnSpc="1">
-            <a:prstTxWarp prst="textNoShape">
-              <a:avLst/>
-            </a:prstTxWarp>
-          </a:bodyPr>
+          <a:bodyPr vert="horz" wrap="square" lIns="91440" tIns="45720" rIns="91440" bIns="45720" numCol="1" anchor="b" anchorCtr="0" compatLnSpc="1"/>
           <a:lstStyle/>
           <a:p>
             <a:pPr lvl="0"/>
@@ -4904,6 +4783,7 @@
               <a:rPr lang="zh-CN" altLang="en-US" smtClean="0"/>
               <a:t>单击此处编辑母版标题样式</a:t>
             </a:r>
+            <a:endParaRPr lang="zh-CN" altLang="en-US" smtClean="0"/>
           </a:p>
         </p:txBody>
       </p:sp>
@@ -4950,11 +4830,7 @@
           </a:extLst>
         </p:spPr>
         <p:txBody>
-          <a:bodyPr vert="horz" wrap="square" lIns="91440" tIns="45720" rIns="91440" bIns="45720" numCol="1" anchor="t" anchorCtr="0" compatLnSpc="1">
-            <a:prstTxWarp prst="textNoShape">
-              <a:avLst/>
-            </a:prstTxWarp>
-          </a:bodyPr>
+          <a:bodyPr vert="horz" wrap="square" lIns="91440" tIns="45720" rIns="91440" bIns="45720" numCol="1" anchor="t" anchorCtr="0" compatLnSpc="1"/>
           <a:lstStyle/>
           <a:p>
             <a:pPr lvl="0"/>
@@ -4962,6 +4838,7 @@
               <a:rPr lang="zh-CN" altLang="en-US" smtClean="0"/>
               <a:t>单击此处编辑母版文本样式</a:t>
             </a:r>
+            <a:endParaRPr lang="zh-CN" altLang="en-US" smtClean="0"/>
           </a:p>
           <a:p>
             <a:pPr lvl="1"/>
@@ -4969,6 +4846,7 @@
               <a:rPr lang="zh-CN" altLang="en-US" smtClean="0"/>
               <a:t>第二级</a:t>
             </a:r>
+            <a:endParaRPr lang="zh-CN" altLang="en-US" smtClean="0"/>
           </a:p>
           <a:p>
             <a:pPr lvl="2"/>
@@ -4976,6 +4854,7 @@
               <a:rPr lang="zh-CN" altLang="en-US" smtClean="0"/>
               <a:t>第三级</a:t>
             </a:r>
+            <a:endParaRPr lang="zh-CN" altLang="en-US" smtClean="0"/>
           </a:p>
           <a:p>
             <a:pPr lvl="3"/>
@@ -4983,6 +4862,7 @@
               <a:rPr lang="zh-CN" altLang="en-US" smtClean="0"/>
               <a:t>第四级</a:t>
             </a:r>
+            <a:endParaRPr lang="zh-CN" altLang="en-US" smtClean="0"/>
           </a:p>
           <a:p>
             <a:pPr lvl="4"/>
@@ -4990,6 +4870,7 @@
               <a:rPr lang="zh-CN" altLang="en-US" smtClean="0"/>
               <a:t>第五级</a:t>
             </a:r>
+            <a:endParaRPr lang="zh-CN" altLang="en-US" smtClean="0"/>
           </a:p>
         </p:txBody>
       </p:sp>
@@ -5087,8 +4968,6 @@
               <a:schemeClr val="accent2"/>
             </a:solidFill>
             <a:round/>
-            <a:headEnd/>
-            <a:tailEnd/>
           </a:ln>
         </p:spPr>
         <p:txBody>
@@ -5121,8 +5000,6 @@
               <a:schemeClr val="accent2"/>
             </a:solidFill>
             <a:round/>
-            <a:headEnd/>
-            <a:tailEnd/>
           </a:ln>
           <a:extLst>
             <a:ext uri="{909E8E84-426E-40DD-AFC4-6F175D3DCCD1}">
@@ -5162,21 +5039,15 @@
           <a:ln w="9525">
             <a:noFill/>
             <a:miter lim="800000"/>
-            <a:headEnd/>
-            <a:tailEnd/>
           </a:ln>
           <a:effectLst/>
         </p:spPr>
         <p:txBody>
-          <a:bodyPr vert="horz" wrap="square" lIns="91440" tIns="45720" rIns="91440" bIns="45720" numCol="1" anchor="t" anchorCtr="0" compatLnSpc="1">
-            <a:prstTxWarp prst="textNoShape">
-              <a:avLst/>
-            </a:prstTxWarp>
-          </a:bodyPr>
+          <a:bodyPr vert="horz" wrap="square" lIns="91440" tIns="45720" rIns="91440" bIns="45720" numCol="1" anchor="t" anchorCtr="0" compatLnSpc="1"/>
           <a:lstStyle>
             <a:lvl1pPr>
               <a:defRPr sz="1200">
-                <a:ea typeface="宋体" pitchFamily="2" charset="-122"/>
+                <a:ea typeface="宋体" panose="02010600030101010101" pitchFamily="2" charset="-122"/>
               </a:defRPr>
             </a:lvl1pPr>
           </a:lstStyle>
@@ -5210,21 +5081,15 @@
           <a:ln w="9525">
             <a:noFill/>
             <a:miter lim="800000"/>
-            <a:headEnd/>
-            <a:tailEnd/>
           </a:ln>
           <a:effectLst/>
         </p:spPr>
         <p:txBody>
-          <a:bodyPr vert="horz" wrap="square" lIns="91440" tIns="45720" rIns="91440" bIns="45720" numCol="1" anchor="t" anchorCtr="0" compatLnSpc="1">
-            <a:prstTxWarp prst="textNoShape">
-              <a:avLst/>
-            </a:prstTxWarp>
-          </a:bodyPr>
+          <a:bodyPr vert="horz" wrap="square" lIns="91440" tIns="45720" rIns="91440" bIns="45720" numCol="1" anchor="t" anchorCtr="0" compatLnSpc="1"/>
           <a:lstStyle>
             <a:lvl1pPr algn="ctr">
               <a:defRPr sz="1200">
-                <a:ea typeface="宋体" pitchFamily="2" charset="-122"/>
+                <a:ea typeface="宋体" panose="02010600030101010101" pitchFamily="2" charset="-122"/>
               </a:defRPr>
             </a:lvl1pPr>
           </a:lstStyle>
@@ -5258,21 +5123,15 @@
           <a:ln w="9525">
             <a:noFill/>
             <a:miter lim="800000"/>
-            <a:headEnd/>
-            <a:tailEnd/>
           </a:ln>
           <a:effectLst/>
         </p:spPr>
         <p:txBody>
-          <a:bodyPr vert="horz" wrap="square" lIns="91440" tIns="45720" rIns="91440" bIns="45720" numCol="1" anchor="t" anchorCtr="0" compatLnSpc="1">
-            <a:prstTxWarp prst="textNoShape">
-              <a:avLst/>
-            </a:prstTxWarp>
-          </a:bodyPr>
+          <a:bodyPr vert="horz" wrap="square" lIns="91440" tIns="45720" rIns="91440" bIns="45720" numCol="1" anchor="t" anchorCtr="0" compatLnSpc="1"/>
           <a:lstStyle>
             <a:lvl1pPr algn="r">
               <a:defRPr sz="1200">
-                <a:ea typeface="宋体" pitchFamily="2" charset="-122"/>
+                <a:ea typeface="宋体" panose="02010600030101010101" pitchFamily="2" charset="-122"/>
               </a:defRPr>
             </a:lvl1pPr>
           </a:lstStyle>
@@ -5282,10 +5141,6 @@
             </a:pPr>
             <a:fld id="{A759C58F-AAE7-41DA-8CD3-FE133CD8564E}" type="slidenum">
               <a:rPr lang="en-US" altLang="zh-CN"/>
-              <a:pPr>
-                <a:defRPr/>
-              </a:pPr>
-              <a:t>‹#›</a:t>
             </a:fld>
             <a:endParaRPr lang="en-US" altLang="zh-CN"/>
           </a:p>
@@ -5295,20 +5150,20 @@
   </p:cSld>
   <p:clrMap bg1="lt1" tx1="dk1" bg2="lt2" tx2="dk2" accent1="accent1" accent2="accent2" accent3="accent3" accent4="accent4" accent5="accent5" accent6="accent6" hlink="hlink" folHlink="folHlink"/>
   <p:sldLayoutIdLst>
-    <p:sldLayoutId id="2147483918" r:id="rId1"/>
-    <p:sldLayoutId id="2147483907" r:id="rId2"/>
-    <p:sldLayoutId id="2147483908" r:id="rId3"/>
-    <p:sldLayoutId id="2147483909" r:id="rId4"/>
-    <p:sldLayoutId id="2147483910" r:id="rId5"/>
-    <p:sldLayoutId id="2147483911" r:id="rId6"/>
-    <p:sldLayoutId id="2147483912" r:id="rId7"/>
-    <p:sldLayoutId id="2147483913" r:id="rId8"/>
-    <p:sldLayoutId id="2147483914" r:id="rId9"/>
-    <p:sldLayoutId id="2147483915" r:id="rId10"/>
-    <p:sldLayoutId id="2147483916" r:id="rId11"/>
-    <p:sldLayoutId id="2147483917" r:id="rId12"/>
-    <p:sldLayoutId id="2147483922" r:id="rId13"/>
-    <p:sldLayoutId id="2147483923" r:id="rId14"/>
+    <p:sldLayoutId id="2147483649" r:id="rId1"/>
+    <p:sldLayoutId id="2147483650" r:id="rId2"/>
+    <p:sldLayoutId id="2147483651" r:id="rId3"/>
+    <p:sldLayoutId id="2147483652" r:id="rId4"/>
+    <p:sldLayoutId id="2147483653" r:id="rId5"/>
+    <p:sldLayoutId id="2147483654" r:id="rId6"/>
+    <p:sldLayoutId id="2147483655" r:id="rId7"/>
+    <p:sldLayoutId id="2147483656" r:id="rId8"/>
+    <p:sldLayoutId id="2147483657" r:id="rId9"/>
+    <p:sldLayoutId id="2147483658" r:id="rId10"/>
+    <p:sldLayoutId id="2147483659" r:id="rId11"/>
+    <p:sldLayoutId id="2147483660" r:id="rId12"/>
+    <p:sldLayoutId id="2147483661" r:id="rId13"/>
+    <p:sldLayoutId id="2147483662" r:id="rId14"/>
   </p:sldLayoutIdLst>
   <p:transition>
     <p:blinds dir="vert"/>
@@ -5350,8 +5205,8 @@
           <a:solidFill>
             <a:schemeClr val="tx2"/>
           </a:solidFill>
-          <a:latin typeface="Verdana" pitchFamily="34" charset="0"/>
-          <a:ea typeface="宋体" pitchFamily="2" charset="-122"/>
+          <a:latin typeface="Verdana" panose="020B0604030504040204" pitchFamily="34" charset="0"/>
+          <a:ea typeface="宋体" panose="02010600030101010101" pitchFamily="2" charset="-122"/>
         </a:defRPr>
       </a:lvl2pPr>
       <a:lvl3pPr algn="l" rtl="0" eaLnBrk="0" fontAlgn="base" hangingPunct="0">
@@ -5365,8 +5220,8 @@
           <a:solidFill>
             <a:schemeClr val="tx2"/>
           </a:solidFill>
-          <a:latin typeface="Verdana" pitchFamily="34" charset="0"/>
-          <a:ea typeface="宋体" pitchFamily="2" charset="-122"/>
+          <a:latin typeface="Verdana" panose="020B0604030504040204" pitchFamily="34" charset="0"/>
+          <a:ea typeface="宋体" panose="02010600030101010101" pitchFamily="2" charset="-122"/>
         </a:defRPr>
       </a:lvl3pPr>
       <a:lvl4pPr algn="l" rtl="0" eaLnBrk="0" fontAlgn="base" hangingPunct="0">
@@ -5380,8 +5235,8 @@
           <a:solidFill>
             <a:schemeClr val="tx2"/>
           </a:solidFill>
-          <a:latin typeface="Verdana" pitchFamily="34" charset="0"/>
-          <a:ea typeface="宋体" pitchFamily="2" charset="-122"/>
+          <a:latin typeface="Verdana" panose="020B0604030504040204" pitchFamily="34" charset="0"/>
+          <a:ea typeface="宋体" panose="02010600030101010101" pitchFamily="2" charset="-122"/>
         </a:defRPr>
       </a:lvl4pPr>
       <a:lvl5pPr algn="l" rtl="0" eaLnBrk="0" fontAlgn="base" hangingPunct="0">
@@ -5395,8 +5250,8 @@
           <a:solidFill>
             <a:schemeClr val="tx2"/>
           </a:solidFill>
-          <a:latin typeface="Verdana" pitchFamily="34" charset="0"/>
-          <a:ea typeface="宋体" pitchFamily="2" charset="-122"/>
+          <a:latin typeface="Verdana" panose="020B0604030504040204" pitchFamily="34" charset="0"/>
+          <a:ea typeface="宋体" panose="02010600030101010101" pitchFamily="2" charset="-122"/>
         </a:defRPr>
       </a:lvl5pPr>
       <a:lvl6pPr marL="457200" algn="l" rtl="0" fontAlgn="base">
@@ -5410,8 +5265,8 @@
           <a:solidFill>
             <a:schemeClr val="tx2"/>
           </a:solidFill>
-          <a:latin typeface="Verdana" pitchFamily="34" charset="0"/>
-          <a:ea typeface="宋体" pitchFamily="2" charset="-122"/>
+          <a:latin typeface="Verdana" panose="020B0604030504040204" pitchFamily="34" charset="0"/>
+          <a:ea typeface="宋体" panose="02010600030101010101" pitchFamily="2" charset="-122"/>
         </a:defRPr>
       </a:lvl6pPr>
       <a:lvl7pPr marL="914400" algn="l" rtl="0" fontAlgn="base">
@@ -5425,8 +5280,8 @@
           <a:solidFill>
             <a:schemeClr val="tx2"/>
           </a:solidFill>
-          <a:latin typeface="Verdana" pitchFamily="34" charset="0"/>
-          <a:ea typeface="宋体" pitchFamily="2" charset="-122"/>
+          <a:latin typeface="Verdana" panose="020B0604030504040204" pitchFamily="34" charset="0"/>
+          <a:ea typeface="宋体" panose="02010600030101010101" pitchFamily="2" charset="-122"/>
         </a:defRPr>
       </a:lvl7pPr>
       <a:lvl8pPr marL="1371600" algn="l" rtl="0" fontAlgn="base">
@@ -5440,8 +5295,8 @@
           <a:solidFill>
             <a:schemeClr val="tx2"/>
           </a:solidFill>
-          <a:latin typeface="Verdana" pitchFamily="34" charset="0"/>
-          <a:ea typeface="宋体" pitchFamily="2" charset="-122"/>
+          <a:latin typeface="Verdana" panose="020B0604030504040204" pitchFamily="34" charset="0"/>
+          <a:ea typeface="宋体" panose="02010600030101010101" pitchFamily="2" charset="-122"/>
         </a:defRPr>
       </a:lvl8pPr>
       <a:lvl9pPr marL="1828800" algn="l" rtl="0" fontAlgn="base">
@@ -5455,8 +5310,8 @@
           <a:solidFill>
             <a:schemeClr val="tx2"/>
           </a:solidFill>
-          <a:latin typeface="Verdana" pitchFamily="34" charset="0"/>
-          <a:ea typeface="宋体" pitchFamily="2" charset="-122"/>
+          <a:latin typeface="Verdana" panose="020B0604030504040204" pitchFamily="34" charset="0"/>
+          <a:ea typeface="宋体" panose="02010600030101010101" pitchFamily="2" charset="-122"/>
         </a:defRPr>
       </a:lvl9pPr>
     </p:titleStyle>
@@ -5471,7 +5326,7 @@
         <a:buClr>
           <a:schemeClr val="accent2"/>
         </a:buClr>
-        <a:buFont typeface="Wingdings" pitchFamily="2" charset="2"/>
+        <a:buFont typeface="Wingdings" panose="05000000000000000000" pitchFamily="2" charset="2"/>
         <a:buChar char="o"/>
         <a:defRPr sz="3000">
           <a:solidFill>
@@ -5482,7 +5337,7 @@
           <a:cs typeface="+mn-cs"/>
         </a:defRPr>
       </a:lvl1pPr>
-      <a:lvl2pPr marL="908050" indent="-436563" algn="l" rtl="0" eaLnBrk="0" fontAlgn="base" hangingPunct="0">
+      <a:lvl2pPr marL="908050" indent="-436880" algn="l" rtl="0" eaLnBrk="0" fontAlgn="base" hangingPunct="0">
         <a:spcBef>
           <a:spcPct val="20000"/>
         </a:spcBef>
@@ -5492,7 +5347,7 @@
         <a:buClr>
           <a:schemeClr val="accent2"/>
         </a:buClr>
-        <a:buFont typeface="Wingdings" pitchFamily="2" charset="2"/>
+        <a:buFont typeface="Wingdings" panose="05000000000000000000" pitchFamily="2" charset="2"/>
         <a:buChar char="n"/>
         <a:defRPr sz="2600">
           <a:solidFill>
@@ -5502,7 +5357,7 @@
           <a:ea typeface="+mn-ea"/>
         </a:defRPr>
       </a:lvl2pPr>
-      <a:lvl3pPr marL="1304925" indent="-395288" algn="l" rtl="0" eaLnBrk="0" fontAlgn="base" hangingPunct="0">
+      <a:lvl3pPr marL="1304925" indent="-395605" algn="l" rtl="0" eaLnBrk="0" fontAlgn="base" hangingPunct="0">
         <a:spcBef>
           <a:spcPct val="20000"/>
         </a:spcBef>
@@ -5512,7 +5367,7 @@
         <a:buClr>
           <a:schemeClr val="accent2"/>
         </a:buClr>
-        <a:buFont typeface="Wingdings" pitchFamily="2" charset="2"/>
+        <a:buFont typeface="Wingdings" panose="05000000000000000000" pitchFamily="2" charset="2"/>
         <a:buChar char="o"/>
         <a:defRPr sz="2300">
           <a:solidFill>
@@ -5522,7 +5377,7 @@
           <a:ea typeface="+mn-ea"/>
         </a:defRPr>
       </a:lvl3pPr>
-      <a:lvl4pPr marL="1693863" indent="-387350" algn="l" rtl="0" eaLnBrk="0" fontAlgn="base" hangingPunct="0">
+      <a:lvl4pPr marL="1694180" indent="-387350" algn="l" rtl="0" eaLnBrk="0" fontAlgn="base" hangingPunct="0">
         <a:spcBef>
           <a:spcPct val="20000"/>
         </a:spcBef>
@@ -5532,7 +5387,7 @@
         <a:buClr>
           <a:schemeClr val="accent2"/>
         </a:buClr>
-        <a:buFont typeface="Wingdings" pitchFamily="2" charset="2"/>
+        <a:buFont typeface="Wingdings" panose="05000000000000000000" pitchFamily="2" charset="2"/>
         <a:buChar char="n"/>
         <a:defRPr sz="2000">
           <a:solidFill>
@@ -5542,7 +5397,7 @@
           <a:ea typeface="+mn-ea"/>
         </a:defRPr>
       </a:lvl4pPr>
-      <a:lvl5pPr marL="2093913" indent="-398463" algn="l" rtl="0" eaLnBrk="0" fontAlgn="base" hangingPunct="0">
+      <a:lvl5pPr marL="2094230" indent="-398780" algn="l" rtl="0" eaLnBrk="0" fontAlgn="base" hangingPunct="0">
         <a:spcBef>
           <a:spcPct val="25000"/>
         </a:spcBef>
@@ -5552,7 +5407,7 @@
         <a:buClr>
           <a:schemeClr val="accent2"/>
         </a:buClr>
-        <a:buFont typeface="Wingdings" pitchFamily="2" charset="2"/>
+        <a:buFont typeface="Wingdings" panose="05000000000000000000" pitchFamily="2" charset="2"/>
         <a:buChar char="§"/>
         <a:defRPr sz="2000">
           <a:solidFill>
@@ -5562,7 +5417,7 @@
           <a:ea typeface="+mn-ea"/>
         </a:defRPr>
       </a:lvl5pPr>
-      <a:lvl6pPr marL="2551113" indent="-398463" algn="l" rtl="0" fontAlgn="base">
+      <a:lvl6pPr marL="2551430" indent="-398780" algn="l" rtl="0" fontAlgn="base">
         <a:spcBef>
           <a:spcPct val="25000"/>
         </a:spcBef>
@@ -5572,7 +5427,7 @@
         <a:buClr>
           <a:schemeClr val="accent2"/>
         </a:buClr>
-        <a:buFont typeface="Wingdings" pitchFamily="2" charset="2"/>
+        <a:buFont typeface="Wingdings" panose="05000000000000000000" pitchFamily="2" charset="2"/>
         <a:buChar char="§"/>
         <a:defRPr sz="2000">
           <a:solidFill>
@@ -5582,7 +5437,7 @@
           <a:ea typeface="+mn-ea"/>
         </a:defRPr>
       </a:lvl6pPr>
-      <a:lvl7pPr marL="3008313" indent="-398463" algn="l" rtl="0" fontAlgn="base">
+      <a:lvl7pPr marL="3008630" indent="-398780" algn="l" rtl="0" fontAlgn="base">
         <a:spcBef>
           <a:spcPct val="25000"/>
         </a:spcBef>
@@ -5592,7 +5447,7 @@
         <a:buClr>
           <a:schemeClr val="accent2"/>
         </a:buClr>
-        <a:buFont typeface="Wingdings" pitchFamily="2" charset="2"/>
+        <a:buFont typeface="Wingdings" panose="05000000000000000000" pitchFamily="2" charset="2"/>
         <a:buChar char="§"/>
         <a:defRPr sz="2000">
           <a:solidFill>
@@ -5602,7 +5457,7 @@
           <a:ea typeface="+mn-ea"/>
         </a:defRPr>
       </a:lvl7pPr>
-      <a:lvl8pPr marL="3465513" indent="-398463" algn="l" rtl="0" fontAlgn="base">
+      <a:lvl8pPr marL="3465830" indent="-398780" algn="l" rtl="0" fontAlgn="base">
         <a:spcBef>
           <a:spcPct val="25000"/>
         </a:spcBef>
@@ -5612,7 +5467,7 @@
         <a:buClr>
           <a:schemeClr val="accent2"/>
         </a:buClr>
-        <a:buFont typeface="Wingdings" pitchFamily="2" charset="2"/>
+        <a:buFont typeface="Wingdings" panose="05000000000000000000" pitchFamily="2" charset="2"/>
         <a:buChar char="§"/>
         <a:defRPr sz="2000">
           <a:solidFill>
@@ -5622,7 +5477,7 @@
           <a:ea typeface="+mn-ea"/>
         </a:defRPr>
       </a:lvl8pPr>
-      <a:lvl9pPr marL="3922713" indent="-398463" algn="l" rtl="0" fontAlgn="base">
+      <a:lvl9pPr marL="3923030" indent="-398780" algn="l" rtl="0" fontAlgn="base">
         <a:spcBef>
           <a:spcPct val="25000"/>
         </a:spcBef>
@@ -5632,7 +5487,7 @@
         <a:buClr>
           <a:schemeClr val="accent2"/>
         </a:buClr>
-        <a:buFont typeface="Wingdings" pitchFamily="2" charset="2"/>
+        <a:buFont typeface="Wingdings" panose="05000000000000000000" pitchFamily="2" charset="2"/>
         <a:buChar char="§"/>
         <a:defRPr sz="2000">
           <a:solidFill>
@@ -5771,7 +5626,6 @@
         </p:nvSpPr>
         <p:spPr>
           <a:noFill/>
-          <a:ln/>
           <a:extLst>
             <a:ext uri="{909E8E84-426E-40DD-AFC4-6F175D3DCCD1}">
               <a14:hiddenFill xmlns:a14="http://schemas.microsoft.com/office/drawing/2010/main">
@@ -5800,8 +5654,8 @@
                 <a:solidFill>
                   <a:schemeClr val="tx1"/>
                 </a:solidFill>
-                <a:latin typeface="Verdana" pitchFamily="34" charset="0"/>
-                <a:ea typeface="宋体" charset="-122"/>
+                <a:latin typeface="Verdana" panose="020B0604030504040204" pitchFamily="34" charset="0"/>
+                <a:ea typeface="宋体" panose="02010600030101010101" pitchFamily="2" charset="-122"/>
               </a:defRPr>
             </a:lvl1pPr>
             <a:lvl2pPr marL="742950" indent="-285750" eaLnBrk="0" hangingPunct="0">
@@ -5809,8 +5663,8 @@
                 <a:solidFill>
                   <a:schemeClr val="tx1"/>
                 </a:solidFill>
-                <a:latin typeface="Verdana" pitchFamily="34" charset="0"/>
-                <a:ea typeface="宋体" charset="-122"/>
+                <a:latin typeface="Verdana" panose="020B0604030504040204" pitchFamily="34" charset="0"/>
+                <a:ea typeface="宋体" panose="02010600030101010101" pitchFamily="2" charset="-122"/>
               </a:defRPr>
             </a:lvl2pPr>
             <a:lvl3pPr marL="1143000" indent="-228600" eaLnBrk="0" hangingPunct="0">
@@ -5818,8 +5672,8 @@
                 <a:solidFill>
                   <a:schemeClr val="tx1"/>
                 </a:solidFill>
-                <a:latin typeface="Verdana" pitchFamily="34" charset="0"/>
-                <a:ea typeface="宋体" charset="-122"/>
+                <a:latin typeface="Verdana" panose="020B0604030504040204" pitchFamily="34" charset="0"/>
+                <a:ea typeface="宋体" panose="02010600030101010101" pitchFamily="2" charset="-122"/>
               </a:defRPr>
             </a:lvl3pPr>
             <a:lvl4pPr marL="1600200" indent="-228600" eaLnBrk="0" hangingPunct="0">
@@ -5827,8 +5681,8 @@
                 <a:solidFill>
                   <a:schemeClr val="tx1"/>
                 </a:solidFill>
-                <a:latin typeface="Verdana" pitchFamily="34" charset="0"/>
-                <a:ea typeface="宋体" charset="-122"/>
+                <a:latin typeface="Verdana" panose="020B0604030504040204" pitchFamily="34" charset="0"/>
+                <a:ea typeface="宋体" panose="02010600030101010101" pitchFamily="2" charset="-122"/>
               </a:defRPr>
             </a:lvl4pPr>
             <a:lvl5pPr marL="2057400" indent="-228600" eaLnBrk="0" hangingPunct="0">
@@ -5836,8 +5690,8 @@
                 <a:solidFill>
                   <a:schemeClr val="tx1"/>
                 </a:solidFill>
-                <a:latin typeface="Verdana" pitchFamily="34" charset="0"/>
-                <a:ea typeface="宋体" charset="-122"/>
+                <a:latin typeface="Verdana" panose="020B0604030504040204" pitchFamily="34" charset="0"/>
+                <a:ea typeface="宋体" panose="02010600030101010101" pitchFamily="2" charset="-122"/>
               </a:defRPr>
             </a:lvl5pPr>
             <a:lvl6pPr marL="2514600" indent="-228600" eaLnBrk="0" fontAlgn="base" hangingPunct="0">
@@ -5851,8 +5705,8 @@
                 <a:solidFill>
                   <a:schemeClr val="tx1"/>
                 </a:solidFill>
-                <a:latin typeface="Verdana" pitchFamily="34" charset="0"/>
-                <a:ea typeface="宋体" charset="-122"/>
+                <a:latin typeface="Verdana" panose="020B0604030504040204" pitchFamily="34" charset="0"/>
+                <a:ea typeface="宋体" panose="02010600030101010101" pitchFamily="2" charset="-122"/>
               </a:defRPr>
             </a:lvl6pPr>
             <a:lvl7pPr marL="2971800" indent="-228600" eaLnBrk="0" fontAlgn="base" hangingPunct="0">
@@ -5866,8 +5720,8 @@
                 <a:solidFill>
                   <a:schemeClr val="tx1"/>
                 </a:solidFill>
-                <a:latin typeface="Verdana" pitchFamily="34" charset="0"/>
-                <a:ea typeface="宋体" charset="-122"/>
+                <a:latin typeface="Verdana" panose="020B0604030504040204" pitchFamily="34" charset="0"/>
+                <a:ea typeface="宋体" panose="02010600030101010101" pitchFamily="2" charset="-122"/>
               </a:defRPr>
             </a:lvl7pPr>
             <a:lvl8pPr marL="3429000" indent="-228600" eaLnBrk="0" fontAlgn="base" hangingPunct="0">
@@ -5881,8 +5735,8 @@
                 <a:solidFill>
                   <a:schemeClr val="tx1"/>
                 </a:solidFill>
-                <a:latin typeface="Verdana" pitchFamily="34" charset="0"/>
-                <a:ea typeface="宋体" charset="-122"/>
+                <a:latin typeface="Verdana" panose="020B0604030504040204" pitchFamily="34" charset="0"/>
+                <a:ea typeface="宋体" panose="02010600030101010101" pitchFamily="2" charset="-122"/>
               </a:defRPr>
             </a:lvl8pPr>
             <a:lvl9pPr marL="3886200" indent="-228600" eaLnBrk="0" fontAlgn="base" hangingPunct="0">
@@ -5896,8 +5750,8 @@
                 <a:solidFill>
                   <a:schemeClr val="tx1"/>
                 </a:solidFill>
-                <a:latin typeface="Verdana" pitchFamily="34" charset="0"/>
-                <a:ea typeface="宋体" charset="-122"/>
+                <a:latin typeface="Verdana" panose="020B0604030504040204" pitchFamily="34" charset="0"/>
+                <a:ea typeface="宋体" panose="02010600030101010101" pitchFamily="2" charset="-122"/>
               </a:defRPr>
             </a:lvl9pPr>
           </a:lstStyle>
@@ -5905,8 +5759,6 @@
             <a:pPr eaLnBrk="1" hangingPunct="1"/>
             <a:fld id="{CF3F84FD-A9EF-411A-AD41-005FD50D6B7A}" type="slidenum">
               <a:rPr lang="en-US" altLang="zh-CN" smtClean="0"/>
-              <a:pPr eaLnBrk="1" hangingPunct="1"/>
-              <a:t>1</a:t>
             </a:fld>
             <a:endParaRPr lang="en-US" altLang="zh-CN" smtClean="0"/>
           </a:p>
@@ -5930,33 +5782,30 @@
             <a:pPr algn="ctr" eaLnBrk="1" hangingPunct="1"/>
             <a:r>
               <a:rPr lang="zh-CN" altLang="en-US" sz="6000" b="1" smtClean="0">
-                <a:ea typeface="华文隶书" pitchFamily="2" charset="-122"/>
+                <a:ea typeface="华文隶书" panose="02010800040101010101" pitchFamily="2" charset="-122"/>
               </a:rPr>
               <a:t>软件测试实用教程</a:t>
-            </a:r>
-            <a:r>
-              <a:rPr lang="en-US" altLang="zh-CN" sz="6000" b="1" smtClean="0">
-                <a:ea typeface="华文隶书" pitchFamily="2" charset="-122"/>
-              </a:rPr>
-              <a:t/>
             </a:r>
             <a:br>
               <a:rPr lang="en-US" altLang="zh-CN" sz="6000" b="1" smtClean="0">
-                <a:ea typeface="华文隶书" pitchFamily="2" charset="-122"/>
+                <a:ea typeface="华文隶书" panose="02010800040101010101" pitchFamily="2" charset="-122"/>
               </a:rPr>
             </a:br>
             <a:r>
               <a:rPr lang="en-US" altLang="zh-CN" sz="6000" b="1" smtClean="0">
-                <a:ea typeface="华文隶书" pitchFamily="2" charset="-122"/>
+                <a:ea typeface="华文隶书" panose="02010800040101010101" pitchFamily="2" charset="-122"/>
               </a:rPr>
               <a:t>——</a:t>
             </a:r>
             <a:r>
               <a:rPr lang="zh-CN" altLang="en-US" sz="6000" b="1" smtClean="0">
-                <a:ea typeface="华文隶书" pitchFamily="2" charset="-122"/>
+                <a:ea typeface="华文隶书" panose="02010800040101010101" pitchFamily="2" charset="-122"/>
               </a:rPr>
               <a:t>方法与实践</a:t>
             </a:r>
+            <a:endParaRPr lang="zh-CN" altLang="en-US" sz="6000" b="1" smtClean="0">
+              <a:ea typeface="华文隶书" panose="02010800040101010101" pitchFamily="2" charset="-122"/>
+            </a:endParaRPr>
           </a:p>
         </p:txBody>
       </p:sp>
@@ -5978,18 +5827,22 @@
             <a:pPr algn="ctr" eaLnBrk="1" hangingPunct="1"/>
             <a:r>
               <a:rPr lang="en-US" altLang="zh-CN" sz="4400" b="1" smtClean="0">
-                <a:latin typeface="华文隶书" pitchFamily="2" charset="-122"/>
-                <a:ea typeface="华文隶书" pitchFamily="2" charset="-122"/>
+                <a:latin typeface="华文隶书" panose="02010800040101010101" pitchFamily="2" charset="-122"/>
+                <a:ea typeface="华文隶书" panose="02010800040101010101" pitchFamily="2" charset="-122"/>
               </a:rPr>
               <a:t>PartII </a:t>
             </a:r>
             <a:r>
               <a:rPr lang="zh-CN" altLang="en-US" sz="4400" b="1" smtClean="0">
-                <a:latin typeface="华文隶书" pitchFamily="2" charset="-122"/>
-                <a:ea typeface="华文隶书" pitchFamily="2" charset="-122"/>
+                <a:latin typeface="华文隶书" panose="02010800040101010101" pitchFamily="2" charset="-122"/>
+                <a:ea typeface="华文隶书" panose="02010800040101010101" pitchFamily="2" charset="-122"/>
               </a:rPr>
               <a:t>软件测试技术</a:t>
             </a:r>
+            <a:endParaRPr lang="zh-CN" altLang="en-US" sz="4400" b="1" smtClean="0">
+              <a:latin typeface="华文隶书" panose="02010800040101010101" pitchFamily="2" charset="-122"/>
+              <a:ea typeface="华文隶书" panose="02010800040101010101" pitchFamily="2" charset="-122"/>
+            </a:endParaRPr>
           </a:p>
         </p:txBody>
       </p:sp>
@@ -6053,8 +5906,8 @@
                 <a:solidFill>
                   <a:schemeClr val="tx2"/>
                 </a:solidFill>
-                <a:latin typeface="黑体" pitchFamily="2" charset="-122"/>
-                <a:ea typeface="黑体" pitchFamily="2" charset="-122"/>
+                <a:latin typeface="黑体" panose="02010609060101010101" pitchFamily="2" charset="-122"/>
+                <a:ea typeface="黑体" panose="02010609060101010101" pitchFamily="2" charset="-122"/>
                 <a:cs typeface="+mj-cs"/>
               </a:rPr>
               <a:t>3.2 </a:t>
@@ -6064,12 +5917,20 @@
                 <a:solidFill>
                   <a:schemeClr val="tx2"/>
                 </a:solidFill>
-                <a:latin typeface="黑体" pitchFamily="2" charset="-122"/>
-                <a:ea typeface="黑体" pitchFamily="2" charset="-122"/>
+                <a:latin typeface="黑体" panose="02010609060101010101" pitchFamily="2" charset="-122"/>
+                <a:ea typeface="黑体" panose="02010609060101010101" pitchFamily="2" charset="-122"/>
                 <a:cs typeface="+mj-cs"/>
               </a:rPr>
               <a:t>边界值测试</a:t>
             </a:r>
+            <a:endParaRPr lang="zh-CN" altLang="en-US" sz="3800" b="1" dirty="0">
+              <a:solidFill>
+                <a:schemeClr val="tx2"/>
+              </a:solidFill>
+              <a:latin typeface="黑体" panose="02010609060101010101" pitchFamily="2" charset="-122"/>
+              <a:ea typeface="黑体" panose="02010609060101010101" pitchFamily="2" charset="-122"/>
+              <a:cs typeface="+mj-cs"/>
+            </a:endParaRPr>
           </a:p>
         </p:txBody>
       </p:sp>
@@ -6085,7 +5946,7 @@
         </p:nvSpPr>
         <p:spPr>
           <a:xfrm>
-            <a:off x="467544" y="1820959"/>
+            <a:off x="395789" y="1677449"/>
             <a:ext cx="8352928" cy="5060681"/>
           </a:xfrm>
         </p:spPr>
@@ -6094,7 +5955,7 @@
           <a:lstStyle/>
           <a:p>
             <a:pPr marL="469900" lvl="1" indent="-469900" algn="just" eaLnBrk="1" hangingPunct="1">
-              <a:buFont typeface="Wingdings" pitchFamily="2" charset="2"/>
+              <a:buFont typeface="Wingdings" panose="05000000000000000000" pitchFamily="2" charset="2"/>
               <a:buChar char="o"/>
             </a:pPr>
             <a:r>
@@ -6141,6 +6002,10 @@
               </a:rPr>
               <a:t>5*5=25</a:t>
             </a:r>
+            <a:endParaRPr lang="en-US" altLang="zh-CN" sz="2400" b="1" dirty="0">
+              <a:latin typeface="+mn-lt"/>
+              <a:ea typeface="+mn-ea"/>
+            </a:endParaRPr>
           </a:p>
           <a:p>
             <a:pPr lvl="1"/>
@@ -6172,6 +6037,10 @@
               </a:rPr>
               <a:t>10*5+6*4.75=73.75</a:t>
             </a:r>
+            <a:endParaRPr lang="en-US" altLang="zh-CN" sz="2400" b="1" dirty="0">
+              <a:latin typeface="+mn-lt"/>
+              <a:ea typeface="+mn-ea"/>
+            </a:endParaRPr>
           </a:p>
           <a:p>
             <a:pPr lvl="1"/>
@@ -6203,6 +6072,10 @@
               </a:rPr>
               <a:t>10*5+10*4.75+7*4.5=129</a:t>
             </a:r>
+            <a:endParaRPr lang="en-US" altLang="zh-CN" sz="2400" b="1" dirty="0">
+              <a:latin typeface="+mn-lt"/>
+              <a:ea typeface="+mn-ea"/>
+            </a:endParaRPr>
           </a:p>
           <a:p>
             <a:pPr lvl="1"/>
@@ -6234,19 +6107,21 @@
               </a:rPr>
               <a:t>10*5+10*4.75+10*4.5+20*4=182.50</a:t>
             </a:r>
+            <a:endParaRPr lang="en-US" altLang="zh-CN" sz="2400" b="1" dirty="0">
+              <a:latin typeface="+mn-lt"/>
+              <a:ea typeface="+mn-ea"/>
+            </a:endParaRPr>
           </a:p>
         </p:txBody>
       </p:sp>
     </p:spTree>
-    <p:extLst>
-      <p:ext uri="{BB962C8B-B14F-4D97-AF65-F5344CB8AC3E}">
-        <p14:creationId xmlns:p14="http://schemas.microsoft.com/office/powerpoint/2010/main" val="3177748347"/>
-      </p:ext>
-    </p:extLst>
   </p:cSld>
   <p:clrMapOvr>
     <a:masterClrMapping/>
   </p:clrMapOvr>
+  <p:transition>
+    <p:blinds dir="vert"/>
+  </p:transition>
   <p:timing>
     <p:tnLst>
       <p:par>
@@ -6280,17 +6155,11 @@
           <p:cNvGraphicFramePr>
             <a:graphicFrameLocks noGrp="1"/>
           </p:cNvGraphicFramePr>
-          <p:nvPr>
-            <p:extLst>
-              <p:ext uri="{D42A27DB-BD31-4B8C-83A1-F6EECF244321}">
-                <p14:modId xmlns:p14="http://schemas.microsoft.com/office/powerpoint/2010/main" val="1077971045"/>
-              </p:ext>
-            </p:extLst>
-          </p:nvPr>
+          <p:nvPr/>
         </p:nvGraphicFramePr>
         <p:xfrm>
-          <a:off x="467544" y="1716044"/>
-          <a:ext cx="8113491" cy="5141956"/>
+          <a:off x="467360" y="1715770"/>
+          <a:ext cx="8113395" cy="4999355"/>
         </p:xfrm>
         <a:graphic>
           <a:graphicData uri="http://schemas.openxmlformats.org/drawingml/2006/table">
@@ -6299,11 +6168,11 @@
                 <a:tableStyleId>{9DCAF9ED-07DC-4A11-8D7F-57B35C25682E}</a:tableStyleId>
               </a:tblPr>
               <a:tblGrid>
-                <a:gridCol w="1486955"/>
-                <a:gridCol w="4273685"/>
-                <a:gridCol w="2352851"/>
+                <a:gridCol w="1487170"/>
+                <a:gridCol w="4273550"/>
+                <a:gridCol w="2352675"/>
               </a:tblGrid>
-              <a:tr h="504056">
+              <a:tr h="822960">
                 <a:tc>
                   <a:txBody>
                     <a:bodyPr/>
@@ -6506,7 +6375,7 @@
                   </a:tcPr>
                 </a:tc>
               </a:tr>
-              <a:tr h="401176">
+              <a:tr h="457200">
                 <a:tc>
                   <a:txBody>
                     <a:bodyPr/>
@@ -6724,15 +6593,16 @@
                   </a:tcPr>
                 </a:tc>
               </a:tr>
-              <a:tr h="520040">
+              <a:tr h="506730">
                 <a:tc>
                   <a:txBody>
                     <a:bodyPr/>
-                    <a:lstStyle/>
                     <a:p>
-                      <a:pPr marL="0" algn="ctr" defTabSz="914400" rtl="0" eaLnBrk="1" latinLnBrk="0" hangingPunct="1"/>
+                      <a:pPr marL="0" algn="ctr" defTabSz="914400" rtl="0" eaLnBrk="1" latinLnBrk="0" hangingPunct="1">
+                        <a:buNone/>
+                      </a:pPr>
                       <a:r>
-                        <a:rPr lang="en-US" altLang="zh-CN" sz="2400" b="1" kern="1200" dirty="0" smtClean="0">
+                        <a:rPr lang="en-US" altLang="zh-CN" sz="2400" b="1" kern="1200" dirty="0">
                           <a:solidFill>
                             <a:schemeClr val="tx1"/>
                           </a:solidFill>
@@ -6740,7 +6610,77 @@
                           <a:ea typeface="+mn-ea"/>
                           <a:cs typeface="+mn-cs"/>
                         </a:rPr>
-                        <a:t>5</a:t>
+                        <a:t>2</a:t>
+                      </a:r>
+                      <a:endParaRPr lang="en-US" altLang="zh-CN" sz="2400" b="1" kern="1200" dirty="0">
+                        <a:solidFill>
+                          <a:schemeClr val="tx1"/>
+                        </a:solidFill>
+                        <a:latin typeface="+mn-ea"/>
+                        <a:ea typeface="+mn-ea"/>
+                        <a:cs typeface="+mn-cs"/>
+                      </a:endParaRPr>
+                    </a:p>
+                  </a:txBody>
+                  <a:tcPr marL="68580" marR="68580">
+                    <a:lnL w="12700" cap="flat" cmpd="sng" algn="ctr">
+                      <a:solidFill>
+                        <a:schemeClr val="tx1"/>
+                      </a:solidFill>
+                      <a:prstDash val="solid"/>
+                      <a:round/>
+                      <a:headEnd type="none" w="med" len="med"/>
+                      <a:tailEnd type="none" w="med" len="med"/>
+                    </a:lnL>
+                    <a:lnR w="12700" cap="flat" cmpd="sng" algn="ctr">
+                      <a:solidFill>
+                        <a:schemeClr val="tx1"/>
+                      </a:solidFill>
+                      <a:prstDash val="solid"/>
+                      <a:round/>
+                      <a:headEnd type="none" w="med" len="med"/>
+                      <a:tailEnd type="none" w="med" len="med"/>
+                    </a:lnR>
+                    <a:lnT w="12700" cap="flat" cmpd="sng" algn="ctr">
+                      <a:solidFill>
+                        <a:schemeClr val="tx1"/>
+                      </a:solidFill>
+                      <a:prstDash val="solid"/>
+                      <a:round/>
+                      <a:headEnd type="none" w="med" len="med"/>
+                      <a:tailEnd type="none" w="med" len="med"/>
+                    </a:lnT>
+                    <a:lnB w="12700" cap="flat" cmpd="sng" algn="ctr">
+                      <a:solidFill>
+                        <a:schemeClr val="tx1"/>
+                      </a:solidFill>
+                      <a:prstDash val="solid"/>
+                      <a:round/>
+                      <a:headEnd type="none" w="med" len="med"/>
+                      <a:tailEnd type="none" w="med" len="med"/>
+                    </a:lnB>
+                    <a:solidFill>
+                      <a:srgbClr val="F6E7E7"/>
+                    </a:solidFill>
+                  </a:tcPr>
+                </a:tc>
+                <a:tc>
+                  <a:txBody>
+                    <a:bodyPr/>
+                    <a:p>
+                      <a:pPr marL="0" algn="ctr" defTabSz="914400" rtl="0" eaLnBrk="1" latinLnBrk="0" hangingPunct="1">
+                        <a:buNone/>
+                      </a:pPr>
+                      <a:r>
+                        <a:rPr lang="zh-CN" altLang="en-US" sz="2400" b="1" kern="1200" dirty="0">
+                          <a:solidFill>
+                            <a:schemeClr val="tx1"/>
+                          </a:solidFill>
+                          <a:latin typeface="+mn-ea"/>
+                          <a:ea typeface="+mn-ea"/>
+                          <a:cs typeface="+mn-cs"/>
+                        </a:rPr>
+                        <a:t>正好高于第一个计价段</a:t>
                       </a:r>
                       <a:endParaRPr lang="zh-CN" altLang="en-US" sz="2400" b="1" kern="1200" dirty="0">
                         <a:solidFill>
@@ -6789,6 +6729,150 @@
                       <a:headEnd type="none" w="med" len="med"/>
                       <a:tailEnd type="none" w="med" len="med"/>
                     </a:lnB>
+                    <a:solidFill>
+                      <a:srgbClr val="F6E7E7"/>
+                    </a:solidFill>
+                  </a:tcPr>
+                </a:tc>
+                <a:tc>
+                  <a:txBody>
+                    <a:bodyPr/>
+                    <a:p>
+                      <a:pPr marL="0" algn="ctr" defTabSz="914400" rtl="0" eaLnBrk="1" latinLnBrk="0" hangingPunct="1">
+                        <a:buNone/>
+                      </a:pPr>
+                      <a:r>
+                        <a:rPr lang="en-US" altLang="zh-CN" sz="2400" b="1" kern="1200" dirty="0">
+                          <a:solidFill>
+                            <a:schemeClr val="tx1"/>
+                          </a:solidFill>
+                          <a:latin typeface="+mn-ea"/>
+                          <a:ea typeface="+mn-ea"/>
+                          <a:cs typeface="+mn-cs"/>
+                        </a:rPr>
+                        <a:t>10.00</a:t>
+                      </a:r>
+                      <a:endParaRPr lang="zh-CN" altLang="en-US" sz="2400" b="1" kern="1200" dirty="0">
+                        <a:solidFill>
+                          <a:schemeClr val="tx1"/>
+                        </a:solidFill>
+                        <a:latin typeface="+mn-ea"/>
+                        <a:ea typeface="+mn-ea"/>
+                        <a:cs typeface="+mn-cs"/>
+                      </a:endParaRPr>
+                    </a:p>
+                  </a:txBody>
+                  <a:tcPr marL="68580" marR="68580">
+                    <a:lnL w="12700" cap="flat" cmpd="sng" algn="ctr">
+                      <a:solidFill>
+                        <a:schemeClr val="tx1"/>
+                      </a:solidFill>
+                      <a:prstDash val="solid"/>
+                      <a:round/>
+                      <a:headEnd type="none" w="med" len="med"/>
+                      <a:tailEnd type="none" w="med" len="med"/>
+                    </a:lnL>
+                    <a:lnR w="12700" cap="flat" cmpd="sng" algn="ctr">
+                      <a:solidFill>
+                        <a:schemeClr val="tx1"/>
+                      </a:solidFill>
+                      <a:prstDash val="solid"/>
+                      <a:round/>
+                      <a:headEnd type="none" w="med" len="med"/>
+                      <a:tailEnd type="none" w="med" len="med"/>
+                    </a:lnR>
+                    <a:lnT w="12700" cap="flat" cmpd="sng" algn="ctr">
+                      <a:solidFill>
+                        <a:schemeClr val="tx1"/>
+                      </a:solidFill>
+                      <a:prstDash val="solid"/>
+                      <a:round/>
+                      <a:headEnd type="none" w="med" len="med"/>
+                      <a:tailEnd type="none" w="med" len="med"/>
+                    </a:lnT>
+                    <a:lnB w="12700" cap="flat" cmpd="sng" algn="ctr">
+                      <a:solidFill>
+                        <a:schemeClr val="tx1"/>
+                      </a:solidFill>
+                      <a:prstDash val="solid"/>
+                      <a:round/>
+                      <a:headEnd type="none" w="med" len="med"/>
+                      <a:tailEnd type="none" w="med" len="med"/>
+                    </a:lnB>
+                    <a:solidFill>
+                      <a:srgbClr val="F6E7E7"/>
+                    </a:solidFill>
+                  </a:tcPr>
+                </a:tc>
+              </a:tr>
+              <a:tr h="533400">
+                <a:tc>
+                  <a:txBody>
+                    <a:bodyPr/>
+                    <a:lstStyle/>
+                    <a:p>
+                      <a:pPr marL="0" algn="ctr" defTabSz="914400" rtl="0" eaLnBrk="1" latinLnBrk="0" hangingPunct="1"/>
+                      <a:r>
+                        <a:rPr lang="en-US" altLang="zh-CN" sz="2400" b="1" kern="1200" dirty="0">
+                          <a:solidFill>
+                            <a:schemeClr val="tx1"/>
+                          </a:solidFill>
+                          <a:latin typeface="+mn-ea"/>
+                          <a:ea typeface="+mn-ea"/>
+                          <a:cs typeface="+mn-cs"/>
+                        </a:rPr>
+                        <a:t>5</a:t>
+                      </a:r>
+                      <a:endParaRPr lang="en-US" altLang="zh-CN" sz="2400" b="1" kern="1200" dirty="0">
+                        <a:solidFill>
+                          <a:schemeClr val="tx1"/>
+                        </a:solidFill>
+                        <a:latin typeface="+mn-ea"/>
+                        <a:ea typeface="+mn-ea"/>
+                        <a:cs typeface="+mn-cs"/>
+                      </a:endParaRPr>
+                    </a:p>
+                  </a:txBody>
+                  <a:tcPr marL="68580" marR="68580">
+                    <a:lnL w="12700" cap="flat" cmpd="sng" algn="ctr">
+                      <a:solidFill>
+                        <a:schemeClr val="tx1"/>
+                      </a:solidFill>
+                      <a:prstDash val="solid"/>
+                      <a:round/>
+                      <a:headEnd type="none" w="med" len="med"/>
+                      <a:tailEnd type="none" w="med" len="med"/>
+                    </a:lnL>
+                    <a:lnR w="12700" cap="flat" cmpd="sng" algn="ctr">
+                      <a:solidFill>
+                        <a:schemeClr val="tx1"/>
+                      </a:solidFill>
+                      <a:prstDash val="solid"/>
+                      <a:round/>
+                      <a:headEnd type="none" w="med" len="med"/>
+                      <a:tailEnd type="none" w="med" len="med"/>
+                    </a:lnR>
+                    <a:lnT w="12700" cap="flat" cmpd="sng" algn="ctr">
+                      <a:solidFill>
+                        <a:schemeClr val="tx1"/>
+                      </a:solidFill>
+                      <a:prstDash val="solid"/>
+                      <a:round/>
+                      <a:headEnd type="none" w="med" len="med"/>
+                      <a:tailEnd type="none" w="med" len="med"/>
+                    </a:lnT>
+                    <a:lnB w="12700" cap="flat" cmpd="sng" algn="ctr">
+                      <a:solidFill>
+                        <a:schemeClr val="tx1"/>
+                      </a:solidFill>
+                      <a:prstDash val="solid"/>
+                      <a:round/>
+                      <a:headEnd type="none" w="med" len="med"/>
+                      <a:tailEnd type="none" w="med" len="med"/>
+                    </a:lnB>
+                    <a:solidFill>
+                      <a:srgbClr val="FFC2C2"/>
+                    </a:solidFill>
                   </a:tcPr>
                 </a:tc>
                 <a:tc>
@@ -6806,7 +6890,7 @@
                           <a:ea typeface="+mn-ea"/>
                           <a:cs typeface="+mn-cs"/>
                         </a:rPr>
-                        <a:t>第一个计价段中的值，没有考虑边界</a:t>
+                        <a:t>正好高于第一个计价段</a:t>
                       </a:r>
                       <a:endParaRPr lang="zh-CN" altLang="en-US" sz="2400" b="1" kern="1200" dirty="0">
                         <a:solidFill>
@@ -6855,6 +6939,9 @@
                       <a:headEnd type="none" w="med" len="med"/>
                       <a:tailEnd type="none" w="med" len="med"/>
                     </a:lnB>
+                    <a:solidFill>
+                      <a:srgbClr val="FFC2C2"/>
+                    </a:solidFill>
                   </a:tcPr>
                 </a:tc>
                 <a:tc>
@@ -6921,10 +7008,13 @@
                       <a:headEnd type="none" w="med" len="med"/>
                       <a:tailEnd type="none" w="med" len="med"/>
                     </a:lnB>
+                    <a:solidFill>
+                      <a:srgbClr val="FFC2C2"/>
+                    </a:solidFill>
                   </a:tcPr>
                 </a:tc>
               </a:tr>
-              <a:tr h="403315">
+              <a:tr h="822960">
                 <a:tc>
                   <a:txBody>
                     <a:bodyPr/>
@@ -6944,7 +7034,6 @@
                         <a:buSzTx/>
                         <a:buFontTx/>
                         <a:buNone/>
-                        <a:tabLst/>
                         <a:defRPr/>
                       </a:pPr>
                       <a:r>
@@ -7006,10 +7095,7 @@
                       <a:tailEnd type="none" w="med" len="med"/>
                     </a:lnB>
                     <a:solidFill>
-                      <a:schemeClr val="accent2">
-                        <a:lumMod val="20000"/>
-                        <a:lumOff val="80000"/>
-                      </a:schemeClr>
+                      <a:srgbClr val="F6E7E7"/>
                     </a:solidFill>
                   </a:tcPr>
                 </a:tc>
@@ -7078,10 +7164,7 @@
                       <a:tailEnd type="none" w="med" len="med"/>
                     </a:lnB>
                     <a:solidFill>
-                      <a:schemeClr val="accent2">
-                        <a:lumMod val="20000"/>
-                        <a:lumOff val="80000"/>
-                      </a:schemeClr>
+                      <a:srgbClr val="F6E7E7"/>
                     </a:solidFill>
                   </a:tcPr>
                 </a:tc>
@@ -7150,15 +7233,12 @@
                       <a:tailEnd type="none" w="med" len="med"/>
                     </a:lnB>
                     <a:solidFill>
-                      <a:schemeClr val="accent2">
-                        <a:lumMod val="20000"/>
-                        <a:lumOff val="80000"/>
-                      </a:schemeClr>
+                      <a:srgbClr val="F6E7E7"/>
                     </a:solidFill>
                   </a:tcPr>
                 </a:tc>
               </a:tr>
-              <a:tr h="495259">
+              <a:tr h="457200">
                 <a:tc>
                   <a:txBody>
                     <a:bodyPr/>
@@ -7178,7 +7258,6 @@
                         <a:buSzTx/>
                         <a:buFontTx/>
                         <a:buNone/>
-                        <a:tabLst/>
                         <a:defRPr/>
                       </a:pPr>
                       <a:r>
@@ -7239,6 +7318,9 @@
                       <a:headEnd type="none" w="med" len="med"/>
                       <a:tailEnd type="none" w="med" len="med"/>
                     </a:lnB>
+                    <a:solidFill>
+                      <a:srgbClr val="FFC2C2"/>
+                    </a:solidFill>
                   </a:tcPr>
                 </a:tc>
                 <a:tc>
@@ -7305,6 +7387,9 @@
                       <a:headEnd type="none" w="med" len="med"/>
                       <a:tailEnd type="none" w="med" len="med"/>
                     </a:lnB>
+                    <a:solidFill>
+                      <a:srgbClr val="FFC2C2"/>
+                    </a:solidFill>
                   </a:tcPr>
                 </a:tc>
                 <a:tc>
@@ -7371,10 +7456,13 @@
                       <a:headEnd type="none" w="med" len="med"/>
                       <a:tailEnd type="none" w="med" len="med"/>
                     </a:lnB>
+                    <a:solidFill>
+                      <a:srgbClr val="FFC2C2"/>
+                    </a:solidFill>
                   </a:tcPr>
                 </a:tc>
               </a:tr>
-              <a:tr h="518652">
+              <a:tr h="572770">
                 <a:tc>
                   <a:txBody>
                     <a:bodyPr/>
@@ -7440,10 +7528,7 @@
                       <a:tailEnd type="none" w="med" len="med"/>
                     </a:lnB>
                     <a:solidFill>
-                      <a:schemeClr val="accent2">
-                        <a:lumMod val="20000"/>
-                        <a:lumOff val="80000"/>
-                      </a:schemeClr>
+                      <a:srgbClr val="F6E7E7"/>
                     </a:solidFill>
                   </a:tcPr>
                 </a:tc>
@@ -7462,7 +7547,7 @@
                           <a:ea typeface="+mn-ea"/>
                           <a:cs typeface="+mn-cs"/>
                         </a:rPr>
-                        <a:t>正好高于第一个计价段，正好进入第二个计价段</a:t>
+                        <a:t>正好高于第二个计价段，</a:t>
                       </a:r>
                       <a:endParaRPr lang="zh-CN" altLang="en-US" sz="2400" b="1" kern="1200" dirty="0">
                         <a:solidFill>
@@ -7512,10 +7597,7 @@
                       <a:tailEnd type="none" w="med" len="med"/>
                     </a:lnB>
                     <a:solidFill>
-                      <a:schemeClr val="accent2">
-                        <a:lumMod val="20000"/>
-                        <a:lumOff val="80000"/>
-                      </a:schemeClr>
+                      <a:srgbClr val="F6E7E7"/>
                     </a:solidFill>
                   </a:tcPr>
                 </a:tc>
@@ -7584,15 +7666,12 @@
                       <a:tailEnd type="none" w="med" len="med"/>
                     </a:lnB>
                     <a:solidFill>
-                      <a:schemeClr val="accent2">
-                        <a:lumMod val="20000"/>
-                        <a:lumOff val="80000"/>
-                      </a:schemeClr>
+                      <a:srgbClr val="F6E7E7"/>
                     </a:solidFill>
                   </a:tcPr>
                 </a:tc>
               </a:tr>
-              <a:tr h="897657">
+              <a:tr h="826135">
                 <a:tc>
                   <a:txBody>
                     <a:bodyPr/>
@@ -7657,6 +7736,9 @@
                       <a:headEnd type="none" w="med" len="med"/>
                       <a:tailEnd type="none" w="med" len="med"/>
                     </a:lnB>
+                    <a:solidFill>
+                      <a:srgbClr val="FFC2C2"/>
+                    </a:solidFill>
                   </a:tcPr>
                 </a:tc>
                 <a:tc>
@@ -7723,6 +7805,9 @@
                       <a:headEnd type="none" w="med" len="med"/>
                       <a:tailEnd type="none" w="med" len="med"/>
                     </a:lnB>
+                    <a:solidFill>
+                      <a:srgbClr val="FFC2C2"/>
+                    </a:solidFill>
                   </a:tcPr>
                 </a:tc>
                 <a:tc>
@@ -7789,6 +7874,9 @@
                       <a:headEnd type="none" w="med" len="med"/>
                       <a:tailEnd type="none" w="med" len="med"/>
                     </a:lnB>
+                    <a:solidFill>
+                      <a:srgbClr val="FFC2C2"/>
+                    </a:solidFill>
                   </a:tcPr>
                 </a:tc>
               </a:tr>
@@ -7799,9 +7887,7 @@
       <p:sp>
         <p:nvSpPr>
           <p:cNvPr id="5" name="标题 1"/>
-          <p:cNvSpPr txBox="1">
-            <a:spLocks/>
-          </p:cNvSpPr>
+          <p:cNvSpPr txBox="1"/>
           <p:nvPr/>
         </p:nvSpPr>
         <p:spPr bwMode="auto">
@@ -7838,9 +7924,6 @@
         </p:spPr>
         <p:txBody>
           <a:bodyPr vert="horz" wrap="square" lIns="91440" tIns="45720" rIns="91440" bIns="45720" numCol="1" anchor="b" anchorCtr="0" compatLnSpc="1">
-            <a:prstTxWarp prst="textNoShape">
-              <a:avLst/>
-            </a:prstTxWarp>
             <a:noAutofit/>
           </a:bodyPr>
           <a:lstStyle>
@@ -7855,8 +7938,8 @@
                 <a:solidFill>
                   <a:schemeClr val="bg1"/>
                 </a:solidFill>
-                <a:latin typeface="Times New Roman" pitchFamily="18" charset="0"/>
-                <a:ea typeface="楷体" pitchFamily="49" charset="-122"/>
+                <a:latin typeface="Times New Roman" panose="02020603050405020304" pitchFamily="18" charset="0"/>
+                <a:ea typeface="楷体" panose="02010609060101010101" pitchFamily="49" charset="-122"/>
                 <a:cs typeface="+mn-cs"/>
               </a:defRPr>
             </a:lvl1pPr>
@@ -7871,8 +7954,8 @@
                 <a:solidFill>
                   <a:schemeClr val="tx2"/>
                 </a:solidFill>
-                <a:latin typeface="Verdana" pitchFamily="34" charset="0"/>
-                <a:ea typeface="宋体" pitchFamily="2" charset="-122"/>
+                <a:latin typeface="Verdana" panose="020B0604030504040204" pitchFamily="34" charset="0"/>
+                <a:ea typeface="宋体" panose="02010600030101010101" pitchFamily="2" charset="-122"/>
               </a:defRPr>
             </a:lvl2pPr>
             <a:lvl3pPr algn="l" rtl="0" eaLnBrk="0" fontAlgn="base" hangingPunct="0">
@@ -7886,8 +7969,8 @@
                 <a:solidFill>
                   <a:schemeClr val="tx2"/>
                 </a:solidFill>
-                <a:latin typeface="Verdana" pitchFamily="34" charset="0"/>
-                <a:ea typeface="宋体" pitchFamily="2" charset="-122"/>
+                <a:latin typeface="Verdana" panose="020B0604030504040204" pitchFamily="34" charset="0"/>
+                <a:ea typeface="宋体" panose="02010600030101010101" pitchFamily="2" charset="-122"/>
               </a:defRPr>
             </a:lvl3pPr>
             <a:lvl4pPr algn="l" rtl="0" eaLnBrk="0" fontAlgn="base" hangingPunct="0">
@@ -7901,8 +7984,8 @@
                 <a:solidFill>
                   <a:schemeClr val="tx2"/>
                 </a:solidFill>
-                <a:latin typeface="Verdana" pitchFamily="34" charset="0"/>
-                <a:ea typeface="宋体" pitchFamily="2" charset="-122"/>
+                <a:latin typeface="Verdana" panose="020B0604030504040204" pitchFamily="34" charset="0"/>
+                <a:ea typeface="宋体" panose="02010600030101010101" pitchFamily="2" charset="-122"/>
               </a:defRPr>
             </a:lvl4pPr>
             <a:lvl5pPr algn="l" rtl="0" eaLnBrk="0" fontAlgn="base" hangingPunct="0">
@@ -7916,8 +7999,8 @@
                 <a:solidFill>
                   <a:schemeClr val="tx2"/>
                 </a:solidFill>
-                <a:latin typeface="Verdana" pitchFamily="34" charset="0"/>
-                <a:ea typeface="宋体" pitchFamily="2" charset="-122"/>
+                <a:latin typeface="Verdana" panose="020B0604030504040204" pitchFamily="34" charset="0"/>
+                <a:ea typeface="宋体" panose="02010600030101010101" pitchFamily="2" charset="-122"/>
               </a:defRPr>
             </a:lvl5pPr>
             <a:lvl6pPr marL="457200" algn="l" rtl="0" fontAlgn="base">
@@ -7931,8 +8014,8 @@
                 <a:solidFill>
                   <a:schemeClr val="tx2"/>
                 </a:solidFill>
-                <a:latin typeface="Verdana" pitchFamily="34" charset="0"/>
-                <a:ea typeface="宋体" pitchFamily="2" charset="-122"/>
+                <a:latin typeface="Verdana" panose="020B0604030504040204" pitchFamily="34" charset="0"/>
+                <a:ea typeface="宋体" panose="02010600030101010101" pitchFamily="2" charset="-122"/>
               </a:defRPr>
             </a:lvl6pPr>
             <a:lvl7pPr marL="914400" algn="l" rtl="0" fontAlgn="base">
@@ -7946,8 +8029,8 @@
                 <a:solidFill>
                   <a:schemeClr val="tx2"/>
                 </a:solidFill>
-                <a:latin typeface="Verdana" pitchFamily="34" charset="0"/>
-                <a:ea typeface="宋体" pitchFamily="2" charset="-122"/>
+                <a:latin typeface="Verdana" panose="020B0604030504040204" pitchFamily="34" charset="0"/>
+                <a:ea typeface="宋体" panose="02010600030101010101" pitchFamily="2" charset="-122"/>
               </a:defRPr>
             </a:lvl7pPr>
             <a:lvl8pPr marL="1371600" algn="l" rtl="0" fontAlgn="base">
@@ -7961,8 +8044,8 @@
                 <a:solidFill>
                   <a:schemeClr val="tx2"/>
                 </a:solidFill>
-                <a:latin typeface="Verdana" pitchFamily="34" charset="0"/>
-                <a:ea typeface="宋体" pitchFamily="2" charset="-122"/>
+                <a:latin typeface="Verdana" panose="020B0604030504040204" pitchFamily="34" charset="0"/>
+                <a:ea typeface="宋体" panose="02010600030101010101" pitchFamily="2" charset="-122"/>
               </a:defRPr>
             </a:lvl8pPr>
             <a:lvl9pPr marL="1828800" algn="l" rtl="0" fontAlgn="base">
@@ -7976,8 +8059,8 @@
                 <a:solidFill>
                   <a:schemeClr val="tx2"/>
                 </a:solidFill>
-                <a:latin typeface="Verdana" pitchFamily="34" charset="0"/>
-                <a:ea typeface="宋体" pitchFamily="2" charset="-122"/>
+                <a:latin typeface="Verdana" panose="020B0604030504040204" pitchFamily="34" charset="0"/>
+                <a:ea typeface="宋体" panose="02010600030101010101" pitchFamily="2" charset="-122"/>
               </a:defRPr>
             </a:lvl9pPr>
           </a:lstStyle>
@@ -7987,8 +8070,8 @@
                 <a:solidFill>
                   <a:schemeClr val="tx2"/>
                 </a:solidFill>
-                <a:latin typeface="黑体" pitchFamily="2" charset="-122"/>
-                <a:ea typeface="黑体" pitchFamily="2" charset="-122"/>
+                <a:latin typeface="黑体" panose="02010609060101010101" pitchFamily="2" charset="-122"/>
+                <a:ea typeface="黑体" panose="02010609060101010101" pitchFamily="2" charset="-122"/>
                 <a:cs typeface="+mj-cs"/>
               </a:rPr>
               <a:t>3.2 </a:t>
@@ -7998,25 +8081,31 @@
                 <a:solidFill>
                   <a:schemeClr val="tx2"/>
                 </a:solidFill>
-                <a:latin typeface="黑体" pitchFamily="2" charset="-122"/>
-                <a:ea typeface="黑体" pitchFamily="2" charset="-122"/>
+                <a:latin typeface="黑体" panose="02010609060101010101" pitchFamily="2" charset="-122"/>
+                <a:ea typeface="黑体" panose="02010609060101010101" pitchFamily="2" charset="-122"/>
                 <a:cs typeface="+mj-cs"/>
               </a:rPr>
               <a:t>边界值测试</a:t>
             </a:r>
+            <a:endParaRPr lang="zh-CN" altLang="en-US" sz="3800" b="1" dirty="0">
+              <a:solidFill>
+                <a:schemeClr val="tx2"/>
+              </a:solidFill>
+              <a:latin typeface="黑体" panose="02010609060101010101" pitchFamily="2" charset="-122"/>
+              <a:ea typeface="黑体" panose="02010609060101010101" pitchFamily="2" charset="-122"/>
+              <a:cs typeface="+mj-cs"/>
+            </a:endParaRPr>
           </a:p>
         </p:txBody>
       </p:sp>
     </p:spTree>
-    <p:extLst>
-      <p:ext uri="{BB962C8B-B14F-4D97-AF65-F5344CB8AC3E}">
-        <p14:creationId xmlns:p14="http://schemas.microsoft.com/office/powerpoint/2010/main" val="2083808565"/>
-      </p:ext>
-    </p:extLst>
   </p:cSld>
   <p:clrMapOvr>
     <a:masterClrMapping/>
   </p:clrMapOvr>
+  <p:transition>
+    <p:blinds dir="vert"/>
+  </p:transition>
   <p:timing>
     <p:tnLst>
       <p:par>
@@ -8047,16 +8136,8 @@
       <p:graphicFrame>
         <p:nvGraphicFramePr>
           <p:cNvPr id="4" name="内容占位符 3"/>
-          <p:cNvGraphicFramePr>
-            <a:graphicFrameLocks/>
-          </p:cNvGraphicFramePr>
-          <p:nvPr>
-            <p:extLst>
-              <p:ext uri="{D42A27DB-BD31-4B8C-83A1-F6EECF244321}">
-                <p14:modId xmlns:p14="http://schemas.microsoft.com/office/powerpoint/2010/main" val="2975828371"/>
-              </p:ext>
-            </p:extLst>
-          </p:nvPr>
+          <p:cNvGraphicFramePr/>
+          <p:nvPr/>
         </p:nvGraphicFramePr>
         <p:xfrm>
           <a:off x="539552" y="836712"/>
@@ -9781,8 +9862,8 @@
                 <a:solidFill>
                   <a:schemeClr val="tx2"/>
                 </a:solidFill>
-                <a:latin typeface="黑体" pitchFamily="2" charset="-122"/>
-                <a:ea typeface="黑体" pitchFamily="2" charset="-122"/>
+                <a:latin typeface="黑体" panose="02010609060101010101" pitchFamily="2" charset="-122"/>
+                <a:ea typeface="黑体" panose="02010609060101010101" pitchFamily="2" charset="-122"/>
               </a:rPr>
               <a:t>3.2 </a:t>
             </a:r>
@@ -9791,8 +9872,8 @@
                 <a:solidFill>
                   <a:schemeClr val="tx2"/>
                 </a:solidFill>
-                <a:latin typeface="黑体" pitchFamily="2" charset="-122"/>
-                <a:ea typeface="黑体" pitchFamily="2" charset="-122"/>
+                <a:latin typeface="黑体" panose="02010609060101010101" pitchFamily="2" charset="-122"/>
+                <a:ea typeface="黑体" panose="02010609060101010101" pitchFamily="2" charset="-122"/>
               </a:rPr>
               <a:t>边界值测试</a:t>
             </a:r>
@@ -9801,15 +9882,13 @@
         </p:txBody>
       </p:sp>
     </p:spTree>
-    <p:extLst>
-      <p:ext uri="{BB962C8B-B14F-4D97-AF65-F5344CB8AC3E}">
-        <p14:creationId xmlns:p14="http://schemas.microsoft.com/office/powerpoint/2010/main" val="4217094081"/>
-      </p:ext>
-    </p:extLst>
   </p:cSld>
   <p:clrMapOvr>
     <a:masterClrMapping/>
   </p:clrMapOvr>
+  <p:transition>
+    <p:blinds dir="vert"/>
+  </p:transition>
   <p:timing>
     <p:tnLst>
       <p:par>
@@ -9849,8 +9928,8 @@
         </p:nvSpPr>
         <p:spPr>
           <a:xfrm>
-            <a:off x="395536" y="2060848"/>
-            <a:ext cx="7879134" cy="5060681"/>
+            <a:off x="323850" y="1558290"/>
+            <a:ext cx="7879080" cy="4258310"/>
           </a:xfrm>
         </p:spPr>
         <p:txBody>
@@ -9893,6 +9972,10 @@
               </a:rPr>
               <a:t>,</a:t>
             </a:r>
+            <a:endParaRPr lang="en-US" altLang="zh-CN" sz="2800" b="1" dirty="0">
+              <a:latin typeface="+mn-lt"/>
+              <a:ea typeface="+mn-ea"/>
+            </a:endParaRPr>
           </a:p>
           <a:p>
             <a:pPr lvl="1" algn="just" eaLnBrk="1" hangingPunct="1"/>
@@ -9968,11 +10051,7 @@
           </a:extLst>
         </p:spPr>
         <p:txBody>
-          <a:bodyPr vert="horz" wrap="square" lIns="91440" tIns="45720" rIns="91440" bIns="45720" numCol="1" anchor="b" anchorCtr="0" compatLnSpc="1">
-            <a:prstTxWarp prst="textNoShape">
-              <a:avLst/>
-            </a:prstTxWarp>
-          </a:bodyPr>
+          <a:bodyPr vert="horz" wrap="square" lIns="91440" tIns="45720" rIns="91440" bIns="45720" numCol="1" anchor="b" anchorCtr="0" compatLnSpc="1"/>
           <a:lstStyle>
             <a:lvl1pPr algn="l" rtl="0" eaLnBrk="0" fontAlgn="base" hangingPunct="0">
               <a:spcBef>
@@ -9985,8 +10064,8 @@
                 <a:solidFill>
                   <a:schemeClr val="bg1"/>
                 </a:solidFill>
-                <a:latin typeface="Times New Roman" pitchFamily="18" charset="0"/>
-                <a:ea typeface="楷体" pitchFamily="49" charset="-122"/>
+                <a:latin typeface="Times New Roman" panose="02020603050405020304" pitchFamily="18" charset="0"/>
+                <a:ea typeface="楷体" panose="02010609060101010101" pitchFamily="49" charset="-122"/>
                 <a:cs typeface="+mn-cs"/>
               </a:defRPr>
             </a:lvl1pPr>
@@ -10001,8 +10080,8 @@
                 <a:solidFill>
                   <a:schemeClr val="tx2"/>
                 </a:solidFill>
-                <a:latin typeface="Verdana" pitchFamily="34" charset="0"/>
-                <a:ea typeface="宋体" pitchFamily="2" charset="-122"/>
+                <a:latin typeface="Verdana" panose="020B0604030504040204" pitchFamily="34" charset="0"/>
+                <a:ea typeface="宋体" panose="02010600030101010101" pitchFamily="2" charset="-122"/>
               </a:defRPr>
             </a:lvl2pPr>
             <a:lvl3pPr algn="l" rtl="0" eaLnBrk="0" fontAlgn="base" hangingPunct="0">
@@ -10016,8 +10095,8 @@
                 <a:solidFill>
                   <a:schemeClr val="tx2"/>
                 </a:solidFill>
-                <a:latin typeface="Verdana" pitchFamily="34" charset="0"/>
-                <a:ea typeface="宋体" pitchFamily="2" charset="-122"/>
+                <a:latin typeface="Verdana" panose="020B0604030504040204" pitchFamily="34" charset="0"/>
+                <a:ea typeface="宋体" panose="02010600030101010101" pitchFamily="2" charset="-122"/>
               </a:defRPr>
             </a:lvl3pPr>
             <a:lvl4pPr algn="l" rtl="0" eaLnBrk="0" fontAlgn="base" hangingPunct="0">
@@ -10031,8 +10110,8 @@
                 <a:solidFill>
                   <a:schemeClr val="tx2"/>
                 </a:solidFill>
-                <a:latin typeface="Verdana" pitchFamily="34" charset="0"/>
-                <a:ea typeface="宋体" pitchFamily="2" charset="-122"/>
+                <a:latin typeface="Verdana" panose="020B0604030504040204" pitchFamily="34" charset="0"/>
+                <a:ea typeface="宋体" panose="02010600030101010101" pitchFamily="2" charset="-122"/>
               </a:defRPr>
             </a:lvl4pPr>
             <a:lvl5pPr algn="l" rtl="0" eaLnBrk="0" fontAlgn="base" hangingPunct="0">
@@ -10046,8 +10125,8 @@
                 <a:solidFill>
                   <a:schemeClr val="tx2"/>
                 </a:solidFill>
-                <a:latin typeface="Verdana" pitchFamily="34" charset="0"/>
-                <a:ea typeface="宋体" pitchFamily="2" charset="-122"/>
+                <a:latin typeface="Verdana" panose="020B0604030504040204" pitchFamily="34" charset="0"/>
+                <a:ea typeface="宋体" panose="02010600030101010101" pitchFamily="2" charset="-122"/>
               </a:defRPr>
             </a:lvl5pPr>
             <a:lvl6pPr marL="457200" algn="l" rtl="0" fontAlgn="base">
@@ -10061,8 +10140,8 @@
                 <a:solidFill>
                   <a:schemeClr val="tx2"/>
                 </a:solidFill>
-                <a:latin typeface="Verdana" pitchFamily="34" charset="0"/>
-                <a:ea typeface="宋体" pitchFamily="2" charset="-122"/>
+                <a:latin typeface="Verdana" panose="020B0604030504040204" pitchFamily="34" charset="0"/>
+                <a:ea typeface="宋体" panose="02010600030101010101" pitchFamily="2" charset="-122"/>
               </a:defRPr>
             </a:lvl6pPr>
             <a:lvl7pPr marL="914400" algn="l" rtl="0" fontAlgn="base">
@@ -10076,8 +10155,8 @@
                 <a:solidFill>
                   <a:schemeClr val="tx2"/>
                 </a:solidFill>
-                <a:latin typeface="Verdana" pitchFamily="34" charset="0"/>
-                <a:ea typeface="宋体" pitchFamily="2" charset="-122"/>
+                <a:latin typeface="Verdana" panose="020B0604030504040204" pitchFamily="34" charset="0"/>
+                <a:ea typeface="宋体" panose="02010600030101010101" pitchFamily="2" charset="-122"/>
               </a:defRPr>
             </a:lvl7pPr>
             <a:lvl8pPr marL="1371600" algn="l" rtl="0" fontAlgn="base">
@@ -10091,8 +10170,8 @@
                 <a:solidFill>
                   <a:schemeClr val="tx2"/>
                 </a:solidFill>
-                <a:latin typeface="Verdana" pitchFamily="34" charset="0"/>
-                <a:ea typeface="宋体" pitchFamily="2" charset="-122"/>
+                <a:latin typeface="Verdana" panose="020B0604030504040204" pitchFamily="34" charset="0"/>
+                <a:ea typeface="宋体" panose="02010600030101010101" pitchFamily="2" charset="-122"/>
               </a:defRPr>
             </a:lvl8pPr>
             <a:lvl9pPr marL="1828800" algn="l" rtl="0" fontAlgn="base">
@@ -10106,8 +10185,8 @@
                 <a:solidFill>
                   <a:schemeClr val="tx2"/>
                 </a:solidFill>
-                <a:latin typeface="Verdana" pitchFamily="34" charset="0"/>
-                <a:ea typeface="宋体" pitchFamily="2" charset="-122"/>
+                <a:latin typeface="Verdana" panose="020B0604030504040204" pitchFamily="34" charset="0"/>
+                <a:ea typeface="宋体" panose="02010600030101010101" pitchFamily="2" charset="-122"/>
               </a:defRPr>
             </a:lvl9pPr>
           </a:lstStyle>
@@ -10118,8 +10197,8 @@
                 <a:solidFill>
                   <a:schemeClr val="tx2"/>
                 </a:solidFill>
-                <a:latin typeface="黑体" pitchFamily="2" charset="-122"/>
-                <a:ea typeface="黑体" pitchFamily="2" charset="-122"/>
+                <a:latin typeface="黑体" panose="02010609060101010101" pitchFamily="2" charset="-122"/>
+                <a:ea typeface="黑体" panose="02010609060101010101" pitchFamily="2" charset="-122"/>
                 <a:cs typeface="+mj-cs"/>
               </a:rPr>
               <a:t>3.2 </a:t>
@@ -10129,25 +10208,31 @@
                 <a:solidFill>
                   <a:schemeClr val="tx2"/>
                 </a:solidFill>
-                <a:latin typeface="黑体" pitchFamily="2" charset="-122"/>
-                <a:ea typeface="黑体" pitchFamily="2" charset="-122"/>
+                <a:latin typeface="黑体" panose="02010609060101010101" pitchFamily="2" charset="-122"/>
+                <a:ea typeface="黑体" panose="02010609060101010101" pitchFamily="2" charset="-122"/>
                 <a:cs typeface="+mj-cs"/>
               </a:rPr>
               <a:t>边界值测试</a:t>
             </a:r>
+            <a:endParaRPr lang="zh-CN" altLang="en-US" sz="3800" b="1" dirty="0">
+              <a:solidFill>
+                <a:schemeClr val="tx2"/>
+              </a:solidFill>
+              <a:latin typeface="黑体" panose="02010609060101010101" pitchFamily="2" charset="-122"/>
+              <a:ea typeface="黑体" panose="02010609060101010101" pitchFamily="2" charset="-122"/>
+              <a:cs typeface="+mj-cs"/>
+            </a:endParaRPr>
           </a:p>
         </p:txBody>
       </p:sp>
     </p:spTree>
-    <p:extLst>
-      <p:ext uri="{BB962C8B-B14F-4D97-AF65-F5344CB8AC3E}">
-        <p14:creationId xmlns:p14="http://schemas.microsoft.com/office/powerpoint/2010/main" val="2225328376"/>
-      </p:ext>
-    </p:extLst>
   </p:cSld>
   <p:clrMapOvr>
     <a:masterClrMapping/>
   </p:clrMapOvr>
+  <p:transition>
+    <p:blinds dir="vert"/>
+  </p:transition>
   <p:timing>
     <p:tnLst>
       <p:par>
@@ -10187,7 +10272,7 @@
         </p:nvSpPr>
         <p:spPr>
           <a:xfrm>
-            <a:off x="323528" y="1988840"/>
+            <a:off x="323528" y="1558310"/>
             <a:ext cx="7879134" cy="5060681"/>
           </a:xfrm>
         </p:spPr>
@@ -10201,14 +10286,7 @@
                 <a:latin typeface="+mn-lt"/>
                 <a:ea typeface="+mn-ea"/>
               </a:rPr>
-              <a:t>边界值实例</a:t>
-            </a:r>
-            <a:r>
-              <a:rPr lang="zh-CN" altLang="en-US" sz="3400" b="1" dirty="0">
-                <a:latin typeface="+mn-lt"/>
-                <a:ea typeface="+mn-ea"/>
-              </a:rPr>
-              <a:t>分析二</a:t>
+              <a:t>边界值实例分析二</a:t>
             </a:r>
             <a:endParaRPr lang="en-US" altLang="zh-CN" sz="3400" b="1" dirty="0">
               <a:latin typeface="+mn-lt"/>
@@ -10259,6 +10337,10 @@
               </a:rPr>
               <a:t>周岁，请分别列出儿童和婴儿年龄的边界值。</a:t>
             </a:r>
+            <a:endParaRPr lang="zh-CN" altLang="en-US" sz="2800" b="1" dirty="0">
+              <a:latin typeface="+mn-lt"/>
+              <a:ea typeface="+mn-ea"/>
+            </a:endParaRPr>
           </a:p>
           <a:p>
             <a:endParaRPr lang="zh-CN" altLang="en-US" dirty="0"/>
@@ -10306,11 +10388,7 @@
           </a:extLst>
         </p:spPr>
         <p:txBody>
-          <a:bodyPr vert="horz" wrap="square" lIns="91440" tIns="45720" rIns="91440" bIns="45720" numCol="1" anchor="b" anchorCtr="0" compatLnSpc="1">
-            <a:prstTxWarp prst="textNoShape">
-              <a:avLst/>
-            </a:prstTxWarp>
-          </a:bodyPr>
+          <a:bodyPr vert="horz" wrap="square" lIns="91440" tIns="45720" rIns="91440" bIns="45720" numCol="1" anchor="b" anchorCtr="0" compatLnSpc="1"/>
           <a:lstStyle>
             <a:lvl1pPr algn="l" rtl="0" eaLnBrk="0" fontAlgn="base" hangingPunct="0">
               <a:spcBef>
@@ -10323,8 +10401,8 @@
                 <a:solidFill>
                   <a:schemeClr val="bg1"/>
                 </a:solidFill>
-                <a:latin typeface="Times New Roman" pitchFamily="18" charset="0"/>
-                <a:ea typeface="楷体" pitchFamily="49" charset="-122"/>
+                <a:latin typeface="Times New Roman" panose="02020603050405020304" pitchFamily="18" charset="0"/>
+                <a:ea typeface="楷体" panose="02010609060101010101" pitchFamily="49" charset="-122"/>
                 <a:cs typeface="+mn-cs"/>
               </a:defRPr>
             </a:lvl1pPr>
@@ -10339,8 +10417,8 @@
                 <a:solidFill>
                   <a:schemeClr val="tx2"/>
                 </a:solidFill>
-                <a:latin typeface="Verdana" pitchFamily="34" charset="0"/>
-                <a:ea typeface="宋体" pitchFamily="2" charset="-122"/>
+                <a:latin typeface="Verdana" panose="020B0604030504040204" pitchFamily="34" charset="0"/>
+                <a:ea typeface="宋体" panose="02010600030101010101" pitchFamily="2" charset="-122"/>
               </a:defRPr>
             </a:lvl2pPr>
             <a:lvl3pPr algn="l" rtl="0" eaLnBrk="0" fontAlgn="base" hangingPunct="0">
@@ -10354,8 +10432,8 @@
                 <a:solidFill>
                   <a:schemeClr val="tx2"/>
                 </a:solidFill>
-                <a:latin typeface="Verdana" pitchFamily="34" charset="0"/>
-                <a:ea typeface="宋体" pitchFamily="2" charset="-122"/>
+                <a:latin typeface="Verdana" panose="020B0604030504040204" pitchFamily="34" charset="0"/>
+                <a:ea typeface="宋体" panose="02010600030101010101" pitchFamily="2" charset="-122"/>
               </a:defRPr>
             </a:lvl3pPr>
             <a:lvl4pPr algn="l" rtl="0" eaLnBrk="0" fontAlgn="base" hangingPunct="0">
@@ -10369,8 +10447,8 @@
                 <a:solidFill>
                   <a:schemeClr val="tx2"/>
                 </a:solidFill>
-                <a:latin typeface="Verdana" pitchFamily="34" charset="0"/>
-                <a:ea typeface="宋体" pitchFamily="2" charset="-122"/>
+                <a:latin typeface="Verdana" panose="020B0604030504040204" pitchFamily="34" charset="0"/>
+                <a:ea typeface="宋体" panose="02010600030101010101" pitchFamily="2" charset="-122"/>
               </a:defRPr>
             </a:lvl4pPr>
             <a:lvl5pPr algn="l" rtl="0" eaLnBrk="0" fontAlgn="base" hangingPunct="0">
@@ -10384,8 +10462,8 @@
                 <a:solidFill>
                   <a:schemeClr val="tx2"/>
                 </a:solidFill>
-                <a:latin typeface="Verdana" pitchFamily="34" charset="0"/>
-                <a:ea typeface="宋体" pitchFamily="2" charset="-122"/>
+                <a:latin typeface="Verdana" panose="020B0604030504040204" pitchFamily="34" charset="0"/>
+                <a:ea typeface="宋体" panose="02010600030101010101" pitchFamily="2" charset="-122"/>
               </a:defRPr>
             </a:lvl5pPr>
             <a:lvl6pPr marL="457200" algn="l" rtl="0" fontAlgn="base">
@@ -10399,8 +10477,8 @@
                 <a:solidFill>
                   <a:schemeClr val="tx2"/>
                 </a:solidFill>
-                <a:latin typeface="Verdana" pitchFamily="34" charset="0"/>
-                <a:ea typeface="宋体" pitchFamily="2" charset="-122"/>
+                <a:latin typeface="Verdana" panose="020B0604030504040204" pitchFamily="34" charset="0"/>
+                <a:ea typeface="宋体" panose="02010600030101010101" pitchFamily="2" charset="-122"/>
               </a:defRPr>
             </a:lvl6pPr>
             <a:lvl7pPr marL="914400" algn="l" rtl="0" fontAlgn="base">
@@ -10414,8 +10492,8 @@
                 <a:solidFill>
                   <a:schemeClr val="tx2"/>
                 </a:solidFill>
-                <a:latin typeface="Verdana" pitchFamily="34" charset="0"/>
-                <a:ea typeface="宋体" pitchFamily="2" charset="-122"/>
+                <a:latin typeface="Verdana" panose="020B0604030504040204" pitchFamily="34" charset="0"/>
+                <a:ea typeface="宋体" panose="02010600030101010101" pitchFamily="2" charset="-122"/>
               </a:defRPr>
             </a:lvl7pPr>
             <a:lvl8pPr marL="1371600" algn="l" rtl="0" fontAlgn="base">
@@ -10429,8 +10507,8 @@
                 <a:solidFill>
                   <a:schemeClr val="tx2"/>
                 </a:solidFill>
-                <a:latin typeface="Verdana" pitchFamily="34" charset="0"/>
-                <a:ea typeface="宋体" pitchFamily="2" charset="-122"/>
+                <a:latin typeface="Verdana" panose="020B0604030504040204" pitchFamily="34" charset="0"/>
+                <a:ea typeface="宋体" panose="02010600030101010101" pitchFamily="2" charset="-122"/>
               </a:defRPr>
             </a:lvl8pPr>
             <a:lvl9pPr marL="1828800" algn="l" rtl="0" fontAlgn="base">
@@ -10444,8 +10522,8 @@
                 <a:solidFill>
                   <a:schemeClr val="tx2"/>
                 </a:solidFill>
-                <a:latin typeface="Verdana" pitchFamily="34" charset="0"/>
-                <a:ea typeface="宋体" pitchFamily="2" charset="-122"/>
+                <a:latin typeface="Verdana" panose="020B0604030504040204" pitchFamily="34" charset="0"/>
+                <a:ea typeface="宋体" panose="02010600030101010101" pitchFamily="2" charset="-122"/>
               </a:defRPr>
             </a:lvl9pPr>
           </a:lstStyle>
@@ -10456,8 +10534,8 @@
                 <a:solidFill>
                   <a:schemeClr val="tx2"/>
                 </a:solidFill>
-                <a:latin typeface="黑体" pitchFamily="2" charset="-122"/>
-                <a:ea typeface="黑体" pitchFamily="2" charset="-122"/>
+                <a:latin typeface="黑体" panose="02010609060101010101" pitchFamily="2" charset="-122"/>
+                <a:ea typeface="黑体" panose="02010609060101010101" pitchFamily="2" charset="-122"/>
                 <a:cs typeface="+mj-cs"/>
               </a:rPr>
               <a:t>3.2 </a:t>
@@ -10467,25 +10545,31 @@
                 <a:solidFill>
                   <a:schemeClr val="tx2"/>
                 </a:solidFill>
-                <a:latin typeface="黑体" pitchFamily="2" charset="-122"/>
-                <a:ea typeface="黑体" pitchFamily="2" charset="-122"/>
+                <a:latin typeface="黑体" panose="02010609060101010101" pitchFamily="2" charset="-122"/>
+                <a:ea typeface="黑体" panose="02010609060101010101" pitchFamily="2" charset="-122"/>
                 <a:cs typeface="+mj-cs"/>
               </a:rPr>
               <a:t>边界值测试</a:t>
             </a:r>
+            <a:endParaRPr lang="zh-CN" altLang="en-US" sz="3800" b="1" dirty="0">
+              <a:solidFill>
+                <a:schemeClr val="tx2"/>
+              </a:solidFill>
+              <a:latin typeface="黑体" panose="02010609060101010101" pitchFamily="2" charset="-122"/>
+              <a:ea typeface="黑体" panose="02010609060101010101" pitchFamily="2" charset="-122"/>
+              <a:cs typeface="+mj-cs"/>
+            </a:endParaRPr>
           </a:p>
         </p:txBody>
       </p:sp>
     </p:spTree>
-    <p:extLst>
-      <p:ext uri="{BB962C8B-B14F-4D97-AF65-F5344CB8AC3E}">
-        <p14:creationId xmlns:p14="http://schemas.microsoft.com/office/powerpoint/2010/main" val="2919373565"/>
-      </p:ext>
-    </p:extLst>
   </p:cSld>
   <p:clrMapOvr>
     <a:masterClrMapping/>
   </p:clrMapOvr>
+  <p:transition>
+    <p:blinds dir="vert"/>
+  </p:transition>
   <p:timing>
     <p:tnLst>
       <p:par>
@@ -10536,11 +10620,15 @@
             <a:pPr eaLnBrk="1" hangingPunct="1"/>
             <a:r>
               <a:rPr lang="zh-CN" altLang="en-US" b="1" kern="1200" dirty="0">
-                <a:latin typeface="黑体" pitchFamily="2" charset="-122"/>
-                <a:ea typeface="黑体" pitchFamily="2" charset="-122"/>
+                <a:latin typeface="黑体" panose="02010609060101010101" pitchFamily="2" charset="-122"/>
+                <a:ea typeface="黑体" panose="02010609060101010101" pitchFamily="2" charset="-122"/>
               </a:rPr>
               <a:t>内容总结</a:t>
             </a:r>
+            <a:endParaRPr lang="zh-CN" altLang="en-US" b="1" kern="1200" dirty="0">
+              <a:latin typeface="黑体" panose="02010609060101010101" pitchFamily="2" charset="-122"/>
+              <a:ea typeface="黑体" panose="02010609060101010101" pitchFamily="2" charset="-122"/>
+            </a:endParaRPr>
           </a:p>
         </p:txBody>
       </p:sp>
@@ -10556,8 +10644,8 @@
         </p:nvSpPr>
         <p:spPr>
           <a:xfrm>
-            <a:off x="611560" y="2132856"/>
-            <a:ext cx="7972425" cy="5730875"/>
+            <a:off x="611505" y="2132965"/>
+            <a:ext cx="7972425" cy="4466590"/>
           </a:xfrm>
         </p:spPr>
         <p:txBody>
@@ -10612,15 +10700,245 @@
         </p:txBody>
       </p:sp>
     </p:spTree>
-    <p:extLst>
-      <p:ext uri="{BB962C8B-B14F-4D97-AF65-F5344CB8AC3E}">
-        <p14:creationId xmlns:p14="http://schemas.microsoft.com/office/powerpoint/2010/main" val="2473118103"/>
-      </p:ext>
-    </p:extLst>
   </p:cSld>
   <p:clrMapOvr>
     <a:masterClrMapping/>
   </p:clrMapOvr>
+  <p:transition>
+    <p:blinds dir="vert"/>
+  </p:transition>
+  <p:timing>
+    <p:tnLst>
+      <p:par>
+        <p:cTn id="1" dur="indefinite" restart="never" nodeType="tmRoot"/>
+      </p:par>
+    </p:tnLst>
+  </p:timing>
+</p:sld>
+</file>
+
+<file path=ppt/slides/slide16.xml><?xml version="1.0" encoding="utf-8"?>
+<p:sld xmlns:a="http://schemas.openxmlformats.org/drawingml/2006/main" xmlns:r="http://schemas.openxmlformats.org/officeDocument/2006/relationships" xmlns:p="http://schemas.openxmlformats.org/presentationml/2006/main">
+  <p:cSld>
+    <p:spTree>
+      <p:nvGrpSpPr>
+        <p:cNvPr id="1" name=""/>
+        <p:cNvGrpSpPr/>
+        <p:nvPr/>
+      </p:nvGrpSpPr>
+      <p:grpSpPr>
+        <a:xfrm>
+          <a:off x="0" y="0"/>
+          <a:ext cx="0" cy="0"/>
+          <a:chOff x="0" y="0"/>
+          <a:chExt cx="0" cy="0"/>
+        </a:xfrm>
+      </p:grpSpPr>
+      <p:sp>
+        <p:nvSpPr>
+          <p:cNvPr id="147458" name="标题 1"/>
+          <p:cNvSpPr>
+            <a:spLocks noGrp="1"/>
+          </p:cNvSpPr>
+          <p:nvPr>
+            <p:ph type="title"/>
+          </p:nvPr>
+        </p:nvSpPr>
+        <p:spPr/>
+        <p:txBody>
+          <a:bodyPr/>
+          <a:lstStyle/>
+          <a:p>
+            <a:pPr algn="ctr"/>
+            <a:r>
+              <a:rPr lang="zh-CN" altLang="en-US" b="1" smtClean="0">
+                <a:latin typeface="黑体" panose="02010609060101010101" pitchFamily="2" charset="-122"/>
+                <a:ea typeface="黑体" panose="02010609060101010101" pitchFamily="2" charset="-122"/>
+              </a:rPr>
+              <a:t>谢 谢</a:t>
+            </a:r>
+            <a:endParaRPr lang="zh-CN" altLang="en-US" b="1" smtClean="0">
+              <a:latin typeface="黑体" panose="02010609060101010101" pitchFamily="2" charset="-122"/>
+              <a:ea typeface="黑体" panose="02010609060101010101" pitchFamily="2" charset="-122"/>
+            </a:endParaRPr>
+          </a:p>
+        </p:txBody>
+      </p:sp>
+      <p:sp>
+        <p:nvSpPr>
+          <p:cNvPr id="147459" name="内容占位符 2"/>
+          <p:cNvSpPr>
+            <a:spLocks noGrp="1"/>
+          </p:cNvSpPr>
+          <p:nvPr>
+            <p:ph idx="1"/>
+          </p:nvPr>
+        </p:nvSpPr>
+        <p:spPr/>
+        <p:txBody>
+          <a:bodyPr/>
+          <a:lstStyle/>
+          <a:p>
+            <a:endParaRPr lang="zh-CN" altLang="en-US" smtClean="0"/>
+          </a:p>
+        </p:txBody>
+      </p:sp>
+      <p:sp>
+        <p:nvSpPr>
+          <p:cNvPr id="147460" name="灯片编号占位符 3"/>
+          <p:cNvSpPr>
+            <a:spLocks noGrp="1"/>
+          </p:cNvSpPr>
+          <p:nvPr>
+            <p:ph type="sldNum" sz="quarter" idx="12"/>
+          </p:nvPr>
+        </p:nvSpPr>
+        <p:spPr>
+          <a:noFill/>
+          <a:extLst>
+            <a:ext uri="{909E8E84-426E-40DD-AFC4-6F175D3DCCD1}">
+              <a14:hiddenFill xmlns:a14="http://schemas.microsoft.com/office/drawing/2010/main">
+                <a:solidFill>
+                  <a:srgbClr val="FFFFFF"/>
+                </a:solidFill>
+              </a14:hiddenFill>
+            </a:ext>
+            <a:ext uri="{91240B29-F687-4F45-9708-019B960494DF}">
+              <a14:hiddenLine xmlns:a14="http://schemas.microsoft.com/office/drawing/2010/main" w="9525">
+                <a:solidFill>
+                  <a:srgbClr val="000000"/>
+                </a:solidFill>
+                <a:miter lim="800000"/>
+                <a:headEnd/>
+                <a:tailEnd/>
+              </a14:hiddenLine>
+            </a:ext>
+          </a:extLst>
+        </p:spPr>
+        <p:txBody>
+          <a:bodyPr/>
+          <a:lstStyle>
+            <a:lvl1pPr eaLnBrk="0" hangingPunct="0">
+              <a:defRPr>
+                <a:solidFill>
+                  <a:schemeClr val="tx1"/>
+                </a:solidFill>
+                <a:latin typeface="Verdana" panose="020B0604030504040204" pitchFamily="34" charset="0"/>
+                <a:ea typeface="宋体" panose="02010600030101010101" pitchFamily="2" charset="-122"/>
+              </a:defRPr>
+            </a:lvl1pPr>
+            <a:lvl2pPr marL="742950" indent="-285750" eaLnBrk="0" hangingPunct="0">
+              <a:defRPr>
+                <a:solidFill>
+                  <a:schemeClr val="tx1"/>
+                </a:solidFill>
+                <a:latin typeface="Verdana" panose="020B0604030504040204" pitchFamily="34" charset="0"/>
+                <a:ea typeface="宋体" panose="02010600030101010101" pitchFamily="2" charset="-122"/>
+              </a:defRPr>
+            </a:lvl2pPr>
+            <a:lvl3pPr marL="1143000" indent="-228600" eaLnBrk="0" hangingPunct="0">
+              <a:defRPr>
+                <a:solidFill>
+                  <a:schemeClr val="tx1"/>
+                </a:solidFill>
+                <a:latin typeface="Verdana" panose="020B0604030504040204" pitchFamily="34" charset="0"/>
+                <a:ea typeface="宋体" panose="02010600030101010101" pitchFamily="2" charset="-122"/>
+              </a:defRPr>
+            </a:lvl3pPr>
+            <a:lvl4pPr marL="1600200" indent="-228600" eaLnBrk="0" hangingPunct="0">
+              <a:defRPr>
+                <a:solidFill>
+                  <a:schemeClr val="tx1"/>
+                </a:solidFill>
+                <a:latin typeface="Verdana" panose="020B0604030504040204" pitchFamily="34" charset="0"/>
+                <a:ea typeface="宋体" panose="02010600030101010101" pitchFamily="2" charset="-122"/>
+              </a:defRPr>
+            </a:lvl4pPr>
+            <a:lvl5pPr marL="2057400" indent="-228600" eaLnBrk="0" hangingPunct="0">
+              <a:defRPr>
+                <a:solidFill>
+                  <a:schemeClr val="tx1"/>
+                </a:solidFill>
+                <a:latin typeface="Verdana" panose="020B0604030504040204" pitchFamily="34" charset="0"/>
+                <a:ea typeface="宋体" panose="02010600030101010101" pitchFamily="2" charset="-122"/>
+              </a:defRPr>
+            </a:lvl5pPr>
+            <a:lvl6pPr marL="2514600" indent="-228600" eaLnBrk="0" fontAlgn="base" hangingPunct="0">
+              <a:spcBef>
+                <a:spcPct val="0"/>
+              </a:spcBef>
+              <a:spcAft>
+                <a:spcPct val="0"/>
+              </a:spcAft>
+              <a:defRPr>
+                <a:solidFill>
+                  <a:schemeClr val="tx1"/>
+                </a:solidFill>
+                <a:latin typeface="Verdana" panose="020B0604030504040204" pitchFamily="34" charset="0"/>
+                <a:ea typeface="宋体" panose="02010600030101010101" pitchFamily="2" charset="-122"/>
+              </a:defRPr>
+            </a:lvl6pPr>
+            <a:lvl7pPr marL="2971800" indent="-228600" eaLnBrk="0" fontAlgn="base" hangingPunct="0">
+              <a:spcBef>
+                <a:spcPct val="0"/>
+              </a:spcBef>
+              <a:spcAft>
+                <a:spcPct val="0"/>
+              </a:spcAft>
+              <a:defRPr>
+                <a:solidFill>
+                  <a:schemeClr val="tx1"/>
+                </a:solidFill>
+                <a:latin typeface="Verdana" panose="020B0604030504040204" pitchFamily="34" charset="0"/>
+                <a:ea typeface="宋体" panose="02010600030101010101" pitchFamily="2" charset="-122"/>
+              </a:defRPr>
+            </a:lvl7pPr>
+            <a:lvl8pPr marL="3429000" indent="-228600" eaLnBrk="0" fontAlgn="base" hangingPunct="0">
+              <a:spcBef>
+                <a:spcPct val="0"/>
+              </a:spcBef>
+              <a:spcAft>
+                <a:spcPct val="0"/>
+              </a:spcAft>
+              <a:defRPr>
+                <a:solidFill>
+                  <a:schemeClr val="tx1"/>
+                </a:solidFill>
+                <a:latin typeface="Verdana" panose="020B0604030504040204" pitchFamily="34" charset="0"/>
+                <a:ea typeface="宋体" panose="02010600030101010101" pitchFamily="2" charset="-122"/>
+              </a:defRPr>
+            </a:lvl8pPr>
+            <a:lvl9pPr marL="3886200" indent="-228600" eaLnBrk="0" fontAlgn="base" hangingPunct="0">
+              <a:spcBef>
+                <a:spcPct val="0"/>
+              </a:spcBef>
+              <a:spcAft>
+                <a:spcPct val="0"/>
+              </a:spcAft>
+              <a:defRPr>
+                <a:solidFill>
+                  <a:schemeClr val="tx1"/>
+                </a:solidFill>
+                <a:latin typeface="Verdana" panose="020B0604030504040204" pitchFamily="34" charset="0"/>
+                <a:ea typeface="宋体" panose="02010600030101010101" pitchFamily="2" charset="-122"/>
+              </a:defRPr>
+            </a:lvl9pPr>
+          </a:lstStyle>
+          <a:p>
+            <a:pPr eaLnBrk="1" hangingPunct="1"/>
+            <a:fld id="{767E3E2C-221F-4D7E-91A8-AF486AD69B14}" type="slidenum">
+              <a:rPr lang="en-US" altLang="zh-CN" smtClean="0"/>
+            </a:fld>
+            <a:endParaRPr lang="en-US" altLang="zh-CN" smtClean="0"/>
+          </a:p>
+        </p:txBody>
+      </p:sp>
+    </p:spTree>
+  </p:cSld>
+  <p:clrMapOvr>
+    <a:masterClrMapping/>
+  </p:clrMapOvr>
+  <p:transition/>
   <p:timing>
     <p:tnLst>
       <p:par>
@@ -10632,7 +10950,7 @@
 </file>
 
 <file path=ppt/slides/slide2.xml><?xml version="1.0" encoding="utf-8"?>
-<p:sld xmlns:a="http://schemas.openxmlformats.org/drawingml/2006/main" xmlns:r="http://schemas.openxmlformats.org/officeDocument/2006/relationships" xmlns:p="http://schemas.openxmlformats.org/presentationml/2006/main">
+<p:sld xmlns:a="http://schemas.openxmlformats.org/drawingml/2006/main" xmlns:r="http://schemas.openxmlformats.org/officeDocument/2006/relationships" xmlns:p="http://schemas.openxmlformats.org/presentationml/2006/main" show="0">
   <p:cSld>
     <p:spTree>
       <p:nvGrpSpPr>
@@ -10660,7 +10978,6 @@
         </p:nvSpPr>
         <p:spPr>
           <a:noFill/>
-          <a:ln/>
           <a:extLst>
             <a:ext uri="{909E8E84-426E-40DD-AFC4-6F175D3DCCD1}">
               <a14:hiddenFill xmlns:a14="http://schemas.microsoft.com/office/drawing/2010/main">
@@ -10689,8 +11006,8 @@
                 <a:solidFill>
                   <a:schemeClr val="tx1"/>
                 </a:solidFill>
-                <a:latin typeface="Verdana" pitchFamily="34" charset="0"/>
-                <a:ea typeface="宋体" charset="-122"/>
+                <a:latin typeface="Verdana" panose="020B0604030504040204" pitchFamily="34" charset="0"/>
+                <a:ea typeface="宋体" panose="02010600030101010101" pitchFamily="2" charset="-122"/>
               </a:defRPr>
             </a:lvl1pPr>
             <a:lvl2pPr marL="742950" indent="-285750" eaLnBrk="0" hangingPunct="0">
@@ -10698,8 +11015,8 @@
                 <a:solidFill>
                   <a:schemeClr val="tx1"/>
                 </a:solidFill>
-                <a:latin typeface="Verdana" pitchFamily="34" charset="0"/>
-                <a:ea typeface="宋体" charset="-122"/>
+                <a:latin typeface="Verdana" panose="020B0604030504040204" pitchFamily="34" charset="0"/>
+                <a:ea typeface="宋体" panose="02010600030101010101" pitchFamily="2" charset="-122"/>
               </a:defRPr>
             </a:lvl2pPr>
             <a:lvl3pPr marL="1143000" indent="-228600" eaLnBrk="0" hangingPunct="0">
@@ -10707,8 +11024,8 @@
                 <a:solidFill>
                   <a:schemeClr val="tx1"/>
                 </a:solidFill>
-                <a:latin typeface="Verdana" pitchFamily="34" charset="0"/>
-                <a:ea typeface="宋体" charset="-122"/>
+                <a:latin typeface="Verdana" panose="020B0604030504040204" pitchFamily="34" charset="0"/>
+                <a:ea typeface="宋体" panose="02010600030101010101" pitchFamily="2" charset="-122"/>
               </a:defRPr>
             </a:lvl3pPr>
             <a:lvl4pPr marL="1600200" indent="-228600" eaLnBrk="0" hangingPunct="0">
@@ -10716,8 +11033,8 @@
                 <a:solidFill>
                   <a:schemeClr val="tx1"/>
                 </a:solidFill>
-                <a:latin typeface="Verdana" pitchFamily="34" charset="0"/>
-                <a:ea typeface="宋体" charset="-122"/>
+                <a:latin typeface="Verdana" panose="020B0604030504040204" pitchFamily="34" charset="0"/>
+                <a:ea typeface="宋体" panose="02010600030101010101" pitchFamily="2" charset="-122"/>
               </a:defRPr>
             </a:lvl4pPr>
             <a:lvl5pPr marL="2057400" indent="-228600" eaLnBrk="0" hangingPunct="0">
@@ -10725,8 +11042,8 @@
                 <a:solidFill>
                   <a:schemeClr val="tx1"/>
                 </a:solidFill>
-                <a:latin typeface="Verdana" pitchFamily="34" charset="0"/>
-                <a:ea typeface="宋体" charset="-122"/>
+                <a:latin typeface="Verdana" panose="020B0604030504040204" pitchFamily="34" charset="0"/>
+                <a:ea typeface="宋体" panose="02010600030101010101" pitchFamily="2" charset="-122"/>
               </a:defRPr>
             </a:lvl5pPr>
             <a:lvl6pPr marL="2514600" indent="-228600" eaLnBrk="0" fontAlgn="base" hangingPunct="0">
@@ -10740,8 +11057,8 @@
                 <a:solidFill>
                   <a:schemeClr val="tx1"/>
                 </a:solidFill>
-                <a:latin typeface="Verdana" pitchFamily="34" charset="0"/>
-                <a:ea typeface="宋体" charset="-122"/>
+                <a:latin typeface="Verdana" panose="020B0604030504040204" pitchFamily="34" charset="0"/>
+                <a:ea typeface="宋体" panose="02010600030101010101" pitchFamily="2" charset="-122"/>
               </a:defRPr>
             </a:lvl6pPr>
             <a:lvl7pPr marL="2971800" indent="-228600" eaLnBrk="0" fontAlgn="base" hangingPunct="0">
@@ -10755,8 +11072,8 @@
                 <a:solidFill>
                   <a:schemeClr val="tx1"/>
                 </a:solidFill>
-                <a:latin typeface="Verdana" pitchFamily="34" charset="0"/>
-                <a:ea typeface="宋体" charset="-122"/>
+                <a:latin typeface="Verdana" panose="020B0604030504040204" pitchFamily="34" charset="0"/>
+                <a:ea typeface="宋体" panose="02010600030101010101" pitchFamily="2" charset="-122"/>
               </a:defRPr>
             </a:lvl7pPr>
             <a:lvl8pPr marL="3429000" indent="-228600" eaLnBrk="0" fontAlgn="base" hangingPunct="0">
@@ -10770,8 +11087,8 @@
                 <a:solidFill>
                   <a:schemeClr val="tx1"/>
                 </a:solidFill>
-                <a:latin typeface="Verdana" pitchFamily="34" charset="0"/>
-                <a:ea typeface="宋体" charset="-122"/>
+                <a:latin typeface="Verdana" panose="020B0604030504040204" pitchFamily="34" charset="0"/>
+                <a:ea typeface="宋体" panose="02010600030101010101" pitchFamily="2" charset="-122"/>
               </a:defRPr>
             </a:lvl8pPr>
             <a:lvl9pPr marL="3886200" indent="-228600" eaLnBrk="0" fontAlgn="base" hangingPunct="0">
@@ -10785,8 +11102,8 @@
                 <a:solidFill>
                   <a:schemeClr val="tx1"/>
                 </a:solidFill>
-                <a:latin typeface="Verdana" pitchFamily="34" charset="0"/>
-                <a:ea typeface="宋体" charset="-122"/>
+                <a:latin typeface="Verdana" panose="020B0604030504040204" pitchFamily="34" charset="0"/>
+                <a:ea typeface="宋体" panose="02010600030101010101" pitchFamily="2" charset="-122"/>
               </a:defRPr>
             </a:lvl9pPr>
           </a:lstStyle>
@@ -10794,8 +11111,6 @@
             <a:pPr eaLnBrk="1" hangingPunct="1"/>
             <a:fld id="{2FE39F64-A1D4-4C6E-BAC3-DB3E303ED693}" type="slidenum">
               <a:rPr lang="en-US" altLang="zh-CN" smtClean="0"/>
-              <a:pPr eaLnBrk="1" hangingPunct="1"/>
-              <a:t>2</a:t>
             </a:fld>
             <a:endParaRPr lang="en-US" altLang="zh-CN" smtClean="0"/>
           </a:p>
@@ -10819,25 +11134,29 @@
             <a:pPr eaLnBrk="1" hangingPunct="1"/>
             <a:r>
               <a:rPr lang="zh-CN" altLang="en-US" b="1" smtClean="0">
-                <a:latin typeface="黑体" pitchFamily="2" charset="-122"/>
-                <a:ea typeface="黑体" pitchFamily="2" charset="-122"/>
+                <a:latin typeface="黑体" panose="02010609060101010101" pitchFamily="2" charset="-122"/>
+                <a:ea typeface="黑体" panose="02010609060101010101" pitchFamily="2" charset="-122"/>
               </a:rPr>
               <a:t>第</a:t>
             </a:r>
             <a:r>
               <a:rPr lang="en-US" altLang="zh-CN" b="1" smtClean="0">
-                <a:latin typeface="黑体" pitchFamily="2" charset="-122"/>
-                <a:ea typeface="黑体" pitchFamily="2" charset="-122"/>
+                <a:latin typeface="黑体" panose="02010609060101010101" pitchFamily="2" charset="-122"/>
+                <a:ea typeface="黑体" panose="02010609060101010101" pitchFamily="2" charset="-122"/>
               </a:rPr>
               <a:t>3</a:t>
             </a:r>
             <a:r>
               <a:rPr lang="zh-CN" altLang="en-US" b="1" smtClean="0">
-                <a:latin typeface="黑体" pitchFamily="2" charset="-122"/>
-                <a:ea typeface="黑体" pitchFamily="2" charset="-122"/>
+                <a:latin typeface="黑体" panose="02010609060101010101" pitchFamily="2" charset="-122"/>
+                <a:ea typeface="黑体" panose="02010609060101010101" pitchFamily="2" charset="-122"/>
               </a:rPr>
               <a:t>章  黑盒测试技术</a:t>
             </a:r>
+            <a:endParaRPr lang="zh-CN" altLang="en-US" b="1" smtClean="0">
+              <a:latin typeface="黑体" panose="02010609060101010101" pitchFamily="2" charset="-122"/>
+              <a:ea typeface="黑体" panose="02010609060101010101" pitchFamily="2" charset="-122"/>
+            </a:endParaRPr>
           </a:p>
         </p:txBody>
       </p:sp>
@@ -10861,6 +11180,7 @@
               <a:rPr lang="zh-CN" altLang="en-US" sz="3400" b="1" dirty="0" smtClean="0"/>
               <a:t>内容提要</a:t>
             </a:r>
+            <a:endParaRPr lang="zh-CN" altLang="en-US" sz="3400" b="1" dirty="0" smtClean="0"/>
           </a:p>
           <a:p>
             <a:pPr lvl="1" eaLnBrk="1" hangingPunct="1">
@@ -10903,6 +11223,7 @@
               <a:rPr lang="zh-CN" altLang="en-US" b="1" dirty="0"/>
               <a:t>重难点：边界值分析方法使用</a:t>
             </a:r>
+            <a:endParaRPr lang="zh-CN" altLang="en-US" b="1" dirty="0"/>
           </a:p>
           <a:p>
             <a:pPr lvl="1" eaLnBrk="1" hangingPunct="1"/>
@@ -10955,7 +11276,6 @@
         </p:nvSpPr>
         <p:spPr>
           <a:noFill/>
-          <a:ln/>
           <a:extLst>
             <a:ext uri="{909E8E84-426E-40DD-AFC4-6F175D3DCCD1}">
               <a14:hiddenFill xmlns:a14="http://schemas.microsoft.com/office/drawing/2010/main">
@@ -10984,8 +11304,8 @@
                 <a:solidFill>
                   <a:schemeClr val="tx1"/>
                 </a:solidFill>
-                <a:latin typeface="Verdana" pitchFamily="34" charset="0"/>
-                <a:ea typeface="宋体" charset="-122"/>
+                <a:latin typeface="Verdana" panose="020B0604030504040204" pitchFamily="34" charset="0"/>
+                <a:ea typeface="宋体" panose="02010600030101010101" pitchFamily="2" charset="-122"/>
               </a:defRPr>
             </a:lvl1pPr>
             <a:lvl2pPr marL="742950" indent="-285750" eaLnBrk="0" hangingPunct="0">
@@ -10993,8 +11313,8 @@
                 <a:solidFill>
                   <a:schemeClr val="tx1"/>
                 </a:solidFill>
-                <a:latin typeface="Verdana" pitchFamily="34" charset="0"/>
-                <a:ea typeface="宋体" charset="-122"/>
+                <a:latin typeface="Verdana" panose="020B0604030504040204" pitchFamily="34" charset="0"/>
+                <a:ea typeface="宋体" panose="02010600030101010101" pitchFamily="2" charset="-122"/>
               </a:defRPr>
             </a:lvl2pPr>
             <a:lvl3pPr marL="1143000" indent="-228600" eaLnBrk="0" hangingPunct="0">
@@ -11002,8 +11322,8 @@
                 <a:solidFill>
                   <a:schemeClr val="tx1"/>
                 </a:solidFill>
-                <a:latin typeface="Verdana" pitchFamily="34" charset="0"/>
-                <a:ea typeface="宋体" charset="-122"/>
+                <a:latin typeface="Verdana" panose="020B0604030504040204" pitchFamily="34" charset="0"/>
+                <a:ea typeface="宋体" panose="02010600030101010101" pitchFamily="2" charset="-122"/>
               </a:defRPr>
             </a:lvl3pPr>
             <a:lvl4pPr marL="1600200" indent="-228600" eaLnBrk="0" hangingPunct="0">
@@ -11011,8 +11331,8 @@
                 <a:solidFill>
                   <a:schemeClr val="tx1"/>
                 </a:solidFill>
-                <a:latin typeface="Verdana" pitchFamily="34" charset="0"/>
-                <a:ea typeface="宋体" charset="-122"/>
+                <a:latin typeface="Verdana" panose="020B0604030504040204" pitchFamily="34" charset="0"/>
+                <a:ea typeface="宋体" panose="02010600030101010101" pitchFamily="2" charset="-122"/>
               </a:defRPr>
             </a:lvl4pPr>
             <a:lvl5pPr marL="2057400" indent="-228600" eaLnBrk="0" hangingPunct="0">
@@ -11020,8 +11340,8 @@
                 <a:solidFill>
                   <a:schemeClr val="tx1"/>
                 </a:solidFill>
-                <a:latin typeface="Verdana" pitchFamily="34" charset="0"/>
-                <a:ea typeface="宋体" charset="-122"/>
+                <a:latin typeface="Verdana" panose="020B0604030504040204" pitchFamily="34" charset="0"/>
+                <a:ea typeface="宋体" panose="02010600030101010101" pitchFamily="2" charset="-122"/>
               </a:defRPr>
             </a:lvl5pPr>
             <a:lvl6pPr marL="2514600" indent="-228600" eaLnBrk="0" fontAlgn="base" hangingPunct="0">
@@ -11035,8 +11355,8 @@
                 <a:solidFill>
                   <a:schemeClr val="tx1"/>
                 </a:solidFill>
-                <a:latin typeface="Verdana" pitchFamily="34" charset="0"/>
-                <a:ea typeface="宋体" charset="-122"/>
+                <a:latin typeface="Verdana" panose="020B0604030504040204" pitchFamily="34" charset="0"/>
+                <a:ea typeface="宋体" panose="02010600030101010101" pitchFamily="2" charset="-122"/>
               </a:defRPr>
             </a:lvl6pPr>
             <a:lvl7pPr marL="2971800" indent="-228600" eaLnBrk="0" fontAlgn="base" hangingPunct="0">
@@ -11050,8 +11370,8 @@
                 <a:solidFill>
                   <a:schemeClr val="tx1"/>
                 </a:solidFill>
-                <a:latin typeface="Verdana" pitchFamily="34" charset="0"/>
-                <a:ea typeface="宋体" charset="-122"/>
+                <a:latin typeface="Verdana" panose="020B0604030504040204" pitchFamily="34" charset="0"/>
+                <a:ea typeface="宋体" panose="02010600030101010101" pitchFamily="2" charset="-122"/>
               </a:defRPr>
             </a:lvl7pPr>
             <a:lvl8pPr marL="3429000" indent="-228600" eaLnBrk="0" fontAlgn="base" hangingPunct="0">
@@ -11065,8 +11385,8 @@
                 <a:solidFill>
                   <a:schemeClr val="tx1"/>
                 </a:solidFill>
-                <a:latin typeface="Verdana" pitchFamily="34" charset="0"/>
-                <a:ea typeface="宋体" charset="-122"/>
+                <a:latin typeface="Verdana" panose="020B0604030504040204" pitchFamily="34" charset="0"/>
+                <a:ea typeface="宋体" panose="02010600030101010101" pitchFamily="2" charset="-122"/>
               </a:defRPr>
             </a:lvl8pPr>
             <a:lvl9pPr marL="3886200" indent="-228600" eaLnBrk="0" fontAlgn="base" hangingPunct="0">
@@ -11080,8 +11400,8 @@
                 <a:solidFill>
                   <a:schemeClr val="tx1"/>
                 </a:solidFill>
-                <a:latin typeface="Verdana" pitchFamily="34" charset="0"/>
-                <a:ea typeface="宋体" charset="-122"/>
+                <a:latin typeface="Verdana" panose="020B0604030504040204" pitchFamily="34" charset="0"/>
+                <a:ea typeface="宋体" panose="02010600030101010101" pitchFamily="2" charset="-122"/>
               </a:defRPr>
             </a:lvl9pPr>
           </a:lstStyle>
@@ -11089,8 +11409,6 @@
             <a:pPr eaLnBrk="1" hangingPunct="1"/>
             <a:fld id="{2FE39F64-A1D4-4C6E-BAC3-DB3E303ED693}" type="slidenum">
               <a:rPr lang="en-US" altLang="zh-CN" smtClean="0"/>
-              <a:pPr eaLnBrk="1" hangingPunct="1"/>
-              <a:t>3</a:t>
             </a:fld>
             <a:endParaRPr lang="en-US" altLang="zh-CN" smtClean="0"/>
           </a:p>
@@ -11114,25 +11432,29 @@
             <a:pPr eaLnBrk="1" hangingPunct="1"/>
             <a:r>
               <a:rPr lang="zh-CN" altLang="en-US" b="1" smtClean="0">
-                <a:latin typeface="黑体" pitchFamily="2" charset="-122"/>
-                <a:ea typeface="黑体" pitchFamily="2" charset="-122"/>
+                <a:latin typeface="黑体" panose="02010609060101010101" pitchFamily="2" charset="-122"/>
+                <a:ea typeface="黑体" panose="02010609060101010101" pitchFamily="2" charset="-122"/>
               </a:rPr>
               <a:t>第</a:t>
             </a:r>
             <a:r>
               <a:rPr lang="en-US" altLang="zh-CN" b="1" smtClean="0">
-                <a:latin typeface="黑体" pitchFamily="2" charset="-122"/>
-                <a:ea typeface="黑体" pitchFamily="2" charset="-122"/>
+                <a:latin typeface="黑体" panose="02010609060101010101" pitchFamily="2" charset="-122"/>
+                <a:ea typeface="黑体" panose="02010609060101010101" pitchFamily="2" charset="-122"/>
               </a:rPr>
               <a:t>3</a:t>
             </a:r>
             <a:r>
               <a:rPr lang="zh-CN" altLang="en-US" b="1" smtClean="0">
-                <a:latin typeface="黑体" pitchFamily="2" charset="-122"/>
-                <a:ea typeface="黑体" pitchFamily="2" charset="-122"/>
+                <a:latin typeface="黑体" panose="02010609060101010101" pitchFamily="2" charset="-122"/>
+                <a:ea typeface="黑体" panose="02010609060101010101" pitchFamily="2" charset="-122"/>
               </a:rPr>
               <a:t>章  黑盒测试技术</a:t>
             </a:r>
+            <a:endParaRPr lang="zh-CN" altLang="en-US" b="1" smtClean="0">
+              <a:latin typeface="黑体" panose="02010609060101010101" pitchFamily="2" charset="-122"/>
+              <a:ea typeface="黑体" panose="02010609060101010101" pitchFamily="2" charset="-122"/>
+            </a:endParaRPr>
           </a:p>
         </p:txBody>
       </p:sp>
@@ -11156,6 +11478,7 @@
               <a:rPr lang="zh-CN" altLang="en-US" sz="3400" b="1" dirty="0"/>
               <a:t>本章重点</a:t>
             </a:r>
+            <a:endParaRPr lang="zh-CN" altLang="en-US" sz="3400" b="1" dirty="0"/>
           </a:p>
           <a:p>
             <a:pPr lvl="1" eaLnBrk="1" hangingPunct="1">
@@ -11197,7 +11520,7 @@
             <a:endParaRPr lang="en-US" altLang="zh-CN" b="1" dirty="0"/>
           </a:p>
           <a:p>
-            <a:pPr marL="471487" lvl="1" indent="0" eaLnBrk="1" hangingPunct="1">
+            <a:pPr marL="471170" lvl="1" indent="0" eaLnBrk="1" hangingPunct="1">
               <a:lnSpc>
                 <a:spcPct val="150000"/>
               </a:lnSpc>
@@ -11210,18 +11533,13 @@
                   <a:lumMod val="10000"/>
                 </a:schemeClr>
               </a:solidFill>
-              <a:latin typeface="楷体" pitchFamily="49" charset="-122"/>
-              <a:ea typeface="楷体" pitchFamily="49" charset="-122"/>
+              <a:latin typeface="楷体" panose="02010609060101010101" pitchFamily="49" charset="-122"/>
+              <a:ea typeface="楷体" panose="02010609060101010101" pitchFamily="49" charset="-122"/>
             </a:endParaRPr>
           </a:p>
         </p:txBody>
       </p:sp>
     </p:spTree>
-    <p:extLst>
-      <p:ext uri="{BB962C8B-B14F-4D97-AF65-F5344CB8AC3E}">
-        <p14:creationId xmlns:p14="http://schemas.microsoft.com/office/powerpoint/2010/main" val="4281754347"/>
-      </p:ext>
-    </p:extLst>
   </p:cSld>
   <p:clrMapOvr>
     <a:masterClrMapping/>
@@ -11298,7 +11616,7 @@
           <p:nvPr/>
         </p:nvPicPr>
         <p:blipFill>
-          <a:blip r:embed="rId3">
+          <a:blip r:embed="rId1">
             <a:clrChange>
               <a:clrFrom>
                 <a:srgbClr val="FFFFFF"/>
@@ -11322,8 +11640,8 @@
         </p:blipFill>
         <p:spPr bwMode="auto">
           <a:xfrm>
-            <a:off x="3495304" y="882187"/>
-            <a:ext cx="2991131" cy="5793264"/>
+            <a:off x="3495040" y="882015"/>
+            <a:ext cx="4201795" cy="5793105"/>
           </a:xfrm>
           <a:prstGeom prst="rect">
             <a:avLst/>
@@ -11366,8 +11684,8 @@
                 <a:solidFill>
                   <a:schemeClr val="tx2"/>
                 </a:solidFill>
-                <a:latin typeface="黑体" pitchFamily="2" charset="-122"/>
-                <a:ea typeface="黑体" pitchFamily="2" charset="-122"/>
+                <a:latin typeface="黑体" panose="02010609060101010101" pitchFamily="2" charset="-122"/>
+                <a:ea typeface="黑体" panose="02010609060101010101" pitchFamily="2" charset="-122"/>
                 <a:cs typeface="+mj-cs"/>
               </a:rPr>
               <a:t>3.2 </a:t>
@@ -11377,25 +11695,31 @@
                 <a:solidFill>
                   <a:schemeClr val="tx2"/>
                 </a:solidFill>
-                <a:latin typeface="黑体" pitchFamily="2" charset="-122"/>
-                <a:ea typeface="黑体" pitchFamily="2" charset="-122"/>
+                <a:latin typeface="黑体" panose="02010609060101010101" pitchFamily="2" charset="-122"/>
+                <a:ea typeface="黑体" panose="02010609060101010101" pitchFamily="2" charset="-122"/>
                 <a:cs typeface="+mj-cs"/>
               </a:rPr>
               <a:t>边界值测试</a:t>
             </a:r>
+            <a:endParaRPr lang="zh-CN" altLang="en-US" sz="3800" b="1" dirty="0">
+              <a:solidFill>
+                <a:schemeClr val="tx2"/>
+              </a:solidFill>
+              <a:latin typeface="黑体" panose="02010609060101010101" pitchFamily="2" charset="-122"/>
+              <a:ea typeface="黑体" panose="02010609060101010101" pitchFamily="2" charset="-122"/>
+              <a:cs typeface="+mj-cs"/>
+            </a:endParaRPr>
           </a:p>
         </p:txBody>
       </p:sp>
     </p:spTree>
-    <p:extLst>
-      <p:ext uri="{BB962C8B-B14F-4D97-AF65-F5344CB8AC3E}">
-        <p14:creationId xmlns:p14="http://schemas.microsoft.com/office/powerpoint/2010/main" val="159811590"/>
-      </p:ext>
-    </p:extLst>
   </p:cSld>
   <p:clrMapOvr>
     <a:masterClrMapping/>
   </p:clrMapOvr>
+  <p:transition>
+    <p:blinds dir="vert"/>
+  </p:transition>
   <p:timing>
     <p:tnLst>
       <p:par>
@@ -11528,7 +11852,7 @@
               <a:buClr>
                 <a:schemeClr val="accent2"/>
               </a:buClr>
-              <a:buFont typeface="Wingdings" pitchFamily="2" charset="2"/>
+              <a:buFont typeface="Wingdings" panose="05000000000000000000" pitchFamily="2" charset="2"/>
               <a:buChar char="o"/>
             </a:pPr>
             <a:r>
@@ -11541,6 +11865,13 @@
               </a:rPr>
               <a:t>为什么进行边界值测试</a:t>
             </a:r>
+            <a:endParaRPr lang="zh-CN" altLang="en-US" sz="3400" b="1" dirty="0">
+              <a:solidFill>
+                <a:schemeClr val="tx1"/>
+              </a:solidFill>
+              <a:latin typeface="+mn-lt"/>
+              <a:ea typeface="+mn-ea"/>
+            </a:endParaRPr>
           </a:p>
         </p:txBody>
       </p:sp>
@@ -11556,8 +11887,8 @@
         </p:nvSpPr>
         <p:spPr>
           <a:xfrm>
-            <a:off x="487626" y="2492896"/>
-            <a:ext cx="7879134" cy="3463767"/>
+            <a:off x="1205230" y="2493010"/>
+            <a:ext cx="6286500" cy="3463925"/>
           </a:xfrm>
         </p:spPr>
         <p:txBody>
@@ -11619,6 +11950,11 @@
               </a:rPr>
               <a:t>    </a:t>
             </a:r>
+            <a:endParaRPr lang="en-US" altLang="zh-CN" b="1" dirty="0">
+              <a:latin typeface="+mn-ea"/>
+              <a:ea typeface="+mn-ea"/>
+              <a:cs typeface="Consolas" panose="020B0609020204030204" pitchFamily="49" charset="0"/>
+            </a:endParaRPr>
           </a:p>
           <a:p>
             <a:pPr marL="0" indent="0">
@@ -11674,6 +12010,9 @@
               </a:rPr>
               <a:t> = 1 To 10</a:t>
             </a:r>
+            <a:endParaRPr lang="en-US" altLang="zh-CN" dirty="0">
+              <a:cs typeface="Consolas" panose="020B0609020204030204" pitchFamily="49" charset="0"/>
+            </a:endParaRPr>
           </a:p>
           <a:p>
             <a:pPr marL="0" indent="0">
@@ -11721,6 +12060,11 @@
               </a:rPr>
               <a:t>-1</a:t>
             </a:r>
+            <a:endParaRPr lang="en-US" altLang="zh-CN" sz="2900" b="1" dirty="0">
+              <a:latin typeface="+mn-ea"/>
+              <a:ea typeface="+mn-ea"/>
+              <a:cs typeface="Consolas" panose="020B0609020204030204" pitchFamily="49" charset="0"/>
+            </a:endParaRPr>
           </a:p>
           <a:p>
             <a:pPr marL="0" indent="0">
@@ -11752,6 +12096,9 @@
               </a:rPr>
               <a:t>End</a:t>
             </a:r>
+            <a:endParaRPr lang="en-US" altLang="zh-CN" dirty="0">
+              <a:cs typeface="Consolas" panose="020B0609020204030204" pitchFamily="49" charset="0"/>
+            </a:endParaRPr>
           </a:p>
           <a:p>
             <a:pPr marL="0" indent="0">
@@ -11819,8 +12166,8 @@
                 <a:solidFill>
                   <a:schemeClr val="tx2"/>
                 </a:solidFill>
-                <a:latin typeface="黑体" pitchFamily="2" charset="-122"/>
-                <a:ea typeface="黑体" pitchFamily="2" charset="-122"/>
+                <a:latin typeface="黑体" panose="02010609060101010101" pitchFamily="2" charset="-122"/>
+                <a:ea typeface="黑体" panose="02010609060101010101" pitchFamily="2" charset="-122"/>
                 <a:cs typeface="+mj-cs"/>
               </a:rPr>
               <a:t>3.2 </a:t>
@@ -11830,25 +12177,31 @@
                 <a:solidFill>
                   <a:schemeClr val="tx2"/>
                 </a:solidFill>
-                <a:latin typeface="黑体" pitchFamily="2" charset="-122"/>
-                <a:ea typeface="黑体" pitchFamily="2" charset="-122"/>
+                <a:latin typeface="黑体" panose="02010609060101010101" pitchFamily="2" charset="-122"/>
+                <a:ea typeface="黑体" panose="02010609060101010101" pitchFamily="2" charset="-122"/>
                 <a:cs typeface="+mj-cs"/>
               </a:rPr>
               <a:t>边界值测试</a:t>
             </a:r>
+            <a:endParaRPr lang="zh-CN" altLang="en-US" sz="3800" b="1" dirty="0">
+              <a:solidFill>
+                <a:schemeClr val="tx2"/>
+              </a:solidFill>
+              <a:latin typeface="黑体" panose="02010609060101010101" pitchFamily="2" charset="-122"/>
+              <a:ea typeface="黑体" panose="02010609060101010101" pitchFamily="2" charset="-122"/>
+              <a:cs typeface="+mj-cs"/>
+            </a:endParaRPr>
           </a:p>
         </p:txBody>
       </p:sp>
     </p:spTree>
-    <p:extLst>
-      <p:ext uri="{BB962C8B-B14F-4D97-AF65-F5344CB8AC3E}">
-        <p14:creationId xmlns:p14="http://schemas.microsoft.com/office/powerpoint/2010/main" val="2105873485"/>
-      </p:ext>
-    </p:extLst>
   </p:cSld>
   <p:clrMapOvr>
     <a:masterClrMapping/>
   </p:clrMapOvr>
+  <p:transition>
+    <p:blinds dir="vert"/>
+  </p:transition>
   <p:timing>
     <p:tnLst>
       <p:par>
@@ -12031,7 +12384,7 @@
               <a:buClr>
                 <a:schemeClr val="accent2"/>
               </a:buClr>
-              <a:buFont typeface="Wingdings" pitchFamily="2" charset="2"/>
+              <a:buFont typeface="Wingdings" panose="05000000000000000000" pitchFamily="2" charset="2"/>
               <a:buChar char="o"/>
             </a:pPr>
             <a:r>
@@ -12044,6 +12397,13 @@
               </a:rPr>
               <a:t>边界值分析概述</a:t>
             </a:r>
+            <a:endParaRPr lang="zh-CN" altLang="en-US" sz="3400" b="1" dirty="0">
+              <a:solidFill>
+                <a:schemeClr val="tx1"/>
+              </a:solidFill>
+              <a:latin typeface="+mn-lt"/>
+              <a:ea typeface="+mn-ea"/>
+            </a:endParaRPr>
           </a:p>
         </p:txBody>
       </p:sp>
@@ -12075,9 +12435,13 @@
               </a:rPr>
               <a:t>在被测对象的边界及边界附近设计测试用例</a:t>
             </a:r>
-          </a:p>
-          <a:p>
-            <a:pPr marL="471487" lvl="1" indent="0" algn="just" eaLnBrk="1" hangingPunct="1">
+            <a:endParaRPr lang="zh-CN" altLang="en-US" sz="2600" b="1" dirty="0">
+              <a:latin typeface="+mn-lt"/>
+              <a:ea typeface="+mn-ea"/>
+            </a:endParaRPr>
+          </a:p>
+          <a:p>
+            <a:pPr marL="471170" lvl="1" indent="0" algn="just" eaLnBrk="1" hangingPunct="1">
               <a:buNone/>
             </a:pPr>
             <a:r>
@@ -12112,8 +12476,8 @@
         </p:nvSpPr>
         <p:spPr bwMode="auto">
           <a:xfrm>
-            <a:off x="2238043" y="3717032"/>
-            <a:ext cx="1671638" cy="2228850"/>
+            <a:off x="1588135" y="3573780"/>
+            <a:ext cx="2321560" cy="2228850"/>
           </a:xfrm>
           <a:prstGeom prst="ellipse">
             <a:avLst/>
@@ -12141,11 +12505,7 @@
           </a:fontRef>
         </p:style>
         <p:txBody>
-          <a:bodyPr vert="horz" wrap="square" lIns="91440" tIns="45720" rIns="91440" bIns="45720" numCol="1" rtlCol="0" anchor="t" anchorCtr="0" compatLnSpc="1">
-            <a:prstTxWarp prst="textNoShape">
-              <a:avLst/>
-            </a:prstTxWarp>
-          </a:bodyPr>
+          <a:bodyPr vert="horz" wrap="square" lIns="91440" tIns="45720" rIns="91440" bIns="45720" numCol="1" rtlCol="0" anchor="t" anchorCtr="0" compatLnSpc="1"/>
           <a:lstStyle/>
           <a:p>
             <a:pPr marL="0" marR="0" indent="0" algn="l" defTabSz="914400" rtl="0" eaLnBrk="0" fontAlgn="base" latinLnBrk="0" hangingPunct="0">
@@ -12162,7 +12522,6 @@
               <a:buSzTx/>
               <a:buFontTx/>
               <a:buNone/>
-              <a:tabLst/>
             </a:pPr>
             <a:endParaRPr kumimoji="0" lang="zh-CN" altLang="en-US" sz="3200" b="0" i="0" u="none" strike="noStrike" cap="none" normalizeH="0" baseline="0" smtClean="0">
               <a:ln>
@@ -12172,7 +12531,7 @@
                 <a:schemeClr val="tx1"/>
               </a:solidFill>
               <a:effectLst/>
-              <a:latin typeface="Arial" pitchFamily="34" charset="0"/>
+              <a:latin typeface="Arial" panose="020B0604020202020204" pitchFamily="34" charset="0"/>
             </a:endParaRPr>
           </a:p>
         </p:txBody>
@@ -12185,10 +12544,10 @@
         </p:nvGrpSpPr>
         <p:grpSpPr>
           <a:xfrm>
-            <a:off x="1455745" y="5891957"/>
-            <a:ext cx="3900488" cy="921419"/>
+            <a:off x="954405" y="5803265"/>
+            <a:ext cx="4689475" cy="765101"/>
             <a:chOff x="2986088" y="5226319"/>
-            <a:chExt cx="5363517" cy="921419"/>
+            <a:chExt cx="5363517" cy="1253081"/>
           </a:xfrm>
         </p:grpSpPr>
         <p:cxnSp>
@@ -12302,7 +12661,7 @@
           <p:spPr>
             <a:xfrm>
               <a:off x="3439467" y="5624518"/>
-              <a:ext cx="2346487" cy="523220"/>
+              <a:ext cx="2346487" cy="854882"/>
             </a:xfrm>
             <a:prstGeom prst="rect">
               <a:avLst/>
@@ -12332,7 +12691,7 @@
           <p:spPr>
             <a:xfrm>
               <a:off x="6195366" y="5567690"/>
-              <a:ext cx="1114425" cy="523220"/>
+              <a:ext cx="1114425" cy="854882"/>
             </a:xfrm>
             <a:prstGeom prst="rect">
               <a:avLst/>
@@ -12362,8 +12721,8 @@
         </p:nvSpPr>
         <p:spPr>
           <a:xfrm>
-            <a:off x="5946087" y="3600023"/>
-            <a:ext cx="1579307" cy="2128276"/>
+            <a:off x="5946140" y="3599815"/>
+            <a:ext cx="2237740" cy="2128520"/>
           </a:xfrm>
           <a:prstGeom prst="roundRect">
             <a:avLst/>
@@ -12474,6 +12833,13 @@
               </a:rPr>
               <a:t>=</a:t>
             </a:r>
+            <a:endParaRPr lang="en-US" altLang="zh-CN" sz="2800" b="1" dirty="0" smtClean="0">
+              <a:solidFill>
+                <a:schemeClr val="tx1"/>
+              </a:solidFill>
+              <a:latin typeface="楷体" panose="02010609060101010101" pitchFamily="49" charset="-122"/>
+              <a:ea typeface="楷体" panose="02010609060101010101" pitchFamily="49" charset="-122"/>
+            </a:endParaRPr>
           </a:p>
           <a:p>
             <a:pPr algn="ctr"/>
@@ -12497,6 +12863,13 @@
               </a:rPr>
               <a:t>&lt;</a:t>
             </a:r>
+            <a:endParaRPr lang="en-US" altLang="zh-CN" sz="2800" b="1" dirty="0" smtClean="0">
+              <a:solidFill>
+                <a:schemeClr val="tx1"/>
+              </a:solidFill>
+              <a:latin typeface="楷体" panose="02010609060101010101" pitchFamily="49" charset="-122"/>
+              <a:ea typeface="楷体" panose="02010609060101010101" pitchFamily="49" charset="-122"/>
+            </a:endParaRPr>
           </a:p>
           <a:p>
             <a:pPr algn="ctr"/>
@@ -12576,8 +12949,8 @@
                 <a:solidFill>
                   <a:schemeClr val="tx2"/>
                 </a:solidFill>
-                <a:latin typeface="黑体" pitchFamily="2" charset="-122"/>
-                <a:ea typeface="黑体" pitchFamily="2" charset="-122"/>
+                <a:latin typeface="黑体" panose="02010609060101010101" pitchFamily="2" charset="-122"/>
+                <a:ea typeface="黑体" panose="02010609060101010101" pitchFamily="2" charset="-122"/>
                 <a:cs typeface="+mj-cs"/>
               </a:rPr>
               <a:t>3.2 </a:t>
@@ -12587,25 +12960,31 @@
                 <a:solidFill>
                   <a:schemeClr val="tx2"/>
                 </a:solidFill>
-                <a:latin typeface="黑体" pitchFamily="2" charset="-122"/>
-                <a:ea typeface="黑体" pitchFamily="2" charset="-122"/>
+                <a:latin typeface="黑体" panose="02010609060101010101" pitchFamily="2" charset="-122"/>
+                <a:ea typeface="黑体" panose="02010609060101010101" pitchFamily="2" charset="-122"/>
                 <a:cs typeface="+mj-cs"/>
               </a:rPr>
               <a:t>边界值测试</a:t>
             </a:r>
+            <a:endParaRPr lang="zh-CN" altLang="en-US" sz="3800" b="1" dirty="0">
+              <a:solidFill>
+                <a:schemeClr val="tx2"/>
+              </a:solidFill>
+              <a:latin typeface="黑体" panose="02010609060101010101" pitchFamily="2" charset="-122"/>
+              <a:ea typeface="黑体" panose="02010609060101010101" pitchFamily="2" charset="-122"/>
+              <a:cs typeface="+mj-cs"/>
+            </a:endParaRPr>
           </a:p>
         </p:txBody>
       </p:sp>
     </p:spTree>
-    <p:extLst>
-      <p:ext uri="{BB962C8B-B14F-4D97-AF65-F5344CB8AC3E}">
-        <p14:creationId xmlns:p14="http://schemas.microsoft.com/office/powerpoint/2010/main" val="2826695192"/>
-      </p:ext>
-    </p:extLst>
   </p:cSld>
   <p:clrMapOvr>
     <a:masterClrMapping/>
   </p:clrMapOvr>
+  <p:transition>
+    <p:blinds dir="vert"/>
+  </p:transition>
   <p:timing>
     <p:tnLst>
       <p:par>
@@ -12795,8 +13174,8 @@
       </p:par>
     </p:tnLst>
     <p:bldLst>
-      <p:bldP spid="4" grpId="0" animBg="1"/>
-      <p:bldP spid="11" grpId="0" animBg="1"/>
+      <p:bldP spid="4" grpId="0" bldLvl="0" animBg="1"/>
+      <p:bldP spid="11" grpId="0" bldLvl="0" animBg="1"/>
     </p:bldLst>
   </p:timing>
 </p:sld>
@@ -12843,7 +13222,7 @@
               <a:lnSpc>
                 <a:spcPct val="100000"/>
               </a:lnSpc>
-              <a:buFont typeface="Wingdings" pitchFamily="2" charset="2"/>
+              <a:buFont typeface="Wingdings" panose="05000000000000000000" pitchFamily="2" charset="2"/>
               <a:buChar char="o"/>
             </a:pPr>
             <a:r>
@@ -12935,66 +13314,224 @@
             </a:endParaRPr>
           </a:p>
           <a:p>
+            <a:pPr marL="471170" lvl="1" indent="0" algn="just" eaLnBrk="1" hangingPunct="1">
+              <a:lnSpc>
+                <a:spcPct val="100000"/>
+              </a:lnSpc>
+              <a:buNone/>
+            </a:pPr>
+            <a:r>
+              <a:rPr lang="en-US" altLang="zh-CN" sz="2400" b="1" dirty="0" smtClean="0">
+                <a:latin typeface="+mn-lt"/>
+                <a:ea typeface="+mn-ea"/>
+              </a:rPr>
+              <a:t>	</a:t>
+            </a:r>
+            <a:r>
+              <a:rPr lang="zh-CN" altLang="en-US" sz="2400" b="1" dirty="0" smtClean="0">
+                <a:latin typeface="+mn-lt"/>
+                <a:ea typeface="+mn-ea"/>
+              </a:rPr>
+              <a:t>应</a:t>
+            </a:r>
+            <a:r>
+              <a:rPr lang="zh-CN" altLang="en-US" sz="2400" b="1" dirty="0">
+                <a:latin typeface="+mn-lt"/>
+                <a:ea typeface="+mn-ea"/>
+              </a:rPr>
+              <a:t>取</a:t>
+            </a:r>
+            <a:r>
+              <a:rPr lang="en-US" altLang="zh-CN" sz="2400" b="1" dirty="0">
+                <a:solidFill>
+                  <a:srgbClr val="FF0000"/>
+                </a:solidFill>
+                <a:latin typeface="+mn-lt"/>
+                <a:ea typeface="+mn-ea"/>
+              </a:rPr>
+              <a:t>10</a:t>
+            </a:r>
+            <a:r>
+              <a:rPr lang="zh-CN" altLang="en-US" sz="2400" b="1" dirty="0">
+                <a:solidFill>
+                  <a:srgbClr val="FF0000"/>
+                </a:solidFill>
+                <a:latin typeface="+mn-lt"/>
+                <a:ea typeface="+mn-ea"/>
+              </a:rPr>
+              <a:t>  </a:t>
+            </a:r>
+            <a:r>
+              <a:rPr lang="en-US" altLang="zh-CN" sz="2400" b="1" dirty="0">
+                <a:solidFill>
+                  <a:srgbClr val="FF0000"/>
+                </a:solidFill>
+                <a:latin typeface="+mn-lt"/>
+                <a:ea typeface="+mn-ea"/>
+              </a:rPr>
+              <a:t>50</a:t>
+            </a:r>
+            <a:r>
+              <a:rPr lang="zh-CN" altLang="en-US" sz="2400" b="1" dirty="0">
+                <a:solidFill>
+                  <a:srgbClr val="FF0000"/>
+                </a:solidFill>
+                <a:latin typeface="+mn-lt"/>
+                <a:ea typeface="+mn-ea"/>
+              </a:rPr>
+              <a:t> </a:t>
+            </a:r>
+            <a:r>
+              <a:rPr lang="zh-CN" altLang="en-US" sz="2400" b="1" dirty="0">
+                <a:latin typeface="+mn-lt"/>
+                <a:ea typeface="+mn-ea"/>
+                <a:sym typeface="+mn-ea"/>
+              </a:rPr>
+              <a:t>，</a:t>
+            </a:r>
+            <a:r>
+              <a:rPr lang="en-US" altLang="zh-CN" sz="2400" b="1" dirty="0">
+                <a:solidFill>
+                  <a:srgbClr val="FF0000"/>
+                </a:solidFill>
+                <a:latin typeface="+mn-lt"/>
+                <a:ea typeface="+mn-ea"/>
+              </a:rPr>
+              <a:t>10.01  50.01</a:t>
+            </a:r>
+            <a:r>
+              <a:rPr lang="zh-CN" altLang="en-US" sz="2400" b="1" dirty="0">
+                <a:latin typeface="+mn-lt"/>
+                <a:ea typeface="+mn-ea"/>
+                <a:sym typeface="+mn-ea"/>
+              </a:rPr>
+              <a:t>，</a:t>
+            </a:r>
+            <a:r>
+              <a:rPr lang="en-US" altLang="zh-CN" sz="2400" b="1" dirty="0">
+                <a:solidFill>
+                  <a:srgbClr val="FF0000"/>
+                </a:solidFill>
+                <a:latin typeface="+mn-lt"/>
+                <a:ea typeface="+mn-ea"/>
+              </a:rPr>
+              <a:t>9.99  49.99 </a:t>
+            </a:r>
+            <a:endParaRPr lang="en-US" altLang="zh-CN" sz="2400" b="1" dirty="0">
+              <a:latin typeface="+mn-lt"/>
+              <a:ea typeface="+mn-ea"/>
+            </a:endParaRPr>
+          </a:p>
+          <a:p>
             <a:pPr lvl="1" algn="just" eaLnBrk="1" hangingPunct="1">
               <a:lnSpc>
                 <a:spcPct val="100000"/>
               </a:lnSpc>
             </a:pPr>
             <a:r>
-              <a:rPr lang="zh-CN" altLang="en-US" sz="2400" b="1" dirty="0" smtClean="0">
-                <a:latin typeface="+mn-lt"/>
-                <a:ea typeface="+mn-ea"/>
-              </a:rPr>
-              <a:t>应</a:t>
-            </a:r>
-            <a:r>
               <a:rPr lang="zh-CN" altLang="en-US" sz="2400" b="1" dirty="0">
                 <a:latin typeface="+mn-lt"/>
                 <a:ea typeface="+mn-ea"/>
               </a:rPr>
-              <a:t>取</a:t>
+              <a:t>一个输入文件应包括</a:t>
             </a:r>
             <a:r>
               <a:rPr lang="en-US" altLang="zh-CN" sz="2400" b="1" dirty="0">
                 <a:latin typeface="+mn-lt"/>
                 <a:ea typeface="+mn-ea"/>
               </a:rPr>
-              <a:t>10</a:t>
+              <a:t>1~255</a:t>
             </a:r>
             <a:r>
               <a:rPr lang="zh-CN" altLang="en-US" sz="2400" b="1" dirty="0">
                 <a:latin typeface="+mn-lt"/>
                 <a:ea typeface="+mn-ea"/>
               </a:rPr>
-              <a:t>  </a:t>
-            </a:r>
+              <a:t>个记录。</a:t>
+            </a:r>
+            <a:endParaRPr lang="zh-CN" altLang="en-US" sz="2400" b="1" dirty="0">
+              <a:latin typeface="+mn-lt"/>
+              <a:ea typeface="+mn-ea"/>
+            </a:endParaRPr>
+          </a:p>
+          <a:p>
+            <a:pPr marL="471170" lvl="1" indent="0" algn="just" eaLnBrk="1" hangingPunct="1">
+              <a:lnSpc>
+                <a:spcPct val="100000"/>
+              </a:lnSpc>
+              <a:buNone/>
+            </a:pPr>
             <a:r>
               <a:rPr lang="en-US" altLang="zh-CN" sz="2400" b="1" dirty="0">
                 <a:latin typeface="+mn-lt"/>
                 <a:ea typeface="+mn-ea"/>
               </a:rPr>
-              <a:t>50</a:t>
+              <a:t>	</a:t>
             </a:r>
             <a:r>
               <a:rPr lang="zh-CN" altLang="en-US" sz="2400" b="1" dirty="0">
                 <a:latin typeface="+mn-lt"/>
                 <a:ea typeface="+mn-ea"/>
               </a:rPr>
-              <a:t> ，</a:t>
+              <a:t>可取</a:t>
             </a:r>
             <a:r>
               <a:rPr lang="en-US" altLang="zh-CN" sz="2400" b="1" dirty="0">
+                <a:solidFill>
+                  <a:srgbClr val="FF0000"/>
+                </a:solidFill>
                 <a:latin typeface="+mn-lt"/>
                 <a:ea typeface="+mn-ea"/>
               </a:rPr>
-              <a:t>10.01 50.01,9.99 49.99 </a:t>
+              <a:t>1  255</a:t>
             </a:r>
             <a:r>
               <a:rPr lang="zh-CN" altLang="en-US" sz="2400" b="1" dirty="0">
                 <a:latin typeface="+mn-lt"/>
                 <a:ea typeface="+mn-ea"/>
               </a:rPr>
-              <a:t>等。</a:t>
+              <a:t>，</a:t>
+            </a:r>
+            <a:r>
+              <a:rPr lang="en-US" altLang="zh-CN" sz="2400" b="1" dirty="0">
+                <a:solidFill>
+                  <a:srgbClr val="FF0000"/>
+                </a:solidFill>
+                <a:latin typeface="+mn-lt"/>
+                <a:ea typeface="+mn-ea"/>
+              </a:rPr>
+              <a:t>0  </a:t>
+            </a:r>
+            <a:r>
+              <a:rPr lang="en-US" altLang="zh-CN" sz="2400" b="1" dirty="0">
+                <a:solidFill>
+                  <a:srgbClr val="FF0000"/>
+                </a:solidFill>
+                <a:latin typeface="+mn-lt"/>
+                <a:ea typeface="+mn-ea"/>
+                <a:sym typeface="+mn-ea"/>
+              </a:rPr>
+              <a:t>254</a:t>
+            </a:r>
+            <a:r>
+              <a:rPr lang="zh-CN" altLang="en-US" sz="2400" b="1" dirty="0">
+                <a:solidFill>
+                  <a:schemeClr val="tx1"/>
+                </a:solidFill>
+                <a:latin typeface="+mn-lt"/>
+                <a:ea typeface="+mn-ea"/>
+              </a:rPr>
+              <a:t>，</a:t>
+            </a:r>
+            <a:r>
+              <a:rPr lang="en-US" altLang="zh-CN" sz="2400" b="1" dirty="0">
+                <a:solidFill>
+                  <a:srgbClr val="FF0000"/>
+                </a:solidFill>
+                <a:latin typeface="+mn-lt"/>
+                <a:ea typeface="+mn-ea"/>
+              </a:rPr>
+              <a:t>256  2</a:t>
             </a:r>
             <a:endParaRPr lang="en-US" altLang="zh-CN" sz="2400" b="1" dirty="0">
               <a:latin typeface="+mn-lt"/>
@@ -13012,21 +13549,63 @@
                 <a:latin typeface="+mn-lt"/>
                 <a:ea typeface="+mn-ea"/>
               </a:rPr>
-              <a:t>一个输入文件应包括</a:t>
+              <a:t>某程序的规格说明要求计算出</a:t>
             </a:r>
             <a:r>
               <a:rPr lang="en-US" altLang="zh-CN" sz="2400" b="1" dirty="0">
                 <a:latin typeface="+mn-lt"/>
                 <a:ea typeface="+mn-ea"/>
               </a:rPr>
-              <a:t>1~255</a:t>
+              <a:t>“</a:t>
             </a:r>
             <a:r>
               <a:rPr lang="zh-CN" altLang="en-US" sz="2400" b="1" dirty="0">
                 <a:latin typeface="+mn-lt"/>
                 <a:ea typeface="+mn-ea"/>
               </a:rPr>
-              <a:t>个记录。</a:t>
+              <a:t>每月保险金扣除额为</a:t>
+            </a:r>
+            <a:r>
+              <a:rPr lang="en-US" altLang="zh-CN" sz="2400" b="1" dirty="0">
+                <a:latin typeface="+mn-lt"/>
+                <a:ea typeface="+mn-ea"/>
+              </a:rPr>
+              <a:t>0</a:t>
+            </a:r>
+            <a:r>
+              <a:rPr lang="zh-CN" altLang="en-US" sz="2400" b="1" dirty="0">
+                <a:latin typeface="+mn-lt"/>
+                <a:ea typeface="+mn-ea"/>
+              </a:rPr>
+              <a:t>至</a:t>
+            </a:r>
+            <a:r>
+              <a:rPr lang="en-US" altLang="zh-CN" sz="2400" b="1" dirty="0">
+                <a:latin typeface="+mn-lt"/>
+                <a:ea typeface="+mn-ea"/>
+              </a:rPr>
+              <a:t>1165.25</a:t>
+            </a:r>
+            <a:r>
+              <a:rPr lang="zh-CN" altLang="en-US" sz="2400" b="1" dirty="0">
+                <a:latin typeface="+mn-lt"/>
+                <a:ea typeface="+mn-ea"/>
+              </a:rPr>
+              <a:t>元</a:t>
+            </a:r>
+            <a:r>
+              <a:rPr lang="en-US" altLang="zh-CN" sz="2400" b="1" dirty="0">
+                <a:latin typeface="+mn-lt"/>
+                <a:ea typeface="+mn-ea"/>
+              </a:rPr>
+              <a:t>”</a:t>
+            </a:r>
+            <a:r>
+              <a:rPr lang="zh-CN" altLang="en-US" sz="2400" b="1" dirty="0">
+                <a:latin typeface="+mn-lt"/>
+                <a:ea typeface="+mn-ea"/>
+              </a:rPr>
+              <a:t>。</a:t>
             </a:r>
             <a:endParaRPr lang="en-US" altLang="zh-CN" sz="2400" b="1" dirty="0">
               <a:latin typeface="+mn-lt"/>
@@ -13034,11 +13613,19 @@
             </a:endParaRPr>
           </a:p>
           <a:p>
-            <a:pPr lvl="1" algn="just" eaLnBrk="1" hangingPunct="1">
+            <a:pPr marL="471170" lvl="1" indent="0" algn="l" eaLnBrk="1" hangingPunct="1">
               <a:lnSpc>
                 <a:spcPct val="100000"/>
               </a:lnSpc>
+              <a:buNone/>
             </a:pPr>
+            <a:r>
+              <a:rPr lang="en-US" altLang="zh-CN" sz="2400" b="1" dirty="0">
+                <a:latin typeface="+mn-lt"/>
+                <a:ea typeface="+mn-ea"/>
+              </a:rPr>
+              <a:t>	</a:t>
+            </a:r>
             <a:r>
               <a:rPr lang="zh-CN" altLang="en-US" sz="2400" b="1" dirty="0">
                 <a:latin typeface="+mn-lt"/>
@@ -13048,251 +13635,73 @@
             </a:r>
             <a:r>
               <a:rPr lang="en-US" altLang="zh-CN" sz="2400" b="1" dirty="0">
+                <a:solidFill>
+                  <a:srgbClr val="FF0000"/>
+                </a:solidFill>
                 <a:latin typeface="+mn-lt"/>
                 <a:ea typeface="+mn-ea"/>
               </a:rPr>
-              <a:t>1</a:t>
+              <a:t>0.00  1165.25</a:t>
+            </a:r>
+            <a:r>
+              <a:rPr lang="zh-CN" altLang="en-US" sz="2400" b="1" dirty="0">
+                <a:solidFill>
+                  <a:schemeClr val="tx1"/>
+                </a:solidFill>
+                <a:latin typeface="+mn-lt"/>
+                <a:ea typeface="+mn-ea"/>
+              </a:rPr>
+              <a:t>，</a:t>
+            </a:r>
+            <a:r>
+              <a:rPr lang="en-US" altLang="zh-CN" sz="2400" b="1" dirty="0">
+                <a:solidFill>
+                  <a:srgbClr val="FF0000"/>
+                </a:solidFill>
+                <a:latin typeface="+mn-lt"/>
+                <a:ea typeface="+mn-ea"/>
+              </a:rPr>
+              <a:t>-0.01  </a:t>
+            </a:r>
+            <a:r>
+              <a:rPr lang="en-US" altLang="zh-CN" sz="2400" b="1" dirty="0">
+                <a:solidFill>
+                  <a:srgbClr val="FF0000"/>
+                </a:solidFill>
+                <a:latin typeface="+mn-lt"/>
+                <a:ea typeface="+mn-ea"/>
+                <a:sym typeface="+mn-ea"/>
+              </a:rPr>
+              <a:t>1165.24</a:t>
+            </a:r>
+            <a:r>
+              <a:rPr lang="en-US" altLang="zh-CN" sz="2400" b="1" dirty="0">
+                <a:latin typeface="+mn-lt"/>
+                <a:ea typeface="+mn-ea"/>
+              </a:rPr>
+              <a:t> </a:t>
             </a:r>
             <a:r>
               <a:rPr lang="zh-CN" altLang="en-US" sz="2400" b="1" dirty="0">
                 <a:latin typeface="+mn-lt"/>
                 <a:ea typeface="+mn-ea"/>
               </a:rPr>
-              <a:t>和</a:t>
+              <a:t>，</a:t>
             </a:r>
             <a:r>
               <a:rPr lang="en-US" altLang="zh-CN" sz="2400" b="1" dirty="0">
+                <a:solidFill>
+                  <a:srgbClr val="FF0000"/>
+                </a:solidFill>
                 <a:latin typeface="+mn-lt"/>
                 <a:ea typeface="+mn-ea"/>
               </a:rPr>
-              <a:t>255</a:t>
-            </a:r>
-            <a:r>
-              <a:rPr lang="zh-CN" altLang="en-US" sz="2400" b="1" dirty="0">
-                <a:latin typeface="+mn-lt"/>
-                <a:ea typeface="+mn-ea"/>
-              </a:rPr>
-              <a:t>，还应取</a:t>
-            </a:r>
-            <a:r>
-              <a:rPr lang="en-US" altLang="zh-CN" sz="2400" b="1" dirty="0">
-                <a:latin typeface="+mn-lt"/>
-                <a:ea typeface="+mn-ea"/>
-              </a:rPr>
-              <a:t>0</a:t>
-            </a:r>
-            <a:r>
-              <a:rPr lang="zh-CN" altLang="en-US" sz="2400" b="1" dirty="0">
-                <a:latin typeface="+mn-lt"/>
-                <a:ea typeface="+mn-ea"/>
-              </a:rPr>
-              <a:t>及</a:t>
-            </a:r>
-            <a:r>
-              <a:rPr lang="en-US" altLang="zh-CN" sz="2400" b="1" dirty="0">
-                <a:latin typeface="+mn-lt"/>
-                <a:ea typeface="+mn-ea"/>
-              </a:rPr>
-              <a:t>256 2</a:t>
-            </a:r>
-            <a:r>
-              <a:rPr lang="zh-CN" altLang="en-US" sz="2400" b="1" dirty="0">
-                <a:latin typeface="+mn-lt"/>
-                <a:ea typeface="+mn-ea"/>
-              </a:rPr>
-              <a:t>和</a:t>
-            </a:r>
-            <a:r>
-              <a:rPr lang="en-US" altLang="zh-CN" sz="2400" b="1" dirty="0">
-                <a:latin typeface="+mn-lt"/>
-                <a:ea typeface="+mn-ea"/>
-              </a:rPr>
-              <a:t>254</a:t>
-            </a:r>
-            <a:r>
-              <a:rPr lang="zh-CN" altLang="en-US" sz="2400" b="1" dirty="0">
-                <a:latin typeface="+mn-lt"/>
-                <a:ea typeface="+mn-ea"/>
-              </a:rPr>
-              <a:t>等。</a:t>
+              <a:t>1165.26  0.01</a:t>
             </a:r>
             <a:endParaRPr lang="en-US" altLang="zh-CN" sz="2400" b="1" dirty="0">
-              <a:latin typeface="+mn-lt"/>
-              <a:ea typeface="+mn-ea"/>
-            </a:endParaRPr>
-          </a:p>
-          <a:p>
-            <a:pPr lvl="1" algn="just" eaLnBrk="1" hangingPunct="1">
-              <a:lnSpc>
-                <a:spcPct val="100000"/>
-              </a:lnSpc>
-            </a:pPr>
-            <a:r>
-              <a:rPr lang="zh-CN" altLang="en-US" sz="2400" b="1" dirty="0">
-                <a:latin typeface="+mn-lt"/>
-                <a:ea typeface="+mn-ea"/>
-              </a:rPr>
-              <a:t>某程序的规格说明要求计算出</a:t>
-            </a:r>
-            <a:r>
-              <a:rPr lang="en-US" altLang="zh-CN" sz="2400" b="1" dirty="0">
-                <a:latin typeface="+mn-lt"/>
-                <a:ea typeface="+mn-ea"/>
-              </a:rPr>
-              <a:t>“</a:t>
-            </a:r>
-            <a:r>
-              <a:rPr lang="zh-CN" altLang="en-US" sz="2400" b="1" dirty="0">
-                <a:latin typeface="+mn-lt"/>
-                <a:ea typeface="+mn-ea"/>
-              </a:rPr>
-              <a:t>每月保险金扣除额为</a:t>
-            </a:r>
-            <a:r>
-              <a:rPr lang="en-US" altLang="zh-CN" sz="2400" b="1" dirty="0">
-                <a:latin typeface="+mn-lt"/>
-                <a:ea typeface="+mn-ea"/>
-              </a:rPr>
-              <a:t>0</a:t>
-            </a:r>
-            <a:r>
-              <a:rPr lang="zh-CN" altLang="en-US" sz="2400" b="1" dirty="0">
-                <a:latin typeface="+mn-lt"/>
-                <a:ea typeface="+mn-ea"/>
-              </a:rPr>
-              <a:t>至</a:t>
-            </a:r>
-            <a:r>
-              <a:rPr lang="en-US" altLang="zh-CN" sz="2400" b="1" dirty="0">
-                <a:latin typeface="+mn-lt"/>
-                <a:ea typeface="+mn-ea"/>
-              </a:rPr>
-              <a:t>1165.25</a:t>
-            </a:r>
-            <a:r>
-              <a:rPr lang="zh-CN" altLang="en-US" sz="2400" b="1" dirty="0">
-                <a:latin typeface="+mn-lt"/>
-                <a:ea typeface="+mn-ea"/>
-              </a:rPr>
-              <a:t>元</a:t>
-            </a:r>
-            <a:r>
-              <a:rPr lang="en-US" altLang="zh-CN" sz="2400" b="1" dirty="0">
-                <a:latin typeface="+mn-lt"/>
-                <a:ea typeface="+mn-ea"/>
-              </a:rPr>
-              <a:t>”</a:t>
-            </a:r>
-            <a:r>
-              <a:rPr lang="zh-CN" altLang="en-US" sz="2400" b="1" dirty="0">
-                <a:latin typeface="+mn-lt"/>
-                <a:ea typeface="+mn-ea"/>
-              </a:rPr>
-              <a:t>。</a:t>
-            </a:r>
-            <a:endParaRPr lang="en-US" altLang="zh-CN" sz="2400" b="1" dirty="0">
-              <a:latin typeface="+mn-lt"/>
-              <a:ea typeface="+mn-ea"/>
-            </a:endParaRPr>
-          </a:p>
-          <a:p>
-            <a:pPr lvl="1" algn="just" eaLnBrk="1" hangingPunct="1">
-              <a:lnSpc>
-                <a:spcPct val="100000"/>
-              </a:lnSpc>
-            </a:pPr>
-            <a:r>
-              <a:rPr lang="zh-CN" altLang="en-US" sz="2400" b="1" dirty="0">
-                <a:latin typeface="+mn-lt"/>
-                <a:ea typeface="+mn-ea"/>
-              </a:rPr>
-              <a:t>可取</a:t>
-            </a:r>
-            <a:r>
-              <a:rPr lang="en-US" altLang="zh-CN" sz="2400" b="1" dirty="0">
-                <a:latin typeface="+mn-lt"/>
-                <a:ea typeface="+mn-ea"/>
-              </a:rPr>
-              <a:t>0.00</a:t>
-            </a:r>
-            <a:r>
-              <a:rPr lang="zh-CN" altLang="en-US" sz="2400" b="1" dirty="0">
-                <a:latin typeface="+mn-lt"/>
-                <a:ea typeface="+mn-ea"/>
-              </a:rPr>
-              <a:t>及</a:t>
-            </a:r>
-            <a:r>
-              <a:rPr lang="en-US" altLang="zh-CN" sz="2400" b="1" dirty="0">
-                <a:latin typeface="+mn-lt"/>
-                <a:ea typeface="+mn-ea"/>
-              </a:rPr>
-              <a:t>1165.25</a:t>
-            </a:r>
-            <a:r>
-              <a:rPr lang="zh-CN" altLang="en-US" sz="2400" b="1" dirty="0">
-                <a:latin typeface="+mn-lt"/>
-                <a:ea typeface="+mn-ea"/>
-              </a:rPr>
-              <a:t>、</a:t>
-            </a:r>
-            <a:r>
-              <a:rPr lang="en-US" altLang="zh-CN" sz="2400" b="1" dirty="0">
-                <a:latin typeface="+mn-lt"/>
-                <a:ea typeface="+mn-ea"/>
-              </a:rPr>
-              <a:t>-0.01</a:t>
-            </a:r>
-            <a:r>
-              <a:rPr lang="zh-CN" altLang="en-US" sz="2400" b="1" dirty="0">
-                <a:latin typeface="+mn-lt"/>
-                <a:ea typeface="+mn-ea"/>
-              </a:rPr>
-              <a:t>及</a:t>
-            </a:r>
-            <a:r>
-              <a:rPr lang="en-US" altLang="zh-CN" sz="2400" b="1" dirty="0">
-                <a:latin typeface="+mn-lt"/>
-                <a:ea typeface="+mn-ea"/>
-              </a:rPr>
-              <a:t>1165.26</a:t>
-            </a:r>
-            <a:r>
-              <a:rPr lang="zh-CN" altLang="en-US" sz="2400" b="1" dirty="0">
-                <a:latin typeface="+mn-lt"/>
-                <a:ea typeface="+mn-ea"/>
-              </a:rPr>
-              <a:t>、</a:t>
-            </a:r>
-            <a:r>
-              <a:rPr lang="en-US" altLang="zh-CN" sz="2400" b="1" dirty="0">
-                <a:latin typeface="+mn-lt"/>
-                <a:ea typeface="+mn-ea"/>
-              </a:rPr>
-              <a:t>0.01</a:t>
-            </a:r>
-            <a:r>
-              <a:rPr lang="zh-CN" altLang="en-US" sz="2400" b="1" dirty="0">
-                <a:latin typeface="+mn-lt"/>
-                <a:ea typeface="+mn-ea"/>
-              </a:rPr>
-              <a:t>和</a:t>
-            </a:r>
-            <a:r>
-              <a:rPr lang="en-US" altLang="zh-CN" sz="2400" b="1" dirty="0">
-                <a:latin typeface="+mn-lt"/>
-                <a:ea typeface="+mn-ea"/>
-              </a:rPr>
-              <a:t>1165.24</a:t>
-            </a:r>
-            <a:r>
-              <a:rPr lang="zh-CN" altLang="en-US" sz="2400" b="1" dirty="0">
-                <a:latin typeface="+mn-lt"/>
-                <a:ea typeface="+mn-ea"/>
-              </a:rPr>
-              <a:t>等。</a:t>
-            </a:r>
-            <a:endParaRPr lang="en-US" altLang="zh-CN" sz="2400" b="1" dirty="0">
+              <a:solidFill>
+                <a:srgbClr val="FF0000"/>
+              </a:solidFill>
               <a:latin typeface="+mn-lt"/>
               <a:ea typeface="+mn-ea"/>
             </a:endParaRPr>
@@ -13332,8 +13741,8 @@
                 <a:solidFill>
                   <a:schemeClr val="tx2"/>
                 </a:solidFill>
-                <a:latin typeface="黑体" pitchFamily="2" charset="-122"/>
-                <a:ea typeface="黑体" pitchFamily="2" charset="-122"/>
+                <a:latin typeface="黑体" panose="02010609060101010101" pitchFamily="2" charset="-122"/>
+                <a:ea typeface="黑体" panose="02010609060101010101" pitchFamily="2" charset="-122"/>
                 <a:cs typeface="+mj-cs"/>
               </a:rPr>
               <a:t>3.2 </a:t>
@@ -13343,25 +13752,31 @@
                 <a:solidFill>
                   <a:schemeClr val="tx2"/>
                 </a:solidFill>
-                <a:latin typeface="黑体" pitchFamily="2" charset="-122"/>
-                <a:ea typeface="黑体" pitchFamily="2" charset="-122"/>
+                <a:latin typeface="黑体" panose="02010609060101010101" pitchFamily="2" charset="-122"/>
+                <a:ea typeface="黑体" panose="02010609060101010101" pitchFamily="2" charset="-122"/>
                 <a:cs typeface="+mj-cs"/>
               </a:rPr>
               <a:t>边界值测试</a:t>
             </a:r>
+            <a:endParaRPr lang="zh-CN" altLang="en-US" sz="3800" b="1" dirty="0">
+              <a:solidFill>
+                <a:schemeClr val="tx2"/>
+              </a:solidFill>
+              <a:latin typeface="黑体" panose="02010609060101010101" pitchFamily="2" charset="-122"/>
+              <a:ea typeface="黑体" panose="02010609060101010101" pitchFamily="2" charset="-122"/>
+              <a:cs typeface="+mj-cs"/>
+            </a:endParaRPr>
           </a:p>
         </p:txBody>
       </p:sp>
     </p:spTree>
-    <p:extLst>
-      <p:ext uri="{BB962C8B-B14F-4D97-AF65-F5344CB8AC3E}">
-        <p14:creationId xmlns:p14="http://schemas.microsoft.com/office/powerpoint/2010/main" val="1014967219"/>
-      </p:ext>
-    </p:extLst>
   </p:cSld>
   <p:clrMapOvr>
     <a:masterClrMapping/>
   </p:clrMapOvr>
+  <p:transition>
+    <p:blinds dir="vert"/>
+  </p:transition>
   <p:timing>
     <p:tnLst>
       <p:par>
@@ -13373,7 +13788,7 @@
 </file>
 
 <file path=ppt/slides/slide8.xml><?xml version="1.0" encoding="utf-8"?>
-<p:sld xmlns:a="http://schemas.openxmlformats.org/drawingml/2006/main" xmlns:r="http://schemas.openxmlformats.org/officeDocument/2006/relationships" xmlns:p="http://schemas.openxmlformats.org/presentationml/2006/main">
+<p:sld xmlns:a="http://schemas.openxmlformats.org/drawingml/2006/main" xmlns:r="http://schemas.openxmlformats.org/officeDocument/2006/relationships" xmlns:p="http://schemas.openxmlformats.org/presentationml/2006/main" show="0">
   <p:cSld>
     <p:spTree>
       <p:nvGrpSpPr>
@@ -13413,7 +13828,7 @@
               <a:lnSpc>
                 <a:spcPct val="100000"/>
               </a:lnSpc>
-              <a:buFont typeface="Wingdings" pitchFamily="2" charset="2"/>
+              <a:buFont typeface="Wingdings" panose="05000000000000000000" pitchFamily="2" charset="2"/>
               <a:buChar char="o"/>
             </a:pPr>
             <a:r>
@@ -13450,6 +13865,10 @@
               </a:rPr>
               <a:t>输入条件规定了值的范围，则应取刚达到这个范围的边界值以及刚刚超过这个范围边界的值作为测试输入数据。</a:t>
             </a:r>
+            <a:endParaRPr lang="zh-CN" altLang="en-US" sz="2400" b="1" dirty="0">
+              <a:latin typeface="+mn-lt"/>
+              <a:ea typeface="+mn-ea"/>
+            </a:endParaRPr>
           </a:p>
           <a:p>
             <a:pPr lvl="1" algn="just" eaLnBrk="1" hangingPunct="1">
@@ -13549,51 +13968,14 @@
               </a:rPr>
               <a:t>程序中使用了一个内部数据结构，则应当选择这个内部数据结构边界上的值作为测试用例。</a:t>
             </a:r>
-            <a:endParaRPr lang="en-US" altLang="zh-CN" sz="2400" b="1" dirty="0">
-              <a:latin typeface="+mn-lt"/>
-              <a:ea typeface="+mn-ea"/>
-            </a:endParaRPr>
-          </a:p>
-          <a:p>
             <a:endParaRPr lang="zh-CN" altLang="en-US" dirty="0"/>
-          </a:p>
-        </p:txBody>
-      </p:sp>
-      <p:sp>
-        <p:nvSpPr>
-          <p:cNvPr id="4" name="灯片编号占位符 3"/>
-          <p:cNvSpPr>
-            <a:spLocks noGrp="1"/>
-          </p:cNvSpPr>
-          <p:nvPr>
-            <p:ph type="sldNum" sz="quarter" idx="10"/>
-          </p:nvPr>
-        </p:nvSpPr>
-        <p:spPr/>
-        <p:txBody>
-          <a:bodyPr/>
-          <a:lstStyle/>
-          <a:p>
-            <a:pPr>
-              <a:defRPr/>
-            </a:pPr>
-            <a:fld id="{3576B2CC-02D7-4ACE-B452-D8C49738AD0A}" type="slidenum">
-              <a:rPr lang="zh-CN" altLang="zh-CN" smtClean="0"/>
-              <a:pPr>
-                <a:defRPr/>
-              </a:pPr>
-              <a:t>8</a:t>
-            </a:fld>
-            <a:endParaRPr lang="zh-CN" altLang="zh-CN" b="0"/>
           </a:p>
         </p:txBody>
       </p:sp>
       <p:sp>
         <p:nvSpPr>
           <p:cNvPr id="5" name="标题 3"/>
-          <p:cNvSpPr txBox="1">
-            <a:spLocks/>
-          </p:cNvSpPr>
+          <p:cNvSpPr txBox="1"/>
           <p:nvPr/>
         </p:nvSpPr>
         <p:spPr bwMode="auto">
@@ -13630,9 +14012,6 @@
         </p:spPr>
         <p:txBody>
           <a:bodyPr vert="horz" wrap="none" lIns="91440" tIns="45720" rIns="91440" bIns="45720" numCol="1" anchor="b" anchorCtr="0" compatLnSpc="1">
-            <a:prstTxWarp prst="textNoShape">
-              <a:avLst/>
-            </a:prstTxWarp>
             <a:spAutoFit/>
           </a:bodyPr>
           <a:lstStyle>
@@ -13647,8 +14026,8 @@
                 <a:solidFill>
                   <a:schemeClr val="bg1"/>
                 </a:solidFill>
-                <a:latin typeface="Times New Roman" pitchFamily="18" charset="0"/>
-                <a:ea typeface="楷体" pitchFamily="49" charset="-122"/>
+                <a:latin typeface="Times New Roman" panose="02020603050405020304" pitchFamily="18" charset="0"/>
+                <a:ea typeface="楷体" panose="02010609060101010101" pitchFamily="49" charset="-122"/>
                 <a:cs typeface="+mn-cs"/>
               </a:defRPr>
             </a:lvl1pPr>
@@ -13663,8 +14042,8 @@
                 <a:solidFill>
                   <a:schemeClr val="tx2"/>
                 </a:solidFill>
-                <a:latin typeface="Verdana" pitchFamily="34" charset="0"/>
-                <a:ea typeface="宋体" pitchFamily="2" charset="-122"/>
+                <a:latin typeface="Verdana" panose="020B0604030504040204" pitchFamily="34" charset="0"/>
+                <a:ea typeface="宋体" panose="02010600030101010101" pitchFamily="2" charset="-122"/>
               </a:defRPr>
             </a:lvl2pPr>
             <a:lvl3pPr algn="l" rtl="0" eaLnBrk="0" fontAlgn="base" hangingPunct="0">
@@ -13678,8 +14057,8 @@
                 <a:solidFill>
                   <a:schemeClr val="tx2"/>
                 </a:solidFill>
-                <a:latin typeface="Verdana" pitchFamily="34" charset="0"/>
-                <a:ea typeface="宋体" pitchFamily="2" charset="-122"/>
+                <a:latin typeface="Verdana" panose="020B0604030504040204" pitchFamily="34" charset="0"/>
+                <a:ea typeface="宋体" panose="02010600030101010101" pitchFamily="2" charset="-122"/>
               </a:defRPr>
             </a:lvl3pPr>
             <a:lvl4pPr algn="l" rtl="0" eaLnBrk="0" fontAlgn="base" hangingPunct="0">
@@ -13693,8 +14072,8 @@
                 <a:solidFill>
                   <a:schemeClr val="tx2"/>
                 </a:solidFill>
-                <a:latin typeface="Verdana" pitchFamily="34" charset="0"/>
-                <a:ea typeface="宋体" pitchFamily="2" charset="-122"/>
+                <a:latin typeface="Verdana" panose="020B0604030504040204" pitchFamily="34" charset="0"/>
+                <a:ea typeface="宋体" panose="02010600030101010101" pitchFamily="2" charset="-122"/>
               </a:defRPr>
             </a:lvl4pPr>
             <a:lvl5pPr algn="l" rtl="0" eaLnBrk="0" fontAlgn="base" hangingPunct="0">
@@ -13708,8 +14087,8 @@
                 <a:solidFill>
                   <a:schemeClr val="tx2"/>
                 </a:solidFill>
-                <a:latin typeface="Verdana" pitchFamily="34" charset="0"/>
-                <a:ea typeface="宋体" pitchFamily="2" charset="-122"/>
+                <a:latin typeface="Verdana" panose="020B0604030504040204" pitchFamily="34" charset="0"/>
+                <a:ea typeface="宋体" panose="02010600030101010101" pitchFamily="2" charset="-122"/>
               </a:defRPr>
             </a:lvl5pPr>
             <a:lvl6pPr marL="457200" algn="l" rtl="0" fontAlgn="base">
@@ -13723,8 +14102,8 @@
                 <a:solidFill>
                   <a:schemeClr val="tx2"/>
                 </a:solidFill>
-                <a:latin typeface="Verdana" pitchFamily="34" charset="0"/>
-                <a:ea typeface="宋体" pitchFamily="2" charset="-122"/>
+                <a:latin typeface="Verdana" panose="020B0604030504040204" pitchFamily="34" charset="0"/>
+                <a:ea typeface="宋体" panose="02010600030101010101" pitchFamily="2" charset="-122"/>
               </a:defRPr>
             </a:lvl6pPr>
             <a:lvl7pPr marL="914400" algn="l" rtl="0" fontAlgn="base">
@@ -13738,8 +14117,8 @@
                 <a:solidFill>
                   <a:schemeClr val="tx2"/>
                 </a:solidFill>
-                <a:latin typeface="Verdana" pitchFamily="34" charset="0"/>
-                <a:ea typeface="宋体" pitchFamily="2" charset="-122"/>
+                <a:latin typeface="Verdana" panose="020B0604030504040204" pitchFamily="34" charset="0"/>
+                <a:ea typeface="宋体" panose="02010600030101010101" pitchFamily="2" charset="-122"/>
               </a:defRPr>
             </a:lvl7pPr>
             <a:lvl8pPr marL="1371600" algn="l" rtl="0" fontAlgn="base">
@@ -13753,8 +14132,8 @@
                 <a:solidFill>
                   <a:schemeClr val="tx2"/>
                 </a:solidFill>
-                <a:latin typeface="Verdana" pitchFamily="34" charset="0"/>
-                <a:ea typeface="宋体" pitchFamily="2" charset="-122"/>
+                <a:latin typeface="Verdana" panose="020B0604030504040204" pitchFamily="34" charset="0"/>
+                <a:ea typeface="宋体" panose="02010600030101010101" pitchFamily="2" charset="-122"/>
               </a:defRPr>
             </a:lvl8pPr>
             <a:lvl9pPr marL="1828800" algn="l" rtl="0" fontAlgn="base">
@@ -13768,8 +14147,8 @@
                 <a:solidFill>
                   <a:schemeClr val="tx2"/>
                 </a:solidFill>
-                <a:latin typeface="Verdana" pitchFamily="34" charset="0"/>
-                <a:ea typeface="宋体" pitchFamily="2" charset="-122"/>
+                <a:latin typeface="Verdana" panose="020B0604030504040204" pitchFamily="34" charset="0"/>
+                <a:ea typeface="宋体" panose="02010600030101010101" pitchFamily="2" charset="-122"/>
               </a:defRPr>
             </a:lvl9pPr>
           </a:lstStyle>
@@ -13779,8 +14158,8 @@
                 <a:solidFill>
                   <a:schemeClr val="tx2"/>
                 </a:solidFill>
-                <a:latin typeface="黑体" pitchFamily="2" charset="-122"/>
-                <a:ea typeface="黑体" pitchFamily="2" charset="-122"/>
+                <a:latin typeface="黑体" panose="02010609060101010101" pitchFamily="2" charset="-122"/>
+                <a:ea typeface="黑体" panose="02010609060101010101" pitchFamily="2" charset="-122"/>
                 <a:cs typeface="+mj-cs"/>
               </a:rPr>
               <a:t>3.2 </a:t>
@@ -13790,8 +14169,8 @@
                 <a:solidFill>
                   <a:schemeClr val="tx2"/>
                 </a:solidFill>
-                <a:latin typeface="黑体" pitchFamily="2" charset="-122"/>
-                <a:ea typeface="黑体" pitchFamily="2" charset="-122"/>
+                <a:latin typeface="黑体" panose="02010609060101010101" pitchFamily="2" charset="-122"/>
+                <a:ea typeface="黑体" panose="02010609060101010101" pitchFamily="2" charset="-122"/>
                 <a:cs typeface="+mj-cs"/>
               </a:rPr>
               <a:t>边界值测试</a:t>
@@ -13800,23 +14179,21 @@
               <a:solidFill>
                 <a:schemeClr val="tx2"/>
               </a:solidFill>
-              <a:latin typeface="黑体" pitchFamily="2" charset="-122"/>
-              <a:ea typeface="黑体" pitchFamily="2" charset="-122"/>
+              <a:latin typeface="黑体" panose="02010609060101010101" pitchFamily="2" charset="-122"/>
+              <a:ea typeface="黑体" panose="02010609060101010101" pitchFamily="2" charset="-122"/>
               <a:cs typeface="+mj-cs"/>
             </a:endParaRPr>
           </a:p>
         </p:txBody>
       </p:sp>
     </p:spTree>
-    <p:extLst>
-      <p:ext uri="{BB962C8B-B14F-4D97-AF65-F5344CB8AC3E}">
-        <p14:creationId xmlns:p14="http://schemas.microsoft.com/office/powerpoint/2010/main" val="893474311"/>
-      </p:ext>
-    </p:extLst>
   </p:cSld>
   <p:clrMapOvr>
     <a:masterClrMapping/>
   </p:clrMapOvr>
+  <p:transition>
+    <p:blinds dir="vert"/>
+  </p:transition>
   <p:timing>
     <p:tnLst>
       <p:par>
@@ -13873,20 +14250,25 @@
             </a:pPr>
             <a:r>
               <a:rPr lang="en-US" altLang="zh-CN" b="1" kern="1200" dirty="0">
-                <a:latin typeface="黑体" pitchFamily="2" charset="-122"/>
-                <a:ea typeface="黑体" pitchFamily="2" charset="-122"/>
+                <a:latin typeface="黑体" panose="02010609060101010101" pitchFamily="2" charset="-122"/>
+                <a:ea typeface="黑体" panose="02010609060101010101" pitchFamily="2" charset="-122"/>
                 <a:cs typeface="+mj-cs"/>
               </a:rPr>
               <a:t>3.2 </a:t>
             </a:r>
             <a:r>
               <a:rPr lang="zh-CN" altLang="en-US" b="1" kern="1200" dirty="0">
-                <a:latin typeface="黑体" pitchFamily="2" charset="-122"/>
-                <a:ea typeface="黑体" pitchFamily="2" charset="-122"/>
+                <a:latin typeface="黑体" panose="02010609060101010101" pitchFamily="2" charset="-122"/>
+                <a:ea typeface="黑体" panose="02010609060101010101" pitchFamily="2" charset="-122"/>
                 <a:cs typeface="+mj-cs"/>
               </a:rPr>
               <a:t>边界值测试</a:t>
             </a:r>
+            <a:endParaRPr lang="zh-CN" altLang="en-US" b="1" kern="1200" dirty="0">
+              <a:latin typeface="黑体" panose="02010609060101010101" pitchFamily="2" charset="-122"/>
+              <a:ea typeface="黑体" panose="02010609060101010101" pitchFamily="2" charset="-122"/>
+              <a:cs typeface="+mj-cs"/>
+            </a:endParaRPr>
           </a:p>
         </p:txBody>
       </p:sp>
@@ -13911,7 +14293,7 @@
           <a:lstStyle/>
           <a:p>
             <a:pPr marL="469900" lvl="1" indent="-469900" algn="just" eaLnBrk="1" hangingPunct="1">
-              <a:buFont typeface="Wingdings" pitchFamily="2" charset="2"/>
+              <a:buFont typeface="Wingdings" panose="05000000000000000000" pitchFamily="2" charset="2"/>
               <a:buChar char="o"/>
             </a:pPr>
             <a:r>
@@ -13948,6 +14330,10 @@
               </a:rPr>
               <a:t>商店，它为购买不同数量商品的客户报出不同的价格，即按购买量的不同“分段”计价。</a:t>
             </a:r>
+            <a:endParaRPr lang="zh-CN" altLang="en-US" sz="2400" b="1" dirty="0">
+              <a:latin typeface="+mn-lt"/>
+              <a:ea typeface="+mn-ea"/>
+            </a:endParaRPr>
           </a:p>
         </p:txBody>
       </p:sp>
@@ -13957,13 +14343,7 @@
           <p:cNvGraphicFramePr>
             <a:graphicFrameLocks noGrp="1"/>
           </p:cNvGraphicFramePr>
-          <p:nvPr>
-            <p:extLst>
-              <p:ext uri="{D42A27DB-BD31-4B8C-83A1-F6EECF244321}">
-                <p14:modId xmlns:p14="http://schemas.microsoft.com/office/powerpoint/2010/main" val="556386095"/>
-              </p:ext>
-            </p:extLst>
-          </p:nvPr>
+          <p:nvPr/>
         </p:nvGraphicFramePr>
         <p:xfrm>
           <a:off x="777925" y="3298567"/>
@@ -14498,7 +14878,6 @@
                         <a:buSzTx/>
                         <a:buFontTx/>
                         <a:buNone/>
-                        <a:tabLst/>
                         <a:defRPr/>
                       </a:pPr>
                       <a:r>
@@ -14838,15 +15217,13 @@
         </a:graphic>
       </p:graphicFrame>
     </p:spTree>
-    <p:extLst>
-      <p:ext uri="{BB962C8B-B14F-4D97-AF65-F5344CB8AC3E}">
-        <p14:creationId xmlns:p14="http://schemas.microsoft.com/office/powerpoint/2010/main" val="2473996124"/>
-      </p:ext>
-    </p:extLst>
   </p:cSld>
   <p:clrMapOvr>
     <a:masterClrMapping/>
   </p:clrMapOvr>
+  <p:transition>
+    <p:blinds dir="vert"/>
+  </p:transition>
   <p:timing>
     <p:tnLst>
       <p:par>
@@ -15077,7 +15454,6 @@
       </a:bgFillStyleLst>
     </a:fmtScheme>
   </a:themeElements>
-  <a:objectDefaults/>
   <a:extraClrSchemeLst>
     <a:extraClrScheme>
       <a:clrScheme name="Profile 1">
@@ -15449,6 +15825,11 @@
       <a:clrMap bg1="lt1" tx1="dk1" bg2="lt2" tx2="dk2" accent1="accent1" accent2="accent2" accent3="accent3" accent4="accent4" accent5="accent5" accent6="accent6" hlink="hlink" folHlink="folHlink"/>
     </a:extraClrScheme>
   </a:extraClrSchemeLst>
+  <a:extLst>
+    <a:ext uri="{05A4C25C-085E-4340-85A3-A5531E510DB2}">
+      <thm15:themeFamily xmlns:thm15="http://schemas.microsoft.com/office/thememl/2012/main" name="Office Theme" id="{62F939B6-93AF-4DB8-9C6B-D6C7DFDC589F}" vid="{4A3C46E8-61CC-4603-A589-7422A47A8E4A}"/>
+    </a:ext>
+  </a:extLst>
 </a:theme>
 </file>
 
@@ -15730,8 +16111,11 @@
       </a:bgFillStyleLst>
     </a:fmtScheme>
   </a:themeElements>
-  <a:objectDefaults/>
-  <a:extraClrSchemeLst/>
+  <a:extLst>
+    <a:ext uri="{05A4C25C-085E-4340-85A3-A5531E510DB2}">
+      <thm15:themeFamily xmlns:thm15="http://schemas.microsoft.com/office/thememl/2012/main" name="Office Theme" id="{62F939B6-93AF-4DB8-9C6B-D6C7DFDC589F}" vid="{4A3C46E8-61CC-4603-A589-7422A47A8E4A}"/>
+    </a:ext>
+  </a:extLst>
 </a:theme>
 </file>
 
@@ -16013,7 +16397,10 @@
       </a:bgFillStyleLst>
     </a:fmtScheme>
   </a:themeElements>
-  <a:objectDefaults/>
-  <a:extraClrSchemeLst/>
+  <a:extLst>
+    <a:ext uri="{05A4C25C-085E-4340-85A3-A5531E510DB2}">
+      <thm15:themeFamily xmlns:thm15="http://schemas.microsoft.com/office/thememl/2012/main" name="Office Theme" id="{62F939B6-93AF-4DB8-9C6B-D6C7DFDC589F}" vid="{4A3C46E8-61CC-4603-A589-7422A47A8E4A}"/>
+    </a:ext>
+  </a:extLst>
 </a:theme>
 </file>
--- a/PPT/第二部分 软件测试技术/3.2  黑盒测试技术 -边界值.pptx
+++ b/PPT/第二部分 软件测试技术/3.2  黑盒测试技术 -边界值.pptx
@@ -5830,7 +5830,7 @@
                 <a:latin typeface="华文隶书" panose="02010800040101010101" pitchFamily="2" charset="-122"/>
                 <a:ea typeface="华文隶书" panose="02010800040101010101" pitchFamily="2" charset="-122"/>
               </a:rPr>
-              <a:t>PartII </a:t>
+              <a:t>PartII    </a:t>
             </a:r>
             <a:r>
               <a:rPr lang="zh-CN" altLang="en-US" sz="4400" b="1" smtClean="0">
@@ -11887,13 +11887,13 @@
         </p:nvSpPr>
         <p:spPr>
           <a:xfrm>
-            <a:off x="1205230" y="2493010"/>
-            <a:ext cx="6286500" cy="3463925"/>
+            <a:off x="1564005" y="2493010"/>
+            <a:ext cx="6746875" cy="4147185"/>
           </a:xfrm>
         </p:spPr>
         <p:txBody>
           <a:bodyPr>
-            <a:normAutofit fontScale="70000" lnSpcReduction="20000"/>
+            <a:normAutofit fontScale="90000"/>
           </a:bodyPr>
           <a:lstStyle/>
           <a:p>
@@ -11901,25 +11901,13 @@
               <a:buNone/>
             </a:pPr>
             <a:r>
-              <a:rPr lang="en-US" altLang="zh-CN" dirty="0">
+              <a:rPr lang="en-US" altLang="zh-CN" sz="2400" dirty="0">
                 <a:cs typeface="Consolas" panose="020B0609020204030204" pitchFamily="49" charset="0"/>
               </a:rPr>
-              <a:t>Dim data(10) As </a:t>
-            </a:r>
-            <a:r>
-              <a:rPr lang="en-US" altLang="zh-CN" dirty="0" err="1">
-                <a:cs typeface="Consolas" panose="020B0609020204030204" pitchFamily="49" charset="0"/>
-              </a:rPr>
-              <a:t>Interger</a:t>
-            </a:r>
-            <a:r>
-              <a:rPr lang="en-US" altLang="zh-CN" dirty="0">
-                <a:cs typeface="Consolas" panose="020B0609020204030204" pitchFamily="49" charset="0"/>
-              </a:rPr>
-              <a:t> //</a:t>
-            </a:r>
-            <a:r>
-              <a:rPr lang="zh-CN" altLang="en-US" b="1" dirty="0">
+              <a:t>int a[10] ;     //</a:t>
+            </a:r>
+            <a:r>
+              <a:rPr lang="zh-CN" altLang="en-US" sz="2400" b="1" dirty="0">
                 <a:latin typeface="+mn-ea"/>
                 <a:ea typeface="+mn-ea"/>
                 <a:cs typeface="Consolas" panose="020B0609020204030204" pitchFamily="49" charset="0"/>
@@ -11927,7 +11915,7 @@
               <a:t>创建包含</a:t>
             </a:r>
             <a:r>
-              <a:rPr lang="en-US" altLang="zh-CN" b="1" dirty="0">
+              <a:rPr lang="en-US" altLang="zh-CN" sz="2400" b="1" dirty="0">
                 <a:latin typeface="+mn-ea"/>
                 <a:ea typeface="+mn-ea"/>
                 <a:cs typeface="Consolas" panose="020B0609020204030204" pitchFamily="49" charset="0"/>
@@ -11935,7 +11923,7 @@
               <a:t>10</a:t>
             </a:r>
             <a:r>
-              <a:rPr lang="zh-CN" altLang="en-US" b="1" dirty="0">
+              <a:rPr lang="zh-CN" altLang="en-US" sz="2400" b="1" dirty="0">
                 <a:latin typeface="+mn-ea"/>
                 <a:ea typeface="+mn-ea"/>
                 <a:cs typeface="Consolas" panose="020B0609020204030204" pitchFamily="49" charset="0"/>
@@ -11943,14 +11931,14 @@
               <a:t>个元素的数组</a:t>
             </a:r>
             <a:r>
-              <a:rPr lang="en-US" altLang="zh-CN" b="1" dirty="0">
+              <a:rPr lang="en-US" altLang="zh-CN" sz="2400" b="1" dirty="0">
                 <a:latin typeface="+mn-ea"/>
                 <a:ea typeface="+mn-ea"/>
                 <a:cs typeface="Consolas" panose="020B0609020204030204" pitchFamily="49" charset="0"/>
               </a:rPr>
               <a:t>    </a:t>
             </a:r>
-            <a:endParaRPr lang="en-US" altLang="zh-CN" b="1" dirty="0">
+            <a:endParaRPr lang="en-US" altLang="zh-CN" sz="2400" b="1" dirty="0">
               <a:latin typeface="+mn-ea"/>
               <a:ea typeface="+mn-ea"/>
               <a:cs typeface="Consolas" panose="020B0609020204030204" pitchFamily="49" charset="0"/>
@@ -11961,30 +11949,12 @@
               <a:buNone/>
             </a:pPr>
             <a:r>
-              <a:rPr lang="en-US" altLang="zh-CN" dirty="0">
+              <a:rPr lang="en-US" altLang="zh-CN" sz="2400" dirty="0">
                 <a:cs typeface="Consolas" panose="020B0609020204030204" pitchFamily="49" charset="0"/>
               </a:rPr>
-              <a:t>Dim </a:t>
-            </a:r>
-            <a:r>
-              <a:rPr lang="en-US" altLang="zh-CN" dirty="0" err="1">
-                <a:cs typeface="Consolas" panose="020B0609020204030204" pitchFamily="49" charset="0"/>
-              </a:rPr>
-              <a:t>i</a:t>
-            </a:r>
-            <a:r>
-              <a:rPr lang="en-US" altLang="zh-CN" dirty="0">
-                <a:cs typeface="Consolas" panose="020B0609020204030204" pitchFamily="49" charset="0"/>
-              </a:rPr>
-              <a:t> As </a:t>
-            </a:r>
-            <a:r>
-              <a:rPr lang="en-US" altLang="zh-CN" dirty="0" err="1">
-                <a:cs typeface="Consolas" panose="020B0609020204030204" pitchFamily="49" charset="0"/>
-              </a:rPr>
-              <a:t>Interger</a:t>
-            </a:r>
-            <a:endParaRPr lang="en-US" altLang="zh-CN" dirty="0">
+              <a:t>int i ;</a:t>
+            </a:r>
+            <a:endParaRPr lang="en-US" altLang="zh-CN" sz="2400" dirty="0">
               <a:cs typeface="Consolas" panose="020B0609020204030204" pitchFamily="49" charset="0"/>
             </a:endParaRPr>
           </a:p>
@@ -11993,24 +11963,12 @@
               <a:buNone/>
             </a:pPr>
             <a:r>
-              <a:rPr lang="en-US" altLang="zh-CN" dirty="0">
+              <a:rPr lang="en-US" altLang="zh-CN" sz="2400" dirty="0">
                 <a:cs typeface="Consolas" panose="020B0609020204030204" pitchFamily="49" charset="0"/>
               </a:rPr>
-              <a:t>For </a:t>
-            </a:r>
-            <a:r>
-              <a:rPr lang="en-US" altLang="zh-CN" dirty="0" err="1">
-                <a:cs typeface="Consolas" panose="020B0609020204030204" pitchFamily="49" charset="0"/>
-              </a:rPr>
-              <a:t>i</a:t>
-            </a:r>
-            <a:r>
-              <a:rPr lang="en-US" altLang="zh-CN" dirty="0">
-                <a:cs typeface="Consolas" panose="020B0609020204030204" pitchFamily="49" charset="0"/>
-              </a:rPr>
-              <a:t> = 1 To 10</a:t>
-            </a:r>
-            <a:endParaRPr lang="en-US" altLang="zh-CN" dirty="0">
+              <a:t>for (i=0;i&lt;11;i++){</a:t>
+            </a:r>
+            <a:endParaRPr lang="en-US" altLang="zh-CN" sz="2400" dirty="0">
               <a:cs typeface="Consolas" panose="020B0609020204030204" pitchFamily="49" charset="0"/>
             </a:endParaRPr>
           </a:p>
@@ -12019,50 +11977,12 @@
               <a:buNone/>
             </a:pPr>
             <a:r>
-              <a:rPr lang="en-US" altLang="zh-CN" dirty="0">
+              <a:rPr lang="en-US" altLang="zh-CN" sz="2400" dirty="0">
                 <a:cs typeface="Consolas" panose="020B0609020204030204" pitchFamily="49" charset="0"/>
               </a:rPr>
-              <a:t>	data(</a:t>
-            </a:r>
-            <a:r>
-              <a:rPr lang="en-US" altLang="zh-CN" dirty="0" err="1">
-                <a:cs typeface="Consolas" panose="020B0609020204030204" pitchFamily="49" charset="0"/>
-              </a:rPr>
-              <a:t>i</a:t>
-            </a:r>
-            <a:r>
-              <a:rPr lang="en-US" altLang="zh-CN" dirty="0">
-                <a:cs typeface="Consolas" panose="020B0609020204030204" pitchFamily="49" charset="0"/>
-              </a:rPr>
-              <a:t>) = -1 </a:t>
-            </a:r>
-            <a:r>
-              <a:rPr lang="en-US" altLang="zh-CN" sz="2900" b="1" dirty="0">
-                <a:latin typeface="+mn-ea"/>
-                <a:ea typeface="+mn-ea"/>
-                <a:cs typeface="Consolas" panose="020B0609020204030204" pitchFamily="49" charset="0"/>
-              </a:rPr>
-              <a:t>//</a:t>
-            </a:r>
-            <a:r>
-              <a:rPr lang="zh-CN" altLang="en-US" sz="2900" b="1" dirty="0">
-                <a:latin typeface="+mn-ea"/>
-                <a:ea typeface="+mn-ea"/>
-                <a:cs typeface="Consolas" panose="020B0609020204030204" pitchFamily="49" charset="0"/>
-              </a:rPr>
-              <a:t>每个数组赋初值 </a:t>
-            </a:r>
-            <a:r>
-              <a:rPr lang="en-US" altLang="zh-CN" sz="2900" b="1" dirty="0">
-                <a:latin typeface="+mn-ea"/>
-                <a:ea typeface="+mn-ea"/>
-                <a:cs typeface="Consolas" panose="020B0609020204030204" pitchFamily="49" charset="0"/>
-              </a:rPr>
-              <a:t>-1</a:t>
-            </a:r>
-            <a:endParaRPr lang="en-US" altLang="zh-CN" sz="2900" b="1" dirty="0">
-              <a:latin typeface="+mn-ea"/>
-              <a:ea typeface="+mn-ea"/>
+              <a:t>	a[i] = i ;</a:t>
+            </a:r>
+            <a:endParaRPr lang="en-US" altLang="zh-CN" sz="2400" dirty="0">
               <a:cs typeface="Consolas" panose="020B0609020204030204" pitchFamily="49" charset="0"/>
             </a:endParaRPr>
           </a:p>
@@ -12071,18 +11991,12 @@
               <a:buNone/>
             </a:pPr>
             <a:r>
-              <a:rPr lang="en-US" altLang="zh-CN" dirty="0">
+              <a:rPr lang="en-US" altLang="zh-CN" sz="2400" dirty="0">
                 <a:cs typeface="Consolas" panose="020B0609020204030204" pitchFamily="49" charset="0"/>
               </a:rPr>
-              <a:t>	Neat </a:t>
-            </a:r>
-            <a:r>
-              <a:rPr lang="en-US" altLang="zh-CN" dirty="0" err="1">
-                <a:cs typeface="Consolas" panose="020B0609020204030204" pitchFamily="49" charset="0"/>
-              </a:rPr>
-              <a:t>i</a:t>
-            </a:r>
-            <a:endParaRPr lang="en-US" altLang="zh-CN" dirty="0">
+              <a:t>	printf(“%d \n”,a[i]);</a:t>
+            </a:r>
+            <a:endParaRPr lang="en-US" altLang="zh-CN" sz="2400" dirty="0">
               <a:cs typeface="Consolas" panose="020B0609020204030204" pitchFamily="49" charset="0"/>
             </a:endParaRPr>
           </a:p>
@@ -12091,12 +12005,12 @@
               <a:buNone/>
             </a:pPr>
             <a:r>
-              <a:rPr lang="en-US" altLang="zh-CN" dirty="0">
+              <a:rPr lang="en-US" altLang="zh-CN" sz="2400" dirty="0">
                 <a:cs typeface="Consolas" panose="020B0609020204030204" pitchFamily="49" charset="0"/>
               </a:rPr>
-              <a:t>End</a:t>
-            </a:r>
-            <a:endParaRPr lang="en-US" altLang="zh-CN" dirty="0">
+              <a:t>}</a:t>
+            </a:r>
+            <a:endParaRPr lang="en-US" altLang="zh-CN" sz="2400" dirty="0">
               <a:cs typeface="Consolas" panose="020B0609020204030204" pitchFamily="49" charset="0"/>
             </a:endParaRPr>
           </a:p>
@@ -12105,37 +12019,11 @@
               <a:buNone/>
             </a:pPr>
             <a:r>
-              <a:rPr lang="en-US" altLang="zh-CN" sz="2900" b="1" dirty="0">
-                <a:solidFill>
-                  <a:srgbClr val="FF0000"/>
-                </a:solidFill>
-                <a:latin typeface="+mn-ea"/>
-                <a:ea typeface="+mn-ea"/>
+              <a:rPr lang="en-US" altLang="zh-CN" dirty="0">
                 <a:cs typeface="Consolas" panose="020B0609020204030204" pitchFamily="49" charset="0"/>
               </a:rPr>
-              <a:t>data(0)—data(10)</a:t>
-            </a:r>
-            <a:r>
-              <a:rPr lang="zh-CN" altLang="en-US" sz="2900" b="1" dirty="0">
-                <a:solidFill>
-                  <a:srgbClr val="FF0000"/>
-                </a:solidFill>
-                <a:latin typeface="+mn-ea"/>
-                <a:ea typeface="+mn-ea"/>
-                <a:cs typeface="Consolas" panose="020B0609020204030204" pitchFamily="49" charset="0"/>
-              </a:rPr>
-              <a:t>的值分别为什么？</a:t>
-            </a:r>
-            <a:endParaRPr lang="en-US" altLang="zh-CN" sz="2900" b="1" dirty="0">
-              <a:solidFill>
-                <a:srgbClr val="FF0000"/>
-              </a:solidFill>
-              <a:latin typeface="+mn-ea"/>
-              <a:ea typeface="+mn-ea"/>
-              <a:cs typeface="Consolas" panose="020B0609020204030204" pitchFamily="49" charset="0"/>
-            </a:endParaRPr>
-          </a:p>
-          <a:p>
+              <a:t>	</a:t>
+            </a:r>
             <a:endParaRPr lang="zh-CN" altLang="en-US" dirty="0"/>
           </a:p>
         </p:txBody>
@@ -12205,133 +12093,7 @@
   <p:timing>
     <p:tnLst>
       <p:par>
-        <p:cTn id="1" dur="indefinite" restart="never" nodeType="tmRoot">
-          <p:childTnLst>
-            <p:seq concurrent="1" nextAc="seek">
-              <p:cTn id="2" dur="indefinite" nodeType="mainSeq">
-                <p:childTnLst>
-                  <p:par>
-                    <p:cTn id="3" fill="hold">
-                      <p:stCondLst>
-                        <p:cond delay="indefinite"/>
-                      </p:stCondLst>
-                      <p:childTnLst>
-                        <p:par>
-                          <p:cTn id="4" fill="hold">
-                            <p:stCondLst>
-                              <p:cond delay="0"/>
-                            </p:stCondLst>
-                            <p:childTnLst>
-                              <p:par>
-                                <p:cTn id="5" presetID="2" presetClass="entr" presetSubtype="4" fill="hold" nodeType="clickEffect">
-                                  <p:stCondLst>
-                                    <p:cond delay="0"/>
-                                  </p:stCondLst>
-                                  <p:childTnLst>
-                                    <p:set>
-                                      <p:cBhvr>
-                                        <p:cTn id="6" dur="1" fill="hold">
-                                          <p:stCondLst>
-                                            <p:cond delay="0"/>
-                                          </p:stCondLst>
-                                        </p:cTn>
-                                        <p:tgtEl>
-                                          <p:spTgt spid="3">
-                                            <p:txEl>
-                                              <p:pRg st="6" end="6"/>
-                                            </p:txEl>
-                                          </p:spTgt>
-                                        </p:tgtEl>
-                                        <p:attrNameLst>
-                                          <p:attrName>style.visibility</p:attrName>
-                                        </p:attrNameLst>
-                                      </p:cBhvr>
-                                      <p:to>
-                                        <p:strVal val="visible"/>
-                                      </p:to>
-                                    </p:set>
-                                    <p:anim calcmode="lin" valueType="num">
-                                      <p:cBhvr additive="base">
-                                        <p:cTn id="7" dur="500" fill="hold"/>
-                                        <p:tgtEl>
-                                          <p:spTgt spid="3">
-                                            <p:txEl>
-                                              <p:pRg st="6" end="6"/>
-                                            </p:txEl>
-                                          </p:spTgt>
-                                        </p:tgtEl>
-                                        <p:attrNameLst>
-                                          <p:attrName>ppt_x</p:attrName>
-                                        </p:attrNameLst>
-                                      </p:cBhvr>
-                                      <p:tavLst>
-                                        <p:tav tm="0">
-                                          <p:val>
-                                            <p:strVal val="#ppt_x"/>
-                                          </p:val>
-                                        </p:tav>
-                                        <p:tav tm="100000">
-                                          <p:val>
-                                            <p:strVal val="#ppt_x"/>
-                                          </p:val>
-                                        </p:tav>
-                                      </p:tavLst>
-                                    </p:anim>
-                                    <p:anim calcmode="lin" valueType="num">
-                                      <p:cBhvr additive="base">
-                                        <p:cTn id="8" dur="500" fill="hold"/>
-                                        <p:tgtEl>
-                                          <p:spTgt spid="3">
-                                            <p:txEl>
-                                              <p:pRg st="6" end="6"/>
-                                            </p:txEl>
-                                          </p:spTgt>
-                                        </p:tgtEl>
-                                        <p:attrNameLst>
-                                          <p:attrName>ppt_y</p:attrName>
-                                        </p:attrNameLst>
-                                      </p:cBhvr>
-                                      <p:tavLst>
-                                        <p:tav tm="0">
-                                          <p:val>
-                                            <p:strVal val="1+#ppt_h/2"/>
-                                          </p:val>
-                                        </p:tav>
-                                        <p:tav tm="100000">
-                                          <p:val>
-                                            <p:strVal val="#ppt_y"/>
-                                          </p:val>
-                                        </p:tav>
-                                      </p:tavLst>
-                                    </p:anim>
-                                  </p:childTnLst>
-                                </p:cTn>
-                              </p:par>
-                            </p:childTnLst>
-                          </p:cTn>
-                        </p:par>
-                      </p:childTnLst>
-                    </p:cTn>
-                  </p:par>
-                </p:childTnLst>
-              </p:cTn>
-              <p:prevCondLst>
-                <p:cond evt="onPrev" delay="0">
-                  <p:tgtEl>
-                    <p:sldTgt/>
-                  </p:tgtEl>
-                </p:cond>
-              </p:prevCondLst>
-              <p:nextCondLst>
-                <p:cond evt="onNext" delay="0">
-                  <p:tgtEl>
-                    <p:sldTgt/>
-                  </p:tgtEl>
-                </p:cond>
-              </p:nextCondLst>
-            </p:seq>
-          </p:childTnLst>
-        </p:cTn>
+        <p:cTn id="1" dur="indefinite" restart="never" nodeType="tmRoot"/>
       </p:par>
     </p:tnLst>
   </p:timing>
